--- a/P7_claireau_thomas/présentation-p7-php-openclassrooms.pptx
+++ b/P7_claireau_thomas/présentation-p7-php-openclassrooms.pptx
@@ -5,7 +5,7 @@
     <p:sldMasterId id="2147483659" r:id="rId1"/>
   </p:sldMasterIdLst>
   <p:notesMasterIdLst>
-    <p:notesMasterId r:id="rId16"/>
+    <p:notesMasterId r:id="rId12"/>
   </p:notesMasterIdLst>
   <p:sldIdLst>
     <p:sldId id="256" r:id="rId2"/>
@@ -13,32 +13,28 @@
     <p:sldId id="263" r:id="rId4"/>
     <p:sldId id="264" r:id="rId5"/>
     <p:sldId id="266" r:id="rId6"/>
-    <p:sldId id="273" r:id="rId7"/>
-    <p:sldId id="268" r:id="rId8"/>
-    <p:sldId id="274" r:id="rId9"/>
-    <p:sldId id="275" r:id="rId10"/>
-    <p:sldId id="269" r:id="rId11"/>
-    <p:sldId id="270" r:id="rId12"/>
-    <p:sldId id="276" r:id="rId13"/>
-    <p:sldId id="271" r:id="rId14"/>
-    <p:sldId id="272" r:id="rId15"/>
+    <p:sldId id="270" r:id="rId7"/>
+    <p:sldId id="269" r:id="rId8"/>
+    <p:sldId id="276" r:id="rId9"/>
+    <p:sldId id="271" r:id="rId10"/>
+    <p:sldId id="272" r:id="rId11"/>
   </p:sldIdLst>
   <p:sldSz cx="12192000" cy="6858000"/>
   <p:notesSz cx="6858000" cy="9144000"/>
   <p:embeddedFontLst>
+    <p:embeddedFont>
+      <p:font typeface="Calibri" panose="020F0502020204030204" pitchFamily="34" charset="0"/>
+      <p:regular r:id="rId13"/>
+      <p:bold r:id="rId14"/>
+      <p:italic r:id="rId15"/>
+      <p:boldItalic r:id="rId16"/>
+    </p:embeddedFont>
     <p:embeddedFont>
       <p:font typeface="Quattrocento Sans" panose="020B0604020202020204" charset="0"/>
       <p:regular r:id="rId17"/>
       <p:bold r:id="rId18"/>
       <p:italic r:id="rId19"/>
       <p:boldItalic r:id="rId20"/>
-    </p:embeddedFont>
-    <p:embeddedFont>
-      <p:font typeface="Calibri" panose="020F0502020204030204" pitchFamily="34" charset="0"/>
-      <p:regular r:id="rId21"/>
-      <p:bold r:id="rId22"/>
-      <p:italic r:id="rId23"/>
-      <p:boldItalic r:id="rId24"/>
     </p:embeddedFont>
   </p:embeddedFontLst>
   <p:defaultTextStyle>
@@ -920,442 +916,6 @@
     </p:spTree>
     <p:extLst>
       <p:ext uri="{BB962C8B-B14F-4D97-AF65-F5344CB8AC3E}">
-        <p14:creationId xmlns:p14="http://schemas.microsoft.com/office/powerpoint/2010/main" val="2926777525"/>
-      </p:ext>
-    </p:extLst>
-  </p:cSld>
-  <p:clrMapOvr>
-    <a:masterClrMapping/>
-  </p:clrMapOvr>
-</p:notes>
-</file>
-
-<file path=ppt/notesSlides/notesSlide11.xml><?xml version="1.0" encoding="utf-8"?>
-<p:notes xmlns:a="http://schemas.openxmlformats.org/drawingml/2006/main" xmlns:r="http://schemas.openxmlformats.org/officeDocument/2006/relationships" xmlns:p="http://schemas.openxmlformats.org/presentationml/2006/main" showMasterSp="0" showMasterPhAnim="0">
-  <p:cSld>
-    <p:spTree>
-      <p:nvGrpSpPr>
-        <p:cNvPr id="1" name="Shape 100"/>
-        <p:cNvGrpSpPr/>
-        <p:nvPr/>
-      </p:nvGrpSpPr>
-      <p:grpSpPr>
-        <a:xfrm>
-          <a:off x="0" y="0"/>
-          <a:ext cx="0" cy="0"/>
-          <a:chOff x="0" y="0"/>
-          <a:chExt cx="0" cy="0"/>
-        </a:xfrm>
-      </p:grpSpPr>
-      <p:sp>
-        <p:nvSpPr>
-          <p:cNvPr id="101" name="Google Shape;101;p4:notes"/>
-          <p:cNvSpPr txBox="1">
-            <a:spLocks noGrp="1"/>
-          </p:cNvSpPr>
-          <p:nvPr>
-            <p:ph type="body" idx="1"/>
-          </p:nvPr>
-        </p:nvSpPr>
-        <p:spPr>
-          <a:xfrm>
-            <a:off x="685800" y="4343400"/>
-            <a:ext cx="5486400" cy="4114800"/>
-          </a:xfrm>
-          <a:prstGeom prst="rect">
-            <a:avLst/>
-          </a:prstGeom>
-        </p:spPr>
-        <p:txBody>
-          <a:bodyPr spcFirstLastPara="1" wrap="square" lIns="91425" tIns="91425" rIns="91425" bIns="91425" anchor="t" anchorCtr="0">
-            <a:noAutofit/>
-          </a:bodyPr>
-          <a:lstStyle/>
-          <a:p>
-            <a:pPr marL="0" lvl="0" indent="0" algn="l" rtl="0">
-              <a:spcBef>
-                <a:spcPts val="0"/>
-              </a:spcBef>
-              <a:spcAft>
-                <a:spcPts val="0"/>
-              </a:spcAft>
-              <a:buNone/>
-            </a:pPr>
-            <a:endParaRPr dirty="0"/>
-          </a:p>
-        </p:txBody>
-      </p:sp>
-      <p:sp>
-        <p:nvSpPr>
-          <p:cNvPr id="102" name="Google Shape;102;p4:notes"/>
-          <p:cNvSpPr>
-            <a:spLocks noGrp="1" noRot="1" noChangeAspect="1"/>
-          </p:cNvSpPr>
-          <p:nvPr>
-            <p:ph type="sldImg" idx="2"/>
-          </p:nvPr>
-        </p:nvSpPr>
-        <p:spPr>
-          <a:xfrm>
-            <a:off x="381000" y="685800"/>
-            <a:ext cx="6096000" cy="3429000"/>
-          </a:xfrm>
-          <a:custGeom>
-            <a:avLst/>
-            <a:gdLst/>
-            <a:ahLst/>
-            <a:cxnLst/>
-            <a:rect l="l" t="t" r="r" b="b"/>
-            <a:pathLst>
-              <a:path w="120000" h="120000" extrusionOk="0">
-                <a:moveTo>
-                  <a:pt x="0" y="0"/>
-                </a:moveTo>
-                <a:lnTo>
-                  <a:pt x="120000" y="0"/>
-                </a:lnTo>
-                <a:lnTo>
-                  <a:pt x="120000" y="120000"/>
-                </a:lnTo>
-                <a:lnTo>
-                  <a:pt x="0" y="120000"/>
-                </a:lnTo>
-                <a:close/>
-              </a:path>
-            </a:pathLst>
-          </a:custGeom>
-        </p:spPr>
-      </p:sp>
-    </p:spTree>
-    <p:extLst>
-      <p:ext uri="{BB962C8B-B14F-4D97-AF65-F5344CB8AC3E}">
-        <p14:creationId xmlns:p14="http://schemas.microsoft.com/office/powerpoint/2010/main" val="866196093"/>
-      </p:ext>
-    </p:extLst>
-  </p:cSld>
-  <p:clrMapOvr>
-    <a:masterClrMapping/>
-  </p:clrMapOvr>
-</p:notes>
-</file>
-
-<file path=ppt/notesSlides/notesSlide12.xml><?xml version="1.0" encoding="utf-8"?>
-<p:notes xmlns:a="http://schemas.openxmlformats.org/drawingml/2006/main" xmlns:r="http://schemas.openxmlformats.org/officeDocument/2006/relationships" xmlns:p="http://schemas.openxmlformats.org/presentationml/2006/main" showMasterSp="0" showMasterPhAnim="0">
-  <p:cSld>
-    <p:spTree>
-      <p:nvGrpSpPr>
-        <p:cNvPr id="1" name="Shape 100"/>
-        <p:cNvGrpSpPr/>
-        <p:nvPr/>
-      </p:nvGrpSpPr>
-      <p:grpSpPr>
-        <a:xfrm>
-          <a:off x="0" y="0"/>
-          <a:ext cx="0" cy="0"/>
-          <a:chOff x="0" y="0"/>
-          <a:chExt cx="0" cy="0"/>
-        </a:xfrm>
-      </p:grpSpPr>
-      <p:sp>
-        <p:nvSpPr>
-          <p:cNvPr id="101" name="Google Shape;101;p4:notes"/>
-          <p:cNvSpPr txBox="1">
-            <a:spLocks noGrp="1"/>
-          </p:cNvSpPr>
-          <p:nvPr>
-            <p:ph type="body" idx="1"/>
-          </p:nvPr>
-        </p:nvSpPr>
-        <p:spPr>
-          <a:xfrm>
-            <a:off x="685800" y="4343400"/>
-            <a:ext cx="5486400" cy="4114800"/>
-          </a:xfrm>
-          <a:prstGeom prst="rect">
-            <a:avLst/>
-          </a:prstGeom>
-        </p:spPr>
-        <p:txBody>
-          <a:bodyPr spcFirstLastPara="1" wrap="square" lIns="91425" tIns="91425" rIns="91425" bIns="91425" anchor="t" anchorCtr="0">
-            <a:noAutofit/>
-          </a:bodyPr>
-          <a:lstStyle/>
-          <a:p>
-            <a:pPr marL="0" lvl="0" indent="0" algn="l" rtl="0">
-              <a:spcBef>
-                <a:spcPts val="0"/>
-              </a:spcBef>
-              <a:spcAft>
-                <a:spcPts val="0"/>
-              </a:spcAft>
-              <a:buNone/>
-            </a:pPr>
-            <a:endParaRPr dirty="0"/>
-          </a:p>
-        </p:txBody>
-      </p:sp>
-      <p:sp>
-        <p:nvSpPr>
-          <p:cNvPr id="102" name="Google Shape;102;p4:notes"/>
-          <p:cNvSpPr>
-            <a:spLocks noGrp="1" noRot="1" noChangeAspect="1"/>
-          </p:cNvSpPr>
-          <p:nvPr>
-            <p:ph type="sldImg" idx="2"/>
-          </p:nvPr>
-        </p:nvSpPr>
-        <p:spPr>
-          <a:xfrm>
-            <a:off x="381000" y="685800"/>
-            <a:ext cx="6096000" cy="3429000"/>
-          </a:xfrm>
-          <a:custGeom>
-            <a:avLst/>
-            <a:gdLst/>
-            <a:ahLst/>
-            <a:cxnLst/>
-            <a:rect l="l" t="t" r="r" b="b"/>
-            <a:pathLst>
-              <a:path w="120000" h="120000" extrusionOk="0">
-                <a:moveTo>
-                  <a:pt x="0" y="0"/>
-                </a:moveTo>
-                <a:lnTo>
-                  <a:pt x="120000" y="0"/>
-                </a:lnTo>
-                <a:lnTo>
-                  <a:pt x="120000" y="120000"/>
-                </a:lnTo>
-                <a:lnTo>
-                  <a:pt x="0" y="120000"/>
-                </a:lnTo>
-                <a:close/>
-              </a:path>
-            </a:pathLst>
-          </a:custGeom>
-        </p:spPr>
-      </p:sp>
-    </p:spTree>
-    <p:extLst>
-      <p:ext uri="{BB962C8B-B14F-4D97-AF65-F5344CB8AC3E}">
-        <p14:creationId xmlns:p14="http://schemas.microsoft.com/office/powerpoint/2010/main" val="2772758609"/>
-      </p:ext>
-    </p:extLst>
-  </p:cSld>
-  <p:clrMapOvr>
-    <a:masterClrMapping/>
-  </p:clrMapOvr>
-</p:notes>
-</file>
-
-<file path=ppt/notesSlides/notesSlide13.xml><?xml version="1.0" encoding="utf-8"?>
-<p:notes xmlns:a="http://schemas.openxmlformats.org/drawingml/2006/main" xmlns:r="http://schemas.openxmlformats.org/officeDocument/2006/relationships" xmlns:p="http://schemas.openxmlformats.org/presentationml/2006/main" showMasterSp="0" showMasterPhAnim="0">
-  <p:cSld>
-    <p:spTree>
-      <p:nvGrpSpPr>
-        <p:cNvPr id="1" name="Shape 100"/>
-        <p:cNvGrpSpPr/>
-        <p:nvPr/>
-      </p:nvGrpSpPr>
-      <p:grpSpPr>
-        <a:xfrm>
-          <a:off x="0" y="0"/>
-          <a:ext cx="0" cy="0"/>
-          <a:chOff x="0" y="0"/>
-          <a:chExt cx="0" cy="0"/>
-        </a:xfrm>
-      </p:grpSpPr>
-      <p:sp>
-        <p:nvSpPr>
-          <p:cNvPr id="101" name="Google Shape;101;p4:notes"/>
-          <p:cNvSpPr txBox="1">
-            <a:spLocks noGrp="1"/>
-          </p:cNvSpPr>
-          <p:nvPr>
-            <p:ph type="body" idx="1"/>
-          </p:nvPr>
-        </p:nvSpPr>
-        <p:spPr>
-          <a:xfrm>
-            <a:off x="685800" y="4343400"/>
-            <a:ext cx="5486400" cy="4114800"/>
-          </a:xfrm>
-          <a:prstGeom prst="rect">
-            <a:avLst/>
-          </a:prstGeom>
-        </p:spPr>
-        <p:txBody>
-          <a:bodyPr spcFirstLastPara="1" wrap="square" lIns="91425" tIns="91425" rIns="91425" bIns="91425" anchor="t" anchorCtr="0">
-            <a:noAutofit/>
-          </a:bodyPr>
-          <a:lstStyle/>
-          <a:p>
-            <a:pPr marL="0" lvl="0" indent="0" algn="l" rtl="0">
-              <a:spcBef>
-                <a:spcPts val="0"/>
-              </a:spcBef>
-              <a:spcAft>
-                <a:spcPts val="0"/>
-              </a:spcAft>
-              <a:buNone/>
-            </a:pPr>
-            <a:endParaRPr dirty="0"/>
-          </a:p>
-        </p:txBody>
-      </p:sp>
-      <p:sp>
-        <p:nvSpPr>
-          <p:cNvPr id="102" name="Google Shape;102;p4:notes"/>
-          <p:cNvSpPr>
-            <a:spLocks noGrp="1" noRot="1" noChangeAspect="1"/>
-          </p:cNvSpPr>
-          <p:nvPr>
-            <p:ph type="sldImg" idx="2"/>
-          </p:nvPr>
-        </p:nvSpPr>
-        <p:spPr>
-          <a:xfrm>
-            <a:off x="381000" y="685800"/>
-            <a:ext cx="6096000" cy="3429000"/>
-          </a:xfrm>
-          <a:custGeom>
-            <a:avLst/>
-            <a:gdLst/>
-            <a:ahLst/>
-            <a:cxnLst/>
-            <a:rect l="l" t="t" r="r" b="b"/>
-            <a:pathLst>
-              <a:path w="120000" h="120000" extrusionOk="0">
-                <a:moveTo>
-                  <a:pt x="0" y="0"/>
-                </a:moveTo>
-                <a:lnTo>
-                  <a:pt x="120000" y="0"/>
-                </a:lnTo>
-                <a:lnTo>
-                  <a:pt x="120000" y="120000"/>
-                </a:lnTo>
-                <a:lnTo>
-                  <a:pt x="0" y="120000"/>
-                </a:lnTo>
-                <a:close/>
-              </a:path>
-            </a:pathLst>
-          </a:custGeom>
-        </p:spPr>
-      </p:sp>
-    </p:spTree>
-    <p:extLst>
-      <p:ext uri="{BB962C8B-B14F-4D97-AF65-F5344CB8AC3E}">
-        <p14:creationId xmlns:p14="http://schemas.microsoft.com/office/powerpoint/2010/main" val="3453708629"/>
-      </p:ext>
-    </p:extLst>
-  </p:cSld>
-  <p:clrMapOvr>
-    <a:masterClrMapping/>
-  </p:clrMapOvr>
-</p:notes>
-</file>
-
-<file path=ppt/notesSlides/notesSlide14.xml><?xml version="1.0" encoding="utf-8"?>
-<p:notes xmlns:a="http://schemas.openxmlformats.org/drawingml/2006/main" xmlns:r="http://schemas.openxmlformats.org/officeDocument/2006/relationships" xmlns:p="http://schemas.openxmlformats.org/presentationml/2006/main" showMasterSp="0" showMasterPhAnim="0">
-  <p:cSld>
-    <p:spTree>
-      <p:nvGrpSpPr>
-        <p:cNvPr id="1" name="Shape 100"/>
-        <p:cNvGrpSpPr/>
-        <p:nvPr/>
-      </p:nvGrpSpPr>
-      <p:grpSpPr>
-        <a:xfrm>
-          <a:off x="0" y="0"/>
-          <a:ext cx="0" cy="0"/>
-          <a:chOff x="0" y="0"/>
-          <a:chExt cx="0" cy="0"/>
-        </a:xfrm>
-      </p:grpSpPr>
-      <p:sp>
-        <p:nvSpPr>
-          <p:cNvPr id="101" name="Google Shape;101;p4:notes"/>
-          <p:cNvSpPr txBox="1">
-            <a:spLocks noGrp="1"/>
-          </p:cNvSpPr>
-          <p:nvPr>
-            <p:ph type="body" idx="1"/>
-          </p:nvPr>
-        </p:nvSpPr>
-        <p:spPr>
-          <a:xfrm>
-            <a:off x="685800" y="4343400"/>
-            <a:ext cx="5486400" cy="4114800"/>
-          </a:xfrm>
-          <a:prstGeom prst="rect">
-            <a:avLst/>
-          </a:prstGeom>
-        </p:spPr>
-        <p:txBody>
-          <a:bodyPr spcFirstLastPara="1" wrap="square" lIns="91425" tIns="91425" rIns="91425" bIns="91425" anchor="t" anchorCtr="0">
-            <a:noAutofit/>
-          </a:bodyPr>
-          <a:lstStyle/>
-          <a:p>
-            <a:pPr marL="0" lvl="0" indent="0" algn="l" rtl="0">
-              <a:spcBef>
-                <a:spcPts val="0"/>
-              </a:spcBef>
-              <a:spcAft>
-                <a:spcPts val="0"/>
-              </a:spcAft>
-              <a:buNone/>
-            </a:pPr>
-            <a:endParaRPr dirty="0"/>
-          </a:p>
-        </p:txBody>
-      </p:sp>
-      <p:sp>
-        <p:nvSpPr>
-          <p:cNvPr id="102" name="Google Shape;102;p4:notes"/>
-          <p:cNvSpPr>
-            <a:spLocks noGrp="1" noRot="1" noChangeAspect="1"/>
-          </p:cNvSpPr>
-          <p:nvPr>
-            <p:ph type="sldImg" idx="2"/>
-          </p:nvPr>
-        </p:nvSpPr>
-        <p:spPr>
-          <a:xfrm>
-            <a:off x="381000" y="685800"/>
-            <a:ext cx="6096000" cy="3429000"/>
-          </a:xfrm>
-          <a:custGeom>
-            <a:avLst/>
-            <a:gdLst/>
-            <a:ahLst/>
-            <a:cxnLst/>
-            <a:rect l="l" t="t" r="r" b="b"/>
-            <a:pathLst>
-              <a:path w="120000" h="120000" extrusionOk="0">
-                <a:moveTo>
-                  <a:pt x="0" y="0"/>
-                </a:moveTo>
-                <a:lnTo>
-                  <a:pt x="120000" y="0"/>
-                </a:lnTo>
-                <a:lnTo>
-                  <a:pt x="120000" y="120000"/>
-                </a:lnTo>
-                <a:lnTo>
-                  <a:pt x="0" y="120000"/>
-                </a:lnTo>
-                <a:close/>
-              </a:path>
-            </a:pathLst>
-          </a:custGeom>
-        </p:spPr>
-      </p:sp>
-    </p:spTree>
-    <p:extLst>
-      <p:ext uri="{BB962C8B-B14F-4D97-AF65-F5344CB8AC3E}">
         <p14:creationId xmlns:p14="http://schemas.microsoft.com/office/powerpoint/2010/main" val="3881603678"/>
       </p:ext>
     </p:extLst>
@@ -1901,7 +1461,7 @@
     </p:spTree>
     <p:extLst>
       <p:ext uri="{BB962C8B-B14F-4D97-AF65-F5344CB8AC3E}">
-        <p14:creationId xmlns:p14="http://schemas.microsoft.com/office/powerpoint/2010/main" val="3075246423"/>
+        <p14:creationId xmlns:p14="http://schemas.microsoft.com/office/powerpoint/2010/main" val="866196093"/>
       </p:ext>
     </p:extLst>
   </p:cSld>
@@ -2010,7 +1570,7 @@
     </p:spTree>
     <p:extLst>
       <p:ext uri="{BB962C8B-B14F-4D97-AF65-F5344CB8AC3E}">
-        <p14:creationId xmlns:p14="http://schemas.microsoft.com/office/powerpoint/2010/main" val="1510592940"/>
+        <p14:creationId xmlns:p14="http://schemas.microsoft.com/office/powerpoint/2010/main" val="2926777525"/>
       </p:ext>
     </p:extLst>
   </p:cSld>
@@ -2119,7 +1679,7 @@
     </p:spTree>
     <p:extLst>
       <p:ext uri="{BB962C8B-B14F-4D97-AF65-F5344CB8AC3E}">
-        <p14:creationId xmlns:p14="http://schemas.microsoft.com/office/powerpoint/2010/main" val="3248547023"/>
+        <p14:creationId xmlns:p14="http://schemas.microsoft.com/office/powerpoint/2010/main" val="2772758609"/>
       </p:ext>
     </p:extLst>
   </p:cSld>
@@ -2228,7 +1788,7 @@
     </p:spTree>
     <p:extLst>
       <p:ext uri="{BB962C8B-B14F-4D97-AF65-F5344CB8AC3E}">
-        <p14:creationId xmlns:p14="http://schemas.microsoft.com/office/powerpoint/2010/main" val="651315115"/>
+        <p14:creationId xmlns:p14="http://schemas.microsoft.com/office/powerpoint/2010/main" val="3453708629"/>
       </p:ext>
     </p:extLst>
   </p:cSld>
@@ -12661,7 +12221,7 @@
                 <a:cs typeface="Quattrocento Sans"/>
                 <a:sym typeface="Quattrocento Sans"/>
               </a:rPr>
-              <a:t>P6 </a:t>
+              <a:t>P7 </a:t>
             </a:r>
             <a:r>
               <a:rPr lang="fr-FR" sz="4400" b="1" dirty="0">
@@ -12670,25 +12230,7 @@
                 <a:cs typeface="Quattrocento Sans"/>
                 <a:sym typeface="Quattrocento Sans"/>
               </a:rPr>
-              <a:t>– </a:t>
-            </a:r>
-            <a:r>
-              <a:rPr lang="fr-FR" sz="4400" b="1" dirty="0">
-                <a:latin typeface="Quattrocento Sans"/>
-                <a:ea typeface="Quattrocento Sans"/>
-                <a:cs typeface="Quattrocento Sans"/>
-                <a:sym typeface="Quattrocento Sans"/>
-              </a:rPr>
-              <a:t>Développez de A à Z le site communautaire </a:t>
-            </a:r>
-            <a:r>
-              <a:rPr lang="fr-FR" sz="4400" b="1" dirty="0" err="1">
-                <a:latin typeface="Quattrocento Sans"/>
-                <a:ea typeface="Quattrocento Sans"/>
-                <a:cs typeface="Quattrocento Sans"/>
-                <a:sym typeface="Quattrocento Sans"/>
-              </a:rPr>
-              <a:t>SnowTricks</a:t>
+              <a:t>– Créez un web service exposant une API</a:t>
             </a:r>
             <a:endParaRPr sz="4400" b="1" dirty="0">
               <a:latin typeface="Quattrocento Sans"/>
@@ -12868,22 +12410,13 @@
               <a:buSzPts val="3959"/>
             </a:pPr>
             <a:r>
-              <a:rPr lang="fr-FR" sz="3959" dirty="0">
-                <a:latin typeface="Quattrocento Sans"/>
-                <a:ea typeface="Quattrocento Sans"/>
-                <a:cs typeface="Quattrocento Sans"/>
-                <a:sym typeface="Quattrocento Sans"/>
-              </a:rPr>
-              <a:t>Présentation de l’application</a:t>
-            </a:r>
-            <a:r>
               <a:rPr lang="fr-FR" sz="3959" dirty="0" smtClean="0">
                 <a:latin typeface="Quattrocento Sans"/>
                 <a:ea typeface="Quattrocento Sans"/>
                 <a:cs typeface="Quattrocento Sans"/>
                 <a:sym typeface="Quattrocento Sans"/>
               </a:rPr>
-              <a:t/>
+              <a:t>Présentation technique</a:t>
             </a:r>
             <a:br>
               <a:rPr lang="fr-FR" sz="3959" dirty="0" smtClean="0">
@@ -12905,8 +12438,540 @@
                 <a:cs typeface="Quattrocento Sans"/>
                 <a:sym typeface="Quattrocento Sans"/>
               </a:rPr>
-              <a:t>Page </a:t>
-            </a:r>
+              <a:t>Analyse d’un correctif </a:t>
+            </a:r>
+            <a:r>
+              <a:rPr lang="fr-FR" sz="2400" dirty="0" err="1" smtClean="0">
+                <a:solidFill>
+                  <a:schemeClr val="bg1">
+                    <a:lumMod val="65000"/>
+                  </a:schemeClr>
+                </a:solidFill>
+                <a:latin typeface="Quattrocento Sans"/>
+                <a:ea typeface="Quattrocento Sans"/>
+                <a:cs typeface="Quattrocento Sans"/>
+                <a:sym typeface="Quattrocento Sans"/>
+              </a:rPr>
+              <a:t>Codacy</a:t>
+            </a:r>
+            <a:endParaRPr sz="1979" dirty="0">
+              <a:solidFill>
+                <a:schemeClr val="bg1">
+                  <a:lumMod val="65000"/>
+                </a:schemeClr>
+              </a:solidFill>
+              <a:latin typeface="Quattrocento Sans"/>
+              <a:ea typeface="Quattrocento Sans"/>
+              <a:cs typeface="Quattrocento Sans"/>
+              <a:sym typeface="Quattrocento Sans"/>
+            </a:endParaRPr>
+          </a:p>
+        </p:txBody>
+      </p:sp>
+      <p:pic>
+        <p:nvPicPr>
+          <p:cNvPr id="108" name="Google Shape;108;p15"/>
+          <p:cNvPicPr preferRelativeResize="0"/>
+          <p:nvPr/>
+        </p:nvPicPr>
+        <p:blipFill rotWithShape="1">
+          <a:blip r:embed="rId3">
+            <a:alphaModFix/>
+          </a:blip>
+          <a:srcRect/>
+          <a:stretch/>
+        </p:blipFill>
+        <p:spPr>
+          <a:xfrm>
+            <a:off x="10575769" y="236741"/>
+            <a:ext cx="591628" cy="591628"/>
+          </a:xfrm>
+          <a:prstGeom prst="rect">
+            <a:avLst/>
+          </a:prstGeom>
+          <a:noFill/>
+          <a:ln>
+            <a:noFill/>
+          </a:ln>
+        </p:spPr>
+      </p:pic>
+      <p:sp>
+        <p:nvSpPr>
+          <p:cNvPr id="3" name="Espace réservé du texte 2">
+            <a:extLst>
+              <a:ext uri="{FF2B5EF4-FFF2-40B4-BE49-F238E27FC236}">
+                <a16:creationId xmlns:a16="http://schemas.microsoft.com/office/drawing/2014/main" id="{49CE6623-9ABA-47C3-964E-A9C08CABCC9C}"/>
+              </a:ext>
+            </a:extLst>
+          </p:cNvPr>
+          <p:cNvSpPr>
+            <a:spLocks noGrp="1"/>
+          </p:cNvSpPr>
+          <p:nvPr>
+            <p:ph type="body" idx="1"/>
+          </p:nvPr>
+        </p:nvSpPr>
+        <p:spPr>
+          <a:xfrm>
+            <a:off x="838200" y="2185940"/>
+            <a:ext cx="10515600" cy="4584772"/>
+          </a:xfrm>
+        </p:spPr>
+        <p:txBody>
+          <a:bodyPr/>
+          <a:lstStyle/>
+          <a:p>
+            <a:r>
+              <a:rPr lang="fr-FR" sz="2400" dirty="0" smtClean="0"/>
+              <a:t>Erreur </a:t>
+            </a:r>
+            <a:r>
+              <a:rPr lang="fr-FR" sz="2400" dirty="0" err="1" smtClean="0"/>
+              <a:t>codacy</a:t>
+            </a:r>
+            <a:r>
+              <a:rPr lang="fr-FR" sz="2400" dirty="0" smtClean="0"/>
+              <a:t> : « </a:t>
+            </a:r>
+            <a:r>
+              <a:rPr lang="fr-FR" sz="2400" dirty="0" err="1"/>
+              <a:t>Avoid</a:t>
+            </a:r>
+            <a:r>
+              <a:rPr lang="fr-FR" sz="2400" dirty="0"/>
+              <a:t> </a:t>
+            </a:r>
+            <a:r>
+              <a:rPr lang="fr-FR" sz="2400" dirty="0" err="1"/>
+              <a:t>else</a:t>
+            </a:r>
+            <a:r>
+              <a:rPr lang="fr-FR" sz="2400" dirty="0"/>
+              <a:t> </a:t>
+            </a:r>
+            <a:r>
+              <a:rPr lang="fr-FR" sz="2400" dirty="0" smtClean="0"/>
+              <a:t>expressions »</a:t>
+            </a:r>
+          </a:p>
+          <a:p>
+            <a:r>
+              <a:rPr lang="fr-FR" sz="2400" dirty="0" smtClean="0"/>
+              <a:t>Utilisation inutile d’un </a:t>
+            </a:r>
+            <a:r>
+              <a:rPr lang="fr-FR" sz="2400" dirty="0" err="1" smtClean="0"/>
+              <a:t>else</a:t>
+            </a:r>
+            <a:r>
+              <a:rPr lang="fr-FR" sz="2400" dirty="0" smtClean="0"/>
+              <a:t> après un return</a:t>
+            </a:r>
+          </a:p>
+          <a:p>
+            <a:r>
+              <a:rPr lang="fr-FR" sz="2400" dirty="0" smtClean="0"/>
+              <a:t>Suppression du </a:t>
+            </a:r>
+            <a:r>
+              <a:rPr lang="fr-FR" sz="2400" dirty="0" err="1" smtClean="0"/>
+              <a:t>else</a:t>
+            </a:r>
+            <a:endParaRPr lang="fr-FR" sz="2400" dirty="0" smtClean="0"/>
+          </a:p>
+          <a:p>
+            <a:r>
+              <a:rPr lang="fr-FR" sz="2400" dirty="0" smtClean="0"/>
+              <a:t>Modification dans tous les fichiers utilisant un </a:t>
+            </a:r>
+            <a:r>
+              <a:rPr lang="fr-FR" sz="2400" dirty="0" err="1" smtClean="0"/>
+              <a:t>else</a:t>
+            </a:r>
+            <a:r>
+              <a:rPr lang="fr-FR" sz="2400" dirty="0" smtClean="0"/>
+              <a:t> inutile</a:t>
+            </a:r>
+          </a:p>
+          <a:p>
+            <a:r>
+              <a:rPr lang="fr-FR" sz="2400" dirty="0" smtClean="0"/>
+              <a:t>Création d’un commit structuré de la manière suivante :</a:t>
+            </a:r>
+          </a:p>
+          <a:p>
+            <a:pPr lvl="1"/>
+            <a:r>
+              <a:rPr lang="fr-FR" sz="1800" dirty="0" err="1" smtClean="0"/>
+              <a:t>Codacy</a:t>
+            </a:r>
+            <a:r>
+              <a:rPr lang="fr-FR" sz="1800" dirty="0" smtClean="0"/>
+              <a:t> </a:t>
+            </a:r>
+            <a:r>
+              <a:rPr lang="fr-FR" sz="1800" dirty="0" err="1" smtClean="0"/>
+              <a:t>fix</a:t>
+            </a:r>
+            <a:r>
+              <a:rPr lang="fr-FR" sz="1800" dirty="0" smtClean="0"/>
+              <a:t> </a:t>
+            </a:r>
+            <a:r>
+              <a:rPr lang="fr-FR" sz="1800" dirty="0" err="1" smtClean="0"/>
+              <a:t>error</a:t>
+            </a:r>
+            <a:r>
+              <a:rPr lang="fr-FR" sz="1800" dirty="0" smtClean="0"/>
+              <a:t> + le nom de l’erreur</a:t>
+            </a:r>
+          </a:p>
+          <a:p>
+            <a:r>
+              <a:rPr lang="fr-FR" sz="2400" dirty="0" err="1" smtClean="0"/>
+              <a:t>Codacy</a:t>
+            </a:r>
+            <a:r>
+              <a:rPr lang="fr-FR" sz="2400" dirty="0" smtClean="0"/>
+              <a:t> </a:t>
+            </a:r>
+            <a:r>
+              <a:rPr lang="fr-FR" sz="2400" dirty="0" err="1" smtClean="0"/>
+              <a:t>réanalyse</a:t>
+            </a:r>
+            <a:r>
+              <a:rPr lang="fr-FR" sz="2400" dirty="0" smtClean="0"/>
+              <a:t> le dernier commit et corrige les issues relatives à l’utilisation inutile du </a:t>
+            </a:r>
+            <a:r>
+              <a:rPr lang="fr-FR" sz="2400" dirty="0" err="1" smtClean="0"/>
+              <a:t>else</a:t>
+            </a:r>
+            <a:r>
+              <a:rPr lang="fr-FR" sz="2400" dirty="0" smtClean="0"/>
+              <a:t>.</a:t>
+            </a:r>
+          </a:p>
+        </p:txBody>
+      </p:sp>
+      <p:grpSp>
+        <p:nvGrpSpPr>
+          <p:cNvPr id="5" name="Groupe 4"/>
+          <p:cNvGrpSpPr/>
+          <p:nvPr/>
+        </p:nvGrpSpPr>
+        <p:grpSpPr>
+          <a:xfrm>
+            <a:off x="7686003" y="1590700"/>
+            <a:ext cx="2954671" cy="307777"/>
+            <a:chOff x="7916912" y="1278147"/>
+            <a:chExt cx="2954671" cy="307777"/>
+          </a:xfrm>
+        </p:grpSpPr>
+        <p:pic>
+          <p:nvPicPr>
+            <p:cNvPr id="1026" name="Picture 2" descr="Résultat de recherche d'images pour &quot;index emoji&quot;"/>
+            <p:cNvPicPr>
+              <a:picLocks noChangeAspect="1" noChangeArrowheads="1"/>
+            </p:cNvPicPr>
+            <p:nvPr/>
+          </p:nvPicPr>
+          <p:blipFill>
+            <a:blip r:embed="rId4">
+              <a:extLst>
+                <a:ext uri="{28A0092B-C50C-407E-A947-70E740481C1C}">
+                  <a14:useLocalDpi xmlns:a14="http://schemas.microsoft.com/office/drawing/2010/main" val="0"/>
+                </a:ext>
+              </a:extLst>
+            </a:blip>
+            <a:srcRect/>
+            <a:stretch>
+              <a:fillRect/>
+            </a:stretch>
+          </p:blipFill>
+          <p:spPr bwMode="auto">
+            <a:xfrm>
+              <a:off x="7916912" y="1278147"/>
+              <a:ext cx="303357" cy="303357"/>
+            </a:xfrm>
+            <a:prstGeom prst="rect">
+              <a:avLst/>
+            </a:prstGeom>
+            <a:noFill/>
+            <a:extLst>
+              <a:ext uri="{909E8E84-426E-40DD-AFC4-6F175D3DCCD1}">
+                <a14:hiddenFill xmlns:a14="http://schemas.microsoft.com/office/drawing/2010/main">
+                  <a:solidFill>
+                    <a:srgbClr val="FFFFFF"/>
+                  </a:solidFill>
+                </a14:hiddenFill>
+              </a:ext>
+            </a:extLst>
+          </p:spPr>
+        </p:pic>
+        <p:sp>
+          <p:nvSpPr>
+            <p:cNvPr id="4" name="ZoneTexte 3">
+              <a:hlinkClick r:id="rId5"/>
+            </p:cNvPr>
+            <p:cNvSpPr txBox="1"/>
+            <p:nvPr/>
+          </p:nvSpPr>
+          <p:spPr>
+            <a:xfrm>
+              <a:off x="8301565" y="1278147"/>
+              <a:ext cx="2570018" cy="307777"/>
+            </a:xfrm>
+            <a:prstGeom prst="rect">
+              <a:avLst/>
+            </a:prstGeom>
+            <a:noFill/>
+          </p:spPr>
+          <p:txBody>
+            <a:bodyPr wrap="square" rtlCol="0">
+              <a:spAutoFit/>
+            </a:bodyPr>
+            <a:lstStyle/>
+            <a:p>
+              <a:r>
+                <a:rPr lang="fr-FR" dirty="0" smtClean="0"/>
+                <a:t>Lien du correctif </a:t>
+              </a:r>
+              <a:r>
+                <a:rPr lang="fr-FR" dirty="0" err="1" smtClean="0"/>
+                <a:t>Codacy</a:t>
+              </a:r>
+              <a:endParaRPr lang="fr-FR" dirty="0" smtClean="0"/>
+            </a:p>
+          </p:txBody>
+        </p:sp>
+      </p:grpSp>
+      <p:sp>
+        <p:nvSpPr>
+          <p:cNvPr id="10" name="Google Shape;106;p15"/>
+          <p:cNvSpPr txBox="1"/>
+          <p:nvPr/>
+        </p:nvSpPr>
+        <p:spPr>
+          <a:xfrm>
+            <a:off x="839931" y="236741"/>
+            <a:ext cx="7380338" cy="523200"/>
+          </a:xfrm>
+          <a:prstGeom prst="rect">
+            <a:avLst/>
+          </a:prstGeom>
+          <a:noFill/>
+          <a:ln>
+            <a:noFill/>
+          </a:ln>
+        </p:spPr>
+        <p:txBody>
+          <a:bodyPr spcFirstLastPara="1" wrap="square" lIns="91425" tIns="45700" rIns="91425" bIns="45700" anchor="t" anchorCtr="0">
+            <a:noAutofit/>
+          </a:bodyPr>
+          <a:lstStyle/>
+          <a:p>
+            <a:pPr lvl="0"/>
+            <a:r>
+              <a:rPr lang="fr-FR" sz="1400" b="1" dirty="0" smtClean="0">
+                <a:solidFill>
+                  <a:schemeClr val="dk1"/>
+                </a:solidFill>
+                <a:latin typeface="Calibri"/>
+                <a:ea typeface="Calibri"/>
+                <a:cs typeface="Calibri"/>
+                <a:sym typeface="Calibri"/>
+              </a:rPr>
+              <a:t>P7 </a:t>
+            </a:r>
+            <a:r>
+              <a:rPr lang="fr-FR" sz="1400" b="1" dirty="0">
+                <a:solidFill>
+                  <a:schemeClr val="dk1"/>
+                </a:solidFill>
+                <a:latin typeface="Calibri"/>
+                <a:ea typeface="Calibri"/>
+                <a:cs typeface="Calibri"/>
+                <a:sym typeface="Calibri"/>
+              </a:rPr>
+              <a:t>: </a:t>
+            </a:r>
+            <a:r>
+              <a:rPr lang="fr-FR" b="1" dirty="0">
+                <a:solidFill>
+                  <a:schemeClr val="dk1"/>
+                </a:solidFill>
+                <a:latin typeface="Calibri"/>
+                <a:ea typeface="Calibri"/>
+                <a:cs typeface="Calibri"/>
+                <a:sym typeface="Calibri"/>
+              </a:rPr>
+              <a:t>Créez un web service exposant une API</a:t>
+            </a:r>
+            <a:r>
+              <a:rPr lang="fr-FR" sz="1400" b="1" dirty="0">
+                <a:solidFill>
+                  <a:schemeClr val="dk1"/>
+                </a:solidFill>
+                <a:latin typeface="Calibri"/>
+                <a:ea typeface="Calibri"/>
+                <a:cs typeface="Calibri"/>
+                <a:sym typeface="Calibri"/>
+              </a:rPr>
+              <a:t/>
+            </a:r>
+            <a:br>
+              <a:rPr lang="fr-FR" sz="1400" b="1" dirty="0">
+                <a:solidFill>
+                  <a:schemeClr val="dk1"/>
+                </a:solidFill>
+                <a:latin typeface="Calibri"/>
+                <a:ea typeface="Calibri"/>
+                <a:cs typeface="Calibri"/>
+                <a:sym typeface="Calibri"/>
+              </a:rPr>
+            </a:br>
+            <a:r>
+              <a:rPr lang="fr-FR" sz="1400" dirty="0">
+                <a:solidFill>
+                  <a:schemeClr val="dk1"/>
+                </a:solidFill>
+                <a:latin typeface="Calibri"/>
+                <a:ea typeface="Calibri"/>
+                <a:cs typeface="Calibri"/>
+                <a:sym typeface="Calibri"/>
+              </a:rPr>
+              <a:t>Thomas Claireau – </a:t>
+            </a:r>
+            <a:r>
+              <a:rPr lang="fr-FR" sz="1400" dirty="0" smtClean="0">
+                <a:solidFill>
+                  <a:schemeClr val="dk1"/>
+                </a:solidFill>
+                <a:latin typeface="Calibri"/>
+                <a:ea typeface="Calibri"/>
+                <a:cs typeface="Calibri"/>
+                <a:sym typeface="Calibri"/>
+              </a:rPr>
+              <a:t>DA-PHP/</a:t>
+            </a:r>
+            <a:r>
+              <a:rPr lang="fr-FR" sz="1400" dirty="0" err="1" smtClean="0">
+                <a:solidFill>
+                  <a:schemeClr val="dk1"/>
+                </a:solidFill>
+                <a:latin typeface="Calibri"/>
+                <a:ea typeface="Calibri"/>
+                <a:cs typeface="Calibri"/>
+                <a:sym typeface="Calibri"/>
+              </a:rPr>
+              <a:t>Symfony</a:t>
+            </a:r>
+            <a:endParaRPr sz="1400" dirty="0">
+              <a:solidFill>
+                <a:schemeClr val="dk1"/>
+              </a:solidFill>
+              <a:latin typeface="Calibri"/>
+              <a:ea typeface="Calibri"/>
+              <a:cs typeface="Calibri"/>
+              <a:sym typeface="Calibri"/>
+            </a:endParaRPr>
+          </a:p>
+        </p:txBody>
+      </p:sp>
+    </p:spTree>
+    <p:extLst>
+      <p:ext uri="{BB962C8B-B14F-4D97-AF65-F5344CB8AC3E}">
+        <p14:creationId xmlns:p14="http://schemas.microsoft.com/office/powerpoint/2010/main" val="1023614385"/>
+      </p:ext>
+    </p:extLst>
+  </p:cSld>
+  <p:clrMapOvr>
+    <a:masterClrMapping/>
+  </p:clrMapOvr>
+</p:sld>
+</file>
+
+<file path=ppt/slides/slide2.xml><?xml version="1.0" encoding="utf-8"?>
+<p:sld xmlns:a="http://schemas.openxmlformats.org/drawingml/2006/main" xmlns:r="http://schemas.openxmlformats.org/officeDocument/2006/relationships" xmlns:p="http://schemas.openxmlformats.org/presentationml/2006/main">
+  <p:cSld>
+    <p:spTree>
+      <p:nvGrpSpPr>
+        <p:cNvPr id="1" name="Shape 103"/>
+        <p:cNvGrpSpPr/>
+        <p:nvPr/>
+      </p:nvGrpSpPr>
+      <p:grpSpPr>
+        <a:xfrm>
+          <a:off x="0" y="0"/>
+          <a:ext cx="0" cy="0"/>
+          <a:chOff x="0" y="0"/>
+          <a:chExt cx="0" cy="0"/>
+        </a:xfrm>
+      </p:grpSpPr>
+      <p:sp>
+        <p:nvSpPr>
+          <p:cNvPr id="104" name="Google Shape;104;p15"/>
+          <p:cNvSpPr txBox="1">
+            <a:spLocks noGrp="1"/>
+          </p:cNvSpPr>
+          <p:nvPr>
+            <p:ph type="title"/>
+          </p:nvPr>
+        </p:nvSpPr>
+        <p:spPr>
+          <a:xfrm>
+            <a:off x="838200" y="964277"/>
+            <a:ext cx="10515600" cy="934200"/>
+          </a:xfrm>
+          <a:prstGeom prst="rect">
+            <a:avLst/>
+          </a:prstGeom>
+          <a:noFill/>
+          <a:ln>
+            <a:noFill/>
+          </a:ln>
+        </p:spPr>
+        <p:txBody>
+          <a:bodyPr spcFirstLastPara="1" wrap="square" lIns="91425" tIns="45700" rIns="91425" bIns="45700" anchor="ctr" anchorCtr="0">
+            <a:noAutofit/>
+          </a:bodyPr>
+          <a:lstStyle/>
+          <a:p>
+            <a:pPr marL="0" lvl="0" indent="0" algn="l" rtl="0">
+              <a:lnSpc>
+                <a:spcPct val="90000"/>
+              </a:lnSpc>
+              <a:spcBef>
+                <a:spcPts val="0"/>
+              </a:spcBef>
+              <a:spcAft>
+                <a:spcPts val="0"/>
+              </a:spcAft>
+              <a:buClr>
+                <a:schemeClr val="dk1"/>
+              </a:buClr>
+              <a:buSzPts val="3959"/>
+              <a:buFont typeface="Quattrocento Sans"/>
+              <a:buNone/>
+            </a:pPr>
+            <a:r>
+              <a:rPr lang="fr-FR" sz="3959" dirty="0" smtClean="0">
+                <a:latin typeface="Quattrocento Sans"/>
+                <a:ea typeface="Quattrocento Sans"/>
+                <a:cs typeface="Quattrocento Sans"/>
+                <a:sym typeface="Quattrocento Sans"/>
+              </a:rPr>
+              <a:t>Introduction</a:t>
+            </a:r>
+            <a:br>
+              <a:rPr lang="fr-FR" sz="3959" dirty="0" smtClean="0">
+                <a:latin typeface="Quattrocento Sans"/>
+                <a:ea typeface="Quattrocento Sans"/>
+                <a:cs typeface="Quattrocento Sans"/>
+                <a:sym typeface="Quattrocento Sans"/>
+              </a:rPr>
+            </a:br>
             <a:r>
               <a:rPr lang="fr-FR" sz="2400" dirty="0" smtClean="0">
                 <a:solidFill>
@@ -12919,7 +12984,764 @@
                 <a:cs typeface="Quattrocento Sans"/>
                 <a:sym typeface="Quattrocento Sans"/>
               </a:rPr>
-              <a:t>administration des figures</a:t>
+              <a:t>Contexte du projet</a:t>
+            </a:r>
+            <a:endParaRPr sz="1979" dirty="0">
+              <a:solidFill>
+                <a:schemeClr val="bg1">
+                  <a:lumMod val="65000"/>
+                </a:schemeClr>
+              </a:solidFill>
+              <a:latin typeface="Quattrocento Sans"/>
+              <a:ea typeface="Quattrocento Sans"/>
+              <a:cs typeface="Quattrocento Sans"/>
+              <a:sym typeface="Quattrocento Sans"/>
+            </a:endParaRPr>
+          </a:p>
+        </p:txBody>
+      </p:sp>
+      <p:sp>
+        <p:nvSpPr>
+          <p:cNvPr id="106" name="Google Shape;106;p15"/>
+          <p:cNvSpPr txBox="1"/>
+          <p:nvPr/>
+        </p:nvSpPr>
+        <p:spPr>
+          <a:xfrm>
+            <a:off x="839931" y="236741"/>
+            <a:ext cx="7380338" cy="523200"/>
+          </a:xfrm>
+          <a:prstGeom prst="rect">
+            <a:avLst/>
+          </a:prstGeom>
+          <a:noFill/>
+          <a:ln>
+            <a:noFill/>
+          </a:ln>
+        </p:spPr>
+        <p:txBody>
+          <a:bodyPr spcFirstLastPara="1" wrap="square" lIns="91425" tIns="45700" rIns="91425" bIns="45700" anchor="t" anchorCtr="0">
+            <a:noAutofit/>
+          </a:bodyPr>
+          <a:lstStyle/>
+          <a:p>
+            <a:pPr lvl="0"/>
+            <a:r>
+              <a:rPr lang="fr-FR" sz="1400" b="1" dirty="0" smtClean="0">
+                <a:solidFill>
+                  <a:schemeClr val="dk1"/>
+                </a:solidFill>
+                <a:latin typeface="Calibri"/>
+                <a:ea typeface="Calibri"/>
+                <a:cs typeface="Calibri"/>
+                <a:sym typeface="Calibri"/>
+              </a:rPr>
+              <a:t>P7 </a:t>
+            </a:r>
+            <a:r>
+              <a:rPr lang="fr-FR" sz="1400" b="1" dirty="0">
+                <a:solidFill>
+                  <a:schemeClr val="dk1"/>
+                </a:solidFill>
+                <a:latin typeface="Calibri"/>
+                <a:ea typeface="Calibri"/>
+                <a:cs typeface="Calibri"/>
+                <a:sym typeface="Calibri"/>
+              </a:rPr>
+              <a:t>: </a:t>
+            </a:r>
+            <a:r>
+              <a:rPr lang="fr-FR" b="1" dirty="0">
+                <a:solidFill>
+                  <a:schemeClr val="dk1"/>
+                </a:solidFill>
+                <a:latin typeface="Calibri"/>
+                <a:ea typeface="Calibri"/>
+                <a:cs typeface="Calibri"/>
+                <a:sym typeface="Calibri"/>
+              </a:rPr>
+              <a:t>Créez un web service exposant une API</a:t>
+            </a:r>
+            <a:r>
+              <a:rPr lang="fr-FR" sz="1400" b="1" dirty="0">
+                <a:solidFill>
+                  <a:schemeClr val="dk1"/>
+                </a:solidFill>
+                <a:latin typeface="Calibri"/>
+                <a:ea typeface="Calibri"/>
+                <a:cs typeface="Calibri"/>
+                <a:sym typeface="Calibri"/>
+              </a:rPr>
+              <a:t/>
+            </a:r>
+            <a:br>
+              <a:rPr lang="fr-FR" sz="1400" b="1" dirty="0">
+                <a:solidFill>
+                  <a:schemeClr val="dk1"/>
+                </a:solidFill>
+                <a:latin typeface="Calibri"/>
+                <a:ea typeface="Calibri"/>
+                <a:cs typeface="Calibri"/>
+                <a:sym typeface="Calibri"/>
+              </a:rPr>
+            </a:br>
+            <a:r>
+              <a:rPr lang="fr-FR" sz="1400" dirty="0">
+                <a:solidFill>
+                  <a:schemeClr val="dk1"/>
+                </a:solidFill>
+                <a:latin typeface="Calibri"/>
+                <a:ea typeface="Calibri"/>
+                <a:cs typeface="Calibri"/>
+                <a:sym typeface="Calibri"/>
+              </a:rPr>
+              <a:t>Thomas Claireau – </a:t>
+            </a:r>
+            <a:r>
+              <a:rPr lang="fr-FR" sz="1400" dirty="0" smtClean="0">
+                <a:solidFill>
+                  <a:schemeClr val="dk1"/>
+                </a:solidFill>
+                <a:latin typeface="Calibri"/>
+                <a:ea typeface="Calibri"/>
+                <a:cs typeface="Calibri"/>
+                <a:sym typeface="Calibri"/>
+              </a:rPr>
+              <a:t>DA-PHP/</a:t>
+            </a:r>
+            <a:r>
+              <a:rPr lang="fr-FR" sz="1400" dirty="0" err="1" smtClean="0">
+                <a:solidFill>
+                  <a:schemeClr val="dk1"/>
+                </a:solidFill>
+                <a:latin typeface="Calibri"/>
+                <a:ea typeface="Calibri"/>
+                <a:cs typeface="Calibri"/>
+                <a:sym typeface="Calibri"/>
+              </a:rPr>
+              <a:t>Symfony</a:t>
+            </a:r>
+            <a:endParaRPr sz="1400" dirty="0">
+              <a:solidFill>
+                <a:schemeClr val="dk1"/>
+              </a:solidFill>
+              <a:latin typeface="Calibri"/>
+              <a:ea typeface="Calibri"/>
+              <a:cs typeface="Calibri"/>
+              <a:sym typeface="Calibri"/>
+            </a:endParaRPr>
+          </a:p>
+        </p:txBody>
+      </p:sp>
+      <p:pic>
+        <p:nvPicPr>
+          <p:cNvPr id="108" name="Google Shape;108;p15"/>
+          <p:cNvPicPr preferRelativeResize="0"/>
+          <p:nvPr/>
+        </p:nvPicPr>
+        <p:blipFill rotWithShape="1">
+          <a:blip r:embed="rId3">
+            <a:alphaModFix/>
+          </a:blip>
+          <a:srcRect/>
+          <a:stretch/>
+        </p:blipFill>
+        <p:spPr>
+          <a:xfrm>
+            <a:off x="10575769" y="236741"/>
+            <a:ext cx="591628" cy="591628"/>
+          </a:xfrm>
+          <a:prstGeom prst="rect">
+            <a:avLst/>
+          </a:prstGeom>
+          <a:noFill/>
+          <a:ln>
+            <a:noFill/>
+          </a:ln>
+        </p:spPr>
+      </p:pic>
+      <p:sp>
+        <p:nvSpPr>
+          <p:cNvPr id="3" name="Espace réservé du texte 2">
+            <a:extLst>
+              <a:ext uri="{FF2B5EF4-FFF2-40B4-BE49-F238E27FC236}">
+                <a16:creationId xmlns:a16="http://schemas.microsoft.com/office/drawing/2014/main" id="{49CE6623-9ABA-47C3-964E-A9C08CABCC9C}"/>
+              </a:ext>
+            </a:extLst>
+          </p:cNvPr>
+          <p:cNvSpPr>
+            <a:spLocks noGrp="1"/>
+          </p:cNvSpPr>
+          <p:nvPr>
+            <p:ph type="body" idx="1"/>
+          </p:nvPr>
+        </p:nvSpPr>
+        <p:spPr>
+          <a:xfrm>
+            <a:off x="838200" y="2035836"/>
+            <a:ext cx="10515600" cy="4351200"/>
+          </a:xfrm>
+        </p:spPr>
+        <p:txBody>
+          <a:bodyPr/>
+          <a:lstStyle/>
+          <a:p>
+            <a:r>
+              <a:rPr lang="fr-FR" sz="2000" dirty="0" smtClean="0"/>
+              <a:t>En charge du développement de la vitrine de téléphone mobile de l’entreprise </a:t>
+            </a:r>
+            <a:r>
+              <a:rPr lang="fr-FR" sz="2000" dirty="0" err="1" smtClean="0"/>
+              <a:t>Bilemo</a:t>
+            </a:r>
+            <a:endParaRPr lang="fr-FR" sz="2000" dirty="0" smtClean="0"/>
+          </a:p>
+          <a:p>
+            <a:r>
+              <a:rPr lang="fr-FR" sz="2000" dirty="0" smtClean="0"/>
+              <a:t>Création d’une API pour gérer la catalogue de téléphone mobile</a:t>
+            </a:r>
+            <a:endParaRPr lang="fr-FR" sz="2000" dirty="0"/>
+          </a:p>
+          <a:p>
+            <a:pPr lvl="1"/>
+            <a:r>
+              <a:rPr lang="fr-FR" sz="1800" dirty="0" smtClean="0"/>
+              <a:t>Développement front </a:t>
+            </a:r>
+            <a:r>
+              <a:rPr lang="fr-FR" sz="1800" dirty="0" smtClean="0"/>
+              <a:t>:</a:t>
+            </a:r>
+            <a:endParaRPr lang="fr-FR" sz="1800" dirty="0" smtClean="0"/>
+          </a:p>
+          <a:p>
+            <a:pPr lvl="2"/>
+            <a:r>
+              <a:rPr lang="fr-FR" sz="1600" dirty="0" smtClean="0"/>
+              <a:t>Mise en place d’une documentation pour l’api</a:t>
+            </a:r>
+            <a:endParaRPr lang="fr-FR" sz="1600" dirty="0" smtClean="0"/>
+          </a:p>
+          <a:p>
+            <a:pPr lvl="1"/>
+            <a:r>
+              <a:rPr lang="fr-FR" sz="1800" dirty="0" smtClean="0"/>
+              <a:t>Développement back </a:t>
+            </a:r>
+            <a:r>
+              <a:rPr lang="fr-FR" sz="1800" dirty="0" smtClean="0"/>
+              <a:t>:</a:t>
+            </a:r>
+            <a:endParaRPr lang="fr-FR" sz="1800" dirty="0" smtClean="0"/>
+          </a:p>
+          <a:p>
+            <a:pPr lvl="2"/>
+            <a:r>
+              <a:rPr lang="fr-FR" sz="1600" dirty="0" smtClean="0"/>
+              <a:t>Utilisateurs</a:t>
+            </a:r>
+          </a:p>
+          <a:p>
+            <a:pPr lvl="2"/>
+            <a:r>
+              <a:rPr lang="fr-FR" sz="1600" dirty="0" smtClean="0"/>
+              <a:t>Client</a:t>
+            </a:r>
+          </a:p>
+          <a:p>
+            <a:pPr lvl="2"/>
+            <a:r>
+              <a:rPr lang="fr-FR" sz="1600" dirty="0" smtClean="0"/>
+              <a:t>Produits</a:t>
+            </a:r>
+          </a:p>
+          <a:p>
+            <a:pPr lvl="1"/>
+            <a:r>
+              <a:rPr lang="fr-FR" sz="1800" dirty="0" smtClean="0"/>
+              <a:t>Création </a:t>
+            </a:r>
+            <a:r>
+              <a:rPr lang="fr-FR" sz="1800" dirty="0" smtClean="0"/>
+              <a:t>d’un système sécurisé pour l’accès à </a:t>
+            </a:r>
+            <a:r>
+              <a:rPr lang="fr-FR" sz="1800" dirty="0" smtClean="0"/>
+              <a:t>l’API</a:t>
+            </a:r>
+            <a:endParaRPr lang="fr-FR" sz="1800" dirty="0" smtClean="0"/>
+          </a:p>
+        </p:txBody>
+      </p:sp>
+    </p:spTree>
+    <p:extLst>
+      <p:ext uri="{BB962C8B-B14F-4D97-AF65-F5344CB8AC3E}">
+        <p14:creationId xmlns:p14="http://schemas.microsoft.com/office/powerpoint/2010/main" val="2198853305"/>
+      </p:ext>
+    </p:extLst>
+  </p:cSld>
+  <p:clrMapOvr>
+    <a:masterClrMapping/>
+  </p:clrMapOvr>
+</p:sld>
+</file>
+
+<file path=ppt/slides/slide3.xml><?xml version="1.0" encoding="utf-8"?>
+<p:sld xmlns:a="http://schemas.openxmlformats.org/drawingml/2006/main" xmlns:r="http://schemas.openxmlformats.org/officeDocument/2006/relationships" xmlns:p="http://schemas.openxmlformats.org/presentationml/2006/main">
+  <p:cSld>
+    <p:spTree>
+      <p:nvGrpSpPr>
+        <p:cNvPr id="1" name="Shape 103"/>
+        <p:cNvGrpSpPr/>
+        <p:nvPr/>
+      </p:nvGrpSpPr>
+      <p:grpSpPr>
+        <a:xfrm>
+          <a:off x="0" y="0"/>
+          <a:ext cx="0" cy="0"/>
+          <a:chOff x="0" y="0"/>
+          <a:chExt cx="0" cy="0"/>
+        </a:xfrm>
+      </p:grpSpPr>
+      <p:sp>
+        <p:nvSpPr>
+          <p:cNvPr id="104" name="Google Shape;104;p15"/>
+          <p:cNvSpPr txBox="1">
+            <a:spLocks noGrp="1"/>
+          </p:cNvSpPr>
+          <p:nvPr>
+            <p:ph type="title"/>
+          </p:nvPr>
+        </p:nvSpPr>
+        <p:spPr>
+          <a:xfrm>
+            <a:off x="838200" y="964277"/>
+            <a:ext cx="10515600" cy="934200"/>
+          </a:xfrm>
+          <a:prstGeom prst="rect">
+            <a:avLst/>
+          </a:prstGeom>
+          <a:noFill/>
+          <a:ln>
+            <a:noFill/>
+          </a:ln>
+        </p:spPr>
+        <p:txBody>
+          <a:bodyPr spcFirstLastPara="1" wrap="square" lIns="91425" tIns="45700" rIns="91425" bIns="45700" anchor="ctr" anchorCtr="0">
+            <a:noAutofit/>
+          </a:bodyPr>
+          <a:lstStyle/>
+          <a:p>
+            <a:pPr marL="0" lvl="0" indent="0" algn="l" rtl="0">
+              <a:lnSpc>
+                <a:spcPct val="90000"/>
+              </a:lnSpc>
+              <a:spcBef>
+                <a:spcPts val="0"/>
+              </a:spcBef>
+              <a:spcAft>
+                <a:spcPts val="0"/>
+              </a:spcAft>
+              <a:buClr>
+                <a:schemeClr val="dk1"/>
+              </a:buClr>
+              <a:buSzPts val="3959"/>
+              <a:buFont typeface="Quattrocento Sans"/>
+              <a:buNone/>
+            </a:pPr>
+            <a:r>
+              <a:rPr lang="fr-FR" sz="3959" dirty="0" smtClean="0">
+                <a:latin typeface="Quattrocento Sans"/>
+                <a:ea typeface="Quattrocento Sans"/>
+                <a:cs typeface="Quattrocento Sans"/>
+                <a:sym typeface="Quattrocento Sans"/>
+              </a:rPr>
+              <a:t>Introduction</a:t>
+            </a:r>
+            <a:br>
+              <a:rPr lang="fr-FR" sz="3959" dirty="0" smtClean="0">
+                <a:latin typeface="Quattrocento Sans"/>
+                <a:ea typeface="Quattrocento Sans"/>
+                <a:cs typeface="Quattrocento Sans"/>
+                <a:sym typeface="Quattrocento Sans"/>
+              </a:rPr>
+            </a:br>
+            <a:r>
+              <a:rPr lang="fr-FR" sz="2400" dirty="0" smtClean="0">
+                <a:solidFill>
+                  <a:schemeClr val="bg1">
+                    <a:lumMod val="65000"/>
+                  </a:schemeClr>
+                </a:solidFill>
+                <a:latin typeface="Quattrocento Sans"/>
+                <a:ea typeface="Quattrocento Sans"/>
+                <a:cs typeface="Quattrocento Sans"/>
+                <a:sym typeface="Quattrocento Sans"/>
+              </a:rPr>
+              <a:t>Analyse du besoin</a:t>
+            </a:r>
+            <a:endParaRPr sz="1979" dirty="0">
+              <a:solidFill>
+                <a:schemeClr val="bg1">
+                  <a:lumMod val="65000"/>
+                </a:schemeClr>
+              </a:solidFill>
+              <a:latin typeface="Quattrocento Sans"/>
+              <a:ea typeface="Quattrocento Sans"/>
+              <a:cs typeface="Quattrocento Sans"/>
+              <a:sym typeface="Quattrocento Sans"/>
+            </a:endParaRPr>
+          </a:p>
+        </p:txBody>
+      </p:sp>
+      <p:pic>
+        <p:nvPicPr>
+          <p:cNvPr id="108" name="Google Shape;108;p15"/>
+          <p:cNvPicPr preferRelativeResize="0"/>
+          <p:nvPr/>
+        </p:nvPicPr>
+        <p:blipFill rotWithShape="1">
+          <a:blip r:embed="rId3">
+            <a:alphaModFix/>
+          </a:blip>
+          <a:srcRect/>
+          <a:stretch/>
+        </p:blipFill>
+        <p:spPr>
+          <a:xfrm>
+            <a:off x="10575769" y="236741"/>
+            <a:ext cx="591628" cy="591628"/>
+          </a:xfrm>
+          <a:prstGeom prst="rect">
+            <a:avLst/>
+          </a:prstGeom>
+          <a:noFill/>
+          <a:ln>
+            <a:noFill/>
+          </a:ln>
+        </p:spPr>
+      </p:pic>
+      <p:sp>
+        <p:nvSpPr>
+          <p:cNvPr id="3" name="Espace réservé du texte 2">
+            <a:extLst>
+              <a:ext uri="{FF2B5EF4-FFF2-40B4-BE49-F238E27FC236}">
+                <a16:creationId xmlns:a16="http://schemas.microsoft.com/office/drawing/2014/main" id="{49CE6623-9ABA-47C3-964E-A9C08CABCC9C}"/>
+              </a:ext>
+            </a:extLst>
+          </p:cNvPr>
+          <p:cNvSpPr>
+            <a:spLocks noGrp="1"/>
+          </p:cNvSpPr>
+          <p:nvPr>
+            <p:ph type="body" idx="1"/>
+          </p:nvPr>
+        </p:nvSpPr>
+        <p:spPr>
+          <a:xfrm>
+            <a:off x="838200" y="2035836"/>
+            <a:ext cx="6802315" cy="4351200"/>
+          </a:xfrm>
+        </p:spPr>
+        <p:txBody>
+          <a:bodyPr/>
+          <a:lstStyle/>
+          <a:p>
+            <a:r>
+              <a:rPr lang="fr-FR" dirty="0" smtClean="0"/>
+              <a:t>Création des schémas UML pour </a:t>
+            </a:r>
+            <a:r>
+              <a:rPr lang="fr-FR" dirty="0" smtClean="0"/>
+              <a:t>la gestion de l’API :</a:t>
+            </a:r>
+            <a:endParaRPr lang="fr-FR" dirty="0" smtClean="0"/>
+          </a:p>
+          <a:p>
+            <a:pPr lvl="1"/>
+            <a:r>
+              <a:rPr lang="fr-FR" dirty="0" smtClean="0"/>
+              <a:t>Les utilisateurs</a:t>
+            </a:r>
+            <a:endParaRPr lang="fr-FR" dirty="0" smtClean="0"/>
+          </a:p>
+          <a:p>
+            <a:pPr lvl="1"/>
+            <a:r>
+              <a:rPr lang="fr-FR" dirty="0" smtClean="0"/>
+              <a:t>Les </a:t>
+            </a:r>
+            <a:r>
+              <a:rPr lang="fr-FR" dirty="0" smtClean="0"/>
+              <a:t>clients</a:t>
+            </a:r>
+            <a:endParaRPr lang="fr-FR" dirty="0" smtClean="0"/>
+          </a:p>
+          <a:p>
+            <a:pPr lvl="1"/>
+            <a:r>
+              <a:rPr lang="fr-FR" dirty="0" smtClean="0"/>
+              <a:t>Les </a:t>
+            </a:r>
+            <a:r>
+              <a:rPr lang="fr-FR" dirty="0" smtClean="0"/>
+              <a:t>produits (téléphones)</a:t>
+            </a:r>
+            <a:endParaRPr lang="fr-FR" dirty="0" smtClean="0"/>
+          </a:p>
+          <a:p>
+            <a:r>
+              <a:rPr lang="fr-FR" dirty="0" smtClean="0"/>
+              <a:t>Présentation des schémas UML pour </a:t>
+            </a:r>
+            <a:r>
+              <a:rPr lang="fr-FR" dirty="0" smtClean="0"/>
+              <a:t>ajouter un nouveau produit</a:t>
+            </a:r>
+            <a:endParaRPr lang="fr-FR" dirty="0" smtClean="0"/>
+          </a:p>
+        </p:txBody>
+      </p:sp>
+      <p:sp>
+        <p:nvSpPr>
+          <p:cNvPr id="7" name="Google Shape;106;p15"/>
+          <p:cNvSpPr txBox="1"/>
+          <p:nvPr/>
+        </p:nvSpPr>
+        <p:spPr>
+          <a:xfrm>
+            <a:off x="839931" y="236741"/>
+            <a:ext cx="7380338" cy="523200"/>
+          </a:xfrm>
+          <a:prstGeom prst="rect">
+            <a:avLst/>
+          </a:prstGeom>
+          <a:noFill/>
+          <a:ln>
+            <a:noFill/>
+          </a:ln>
+        </p:spPr>
+        <p:txBody>
+          <a:bodyPr spcFirstLastPara="1" wrap="square" lIns="91425" tIns="45700" rIns="91425" bIns="45700" anchor="t" anchorCtr="0">
+            <a:noAutofit/>
+          </a:bodyPr>
+          <a:lstStyle/>
+          <a:p>
+            <a:pPr lvl="0"/>
+            <a:r>
+              <a:rPr lang="fr-FR" sz="1400" b="1" dirty="0" smtClean="0">
+                <a:solidFill>
+                  <a:schemeClr val="dk1"/>
+                </a:solidFill>
+                <a:latin typeface="Calibri"/>
+                <a:ea typeface="Calibri"/>
+                <a:cs typeface="Calibri"/>
+                <a:sym typeface="Calibri"/>
+              </a:rPr>
+              <a:t>P7 </a:t>
+            </a:r>
+            <a:r>
+              <a:rPr lang="fr-FR" sz="1400" b="1" dirty="0">
+                <a:solidFill>
+                  <a:schemeClr val="dk1"/>
+                </a:solidFill>
+                <a:latin typeface="Calibri"/>
+                <a:ea typeface="Calibri"/>
+                <a:cs typeface="Calibri"/>
+                <a:sym typeface="Calibri"/>
+              </a:rPr>
+              <a:t>: </a:t>
+            </a:r>
+            <a:r>
+              <a:rPr lang="fr-FR" b="1" dirty="0">
+                <a:solidFill>
+                  <a:schemeClr val="dk1"/>
+                </a:solidFill>
+                <a:latin typeface="Calibri"/>
+                <a:ea typeface="Calibri"/>
+                <a:cs typeface="Calibri"/>
+                <a:sym typeface="Calibri"/>
+              </a:rPr>
+              <a:t>Créez un web service exposant une API</a:t>
+            </a:r>
+            <a:r>
+              <a:rPr lang="fr-FR" sz="1400" b="1" dirty="0">
+                <a:solidFill>
+                  <a:schemeClr val="dk1"/>
+                </a:solidFill>
+                <a:latin typeface="Calibri"/>
+                <a:ea typeface="Calibri"/>
+                <a:cs typeface="Calibri"/>
+                <a:sym typeface="Calibri"/>
+              </a:rPr>
+              <a:t/>
+            </a:r>
+            <a:br>
+              <a:rPr lang="fr-FR" sz="1400" b="1" dirty="0">
+                <a:solidFill>
+                  <a:schemeClr val="dk1"/>
+                </a:solidFill>
+                <a:latin typeface="Calibri"/>
+                <a:ea typeface="Calibri"/>
+                <a:cs typeface="Calibri"/>
+                <a:sym typeface="Calibri"/>
+              </a:rPr>
+            </a:br>
+            <a:r>
+              <a:rPr lang="fr-FR" sz="1400" dirty="0">
+                <a:solidFill>
+                  <a:schemeClr val="dk1"/>
+                </a:solidFill>
+                <a:latin typeface="Calibri"/>
+                <a:ea typeface="Calibri"/>
+                <a:cs typeface="Calibri"/>
+                <a:sym typeface="Calibri"/>
+              </a:rPr>
+              <a:t>Thomas Claireau – </a:t>
+            </a:r>
+            <a:r>
+              <a:rPr lang="fr-FR" sz="1400" dirty="0" smtClean="0">
+                <a:solidFill>
+                  <a:schemeClr val="dk1"/>
+                </a:solidFill>
+                <a:latin typeface="Calibri"/>
+                <a:ea typeface="Calibri"/>
+                <a:cs typeface="Calibri"/>
+                <a:sym typeface="Calibri"/>
+              </a:rPr>
+              <a:t>DA-PHP/</a:t>
+            </a:r>
+            <a:r>
+              <a:rPr lang="fr-FR" sz="1400" dirty="0" err="1" smtClean="0">
+                <a:solidFill>
+                  <a:schemeClr val="dk1"/>
+                </a:solidFill>
+                <a:latin typeface="Calibri"/>
+                <a:ea typeface="Calibri"/>
+                <a:cs typeface="Calibri"/>
+                <a:sym typeface="Calibri"/>
+              </a:rPr>
+              <a:t>Symfony</a:t>
+            </a:r>
+            <a:endParaRPr sz="1400" dirty="0">
+              <a:solidFill>
+                <a:schemeClr val="dk1"/>
+              </a:solidFill>
+              <a:latin typeface="Calibri"/>
+              <a:ea typeface="Calibri"/>
+              <a:cs typeface="Calibri"/>
+              <a:sym typeface="Calibri"/>
+            </a:endParaRPr>
+          </a:p>
+        </p:txBody>
+      </p:sp>
+    </p:spTree>
+    <p:extLst>
+      <p:ext uri="{BB962C8B-B14F-4D97-AF65-F5344CB8AC3E}">
+        <p14:creationId xmlns:p14="http://schemas.microsoft.com/office/powerpoint/2010/main" val="2878694783"/>
+      </p:ext>
+    </p:extLst>
+  </p:cSld>
+  <p:clrMapOvr>
+    <a:masterClrMapping/>
+  </p:clrMapOvr>
+</p:sld>
+</file>
+
+<file path=ppt/slides/slide4.xml><?xml version="1.0" encoding="utf-8"?>
+<p:sld xmlns:a="http://schemas.openxmlformats.org/drawingml/2006/main" xmlns:r="http://schemas.openxmlformats.org/officeDocument/2006/relationships" xmlns:p="http://schemas.openxmlformats.org/presentationml/2006/main">
+  <p:cSld>
+    <p:spTree>
+      <p:nvGrpSpPr>
+        <p:cNvPr id="1" name="Shape 103"/>
+        <p:cNvGrpSpPr/>
+        <p:nvPr/>
+      </p:nvGrpSpPr>
+      <p:grpSpPr>
+        <a:xfrm>
+          <a:off x="0" y="0"/>
+          <a:ext cx="0" cy="0"/>
+          <a:chOff x="0" y="0"/>
+          <a:chExt cx="0" cy="0"/>
+        </a:xfrm>
+      </p:grpSpPr>
+      <p:sp>
+        <p:nvSpPr>
+          <p:cNvPr id="104" name="Google Shape;104;p15"/>
+          <p:cNvSpPr txBox="1">
+            <a:spLocks noGrp="1"/>
+          </p:cNvSpPr>
+          <p:nvPr>
+            <p:ph type="title"/>
+          </p:nvPr>
+        </p:nvSpPr>
+        <p:spPr>
+          <a:xfrm>
+            <a:off x="838200" y="964277"/>
+            <a:ext cx="10515600" cy="934200"/>
+          </a:xfrm>
+          <a:prstGeom prst="rect">
+            <a:avLst/>
+          </a:prstGeom>
+          <a:noFill/>
+          <a:ln>
+            <a:noFill/>
+          </a:ln>
+        </p:spPr>
+        <p:txBody>
+          <a:bodyPr spcFirstLastPara="1" wrap="square" lIns="91425" tIns="45700" rIns="91425" bIns="45700" anchor="ctr" anchorCtr="0">
+            <a:noAutofit/>
+          </a:bodyPr>
+          <a:lstStyle/>
+          <a:p>
+            <a:pPr marL="0" lvl="0" indent="0" algn="l" rtl="0">
+              <a:lnSpc>
+                <a:spcPct val="90000"/>
+              </a:lnSpc>
+              <a:spcBef>
+                <a:spcPts val="0"/>
+              </a:spcBef>
+              <a:spcAft>
+                <a:spcPts val="0"/>
+              </a:spcAft>
+              <a:buClr>
+                <a:schemeClr val="dk1"/>
+              </a:buClr>
+              <a:buSzPts val="3959"/>
+              <a:buFont typeface="Quattrocento Sans"/>
+              <a:buNone/>
+            </a:pPr>
+            <a:r>
+              <a:rPr lang="fr-FR" sz="3959" dirty="0" smtClean="0">
+                <a:latin typeface="Quattrocento Sans"/>
+                <a:ea typeface="Quattrocento Sans"/>
+                <a:cs typeface="Quattrocento Sans"/>
+                <a:sym typeface="Quattrocento Sans"/>
+              </a:rPr>
+              <a:t>Introduction</a:t>
+            </a:r>
+            <a:br>
+              <a:rPr lang="fr-FR" sz="3959" dirty="0" smtClean="0">
+                <a:latin typeface="Quattrocento Sans"/>
+                <a:ea typeface="Quattrocento Sans"/>
+                <a:cs typeface="Quattrocento Sans"/>
+                <a:sym typeface="Quattrocento Sans"/>
+              </a:rPr>
+            </a:br>
+            <a:r>
+              <a:rPr lang="fr-FR" sz="2400" dirty="0" smtClean="0">
+                <a:solidFill>
+                  <a:schemeClr val="bg1">
+                    <a:lumMod val="65000"/>
+                  </a:schemeClr>
+                </a:solidFill>
+                <a:latin typeface="Quattrocento Sans"/>
+                <a:ea typeface="Quattrocento Sans"/>
+                <a:cs typeface="Quattrocento Sans"/>
+                <a:sym typeface="Quattrocento Sans"/>
+              </a:rPr>
+              <a:t>Organisation du projet</a:t>
             </a:r>
             <a:endParaRPr sz="1979" dirty="0">
               <a:solidFill>
@@ -12989,93 +13811,133 @@
           <a:lstStyle/>
           <a:p>
             <a:r>
-              <a:rPr lang="fr-FR" sz="2400" dirty="0" smtClean="0"/>
-              <a:t>Si </a:t>
-            </a:r>
-            <a:r>
-              <a:rPr lang="fr-FR" sz="2400" dirty="0" smtClean="0"/>
-              <a:t>pas connecté : redirection vers la page de connexion</a:t>
-            </a:r>
-          </a:p>
-          <a:p>
-            <a:r>
-              <a:rPr lang="fr-FR" sz="2400" dirty="0" smtClean="0"/>
-              <a:t>Si connecté : accès à la page </a:t>
-            </a:r>
-            <a:r>
-              <a:rPr lang="fr-FR" sz="2400" dirty="0" smtClean="0"/>
-              <a:t>d’administration d’une figure :</a:t>
+              <a:rPr lang="fr-FR" sz="2000" dirty="0" smtClean="0"/>
+              <a:t>Après lecture détaillée du projet : </a:t>
             </a:r>
           </a:p>
           <a:p>
             <a:pPr lvl="1"/>
             <a:r>
-              <a:rPr lang="fr-FR" sz="2000" dirty="0" smtClean="0"/>
-              <a:t>Création ou édition de figure</a:t>
+              <a:rPr lang="fr-FR" sz="1800" dirty="0" smtClean="0"/>
+              <a:t>Création d’</a:t>
+            </a:r>
+            <a:r>
+              <a:rPr lang="fr-FR" sz="1800" b="1" dirty="0" smtClean="0"/>
+              <a:t>issues</a:t>
+            </a:r>
+            <a:r>
+              <a:rPr lang="fr-FR" sz="1800" dirty="0" smtClean="0"/>
+              <a:t> sur </a:t>
+            </a:r>
+            <a:r>
+              <a:rPr lang="fr-FR" sz="1800" dirty="0" err="1" smtClean="0"/>
+              <a:t>Github</a:t>
+            </a:r>
+            <a:r>
+              <a:rPr lang="fr-FR" sz="1800" dirty="0" smtClean="0"/>
+              <a:t> (puis au fur et à mesure du développement)</a:t>
             </a:r>
           </a:p>
           <a:p>
             <a:pPr lvl="1"/>
             <a:r>
+              <a:rPr lang="fr-FR" sz="1800" dirty="0" smtClean="0"/>
+              <a:t>Utilisation des </a:t>
+            </a:r>
+            <a:r>
+              <a:rPr lang="fr-FR" sz="1800" b="1" dirty="0" err="1" smtClean="0"/>
+              <a:t>Milestones</a:t>
+            </a:r>
+            <a:r>
+              <a:rPr lang="fr-FR" sz="1800" dirty="0" smtClean="0"/>
+              <a:t> pour estimer le temps de travail pour chaque issue.</a:t>
+            </a:r>
+          </a:p>
+          <a:p>
+            <a:r>
               <a:rPr lang="fr-FR" sz="2000" dirty="0" smtClean="0"/>
-              <a:t>Changement de l’image principale</a:t>
+              <a:t>A chaque nouvelle issue :</a:t>
+            </a:r>
+          </a:p>
+          <a:p>
+            <a:pPr lvl="2"/>
+            <a:r>
+              <a:rPr lang="fr-FR" sz="1600" dirty="0" smtClean="0"/>
+              <a:t>Création d’une nouvelle branche de développement (portant le nom de l’issue)</a:t>
+            </a:r>
+          </a:p>
+          <a:p>
+            <a:pPr lvl="2"/>
+            <a:r>
+              <a:rPr lang="fr-FR" sz="1600" dirty="0" smtClean="0"/>
+              <a:t>Création d’une pull </a:t>
+            </a:r>
+            <a:r>
+              <a:rPr lang="fr-FR" sz="1600" dirty="0" err="1" smtClean="0"/>
+              <a:t>request</a:t>
+            </a:r>
+            <a:endParaRPr lang="fr-FR" sz="1600" dirty="0" smtClean="0"/>
+          </a:p>
+          <a:p>
+            <a:pPr lvl="2"/>
+            <a:r>
+              <a:rPr lang="fr-FR" sz="1600" dirty="0" smtClean="0"/>
+              <a:t>La branche reste ouverte tant que l’issue n’est pas résolue</a:t>
+            </a:r>
+          </a:p>
+          <a:p>
+            <a:pPr lvl="2"/>
+            <a:r>
+              <a:rPr lang="fr-FR" sz="1600" dirty="0" smtClean="0"/>
+              <a:t>L’issue est résolue, la pull </a:t>
+            </a:r>
+            <a:r>
+              <a:rPr lang="fr-FR" sz="1600" dirty="0" err="1" smtClean="0"/>
+              <a:t>request</a:t>
+            </a:r>
+            <a:r>
+              <a:rPr lang="fr-FR" sz="1600" dirty="0" smtClean="0"/>
+              <a:t> est acceptée et un </a:t>
+            </a:r>
+            <a:r>
+              <a:rPr lang="fr-FR" sz="1600" dirty="0" err="1" smtClean="0"/>
+              <a:t>merge</a:t>
+            </a:r>
+            <a:r>
+              <a:rPr lang="fr-FR" sz="1600" dirty="0" smtClean="0"/>
+              <a:t> vers la branche principale est réalisé</a:t>
+            </a:r>
+          </a:p>
+          <a:p>
+            <a:r>
+              <a:rPr lang="fr-FR" sz="2400" dirty="0" smtClean="0"/>
+              <a:t>A la fin du projet : </a:t>
             </a:r>
           </a:p>
           <a:p>
             <a:pPr lvl="1"/>
             <a:r>
               <a:rPr lang="fr-FR" sz="2000" dirty="0" smtClean="0"/>
-              <a:t>Ajout d’images principales</a:t>
+              <a:t>Une release est générée : </a:t>
+            </a:r>
+            <a:r>
+              <a:rPr lang="fr-FR" sz="2000" dirty="0" smtClean="0"/>
+              <a:t>v1.0.1 </a:t>
+            </a:r>
+            <a:r>
+              <a:rPr lang="fr-FR" sz="2000" dirty="0" smtClean="0"/>
+              <a:t>actuellement</a:t>
             </a:r>
           </a:p>
           <a:p>
             <a:pPr lvl="1"/>
             <a:r>
               <a:rPr lang="fr-FR" sz="2000" dirty="0" smtClean="0"/>
-              <a:t>Ajout de vidéos (</a:t>
+              <a:t>Synchronisation avec Composer et </a:t>
             </a:r>
             <a:r>
               <a:rPr lang="fr-FR" sz="2000" dirty="0" err="1" smtClean="0"/>
-              <a:t>iframes</a:t>
-            </a:r>
-            <a:r>
-              <a:rPr lang="fr-FR" sz="2000" dirty="0" smtClean="0"/>
-              <a:t> seulement)</a:t>
-            </a:r>
-          </a:p>
-          <a:p>
-            <a:pPr lvl="1"/>
-            <a:r>
-              <a:rPr lang="fr-FR" sz="2000" dirty="0" smtClean="0"/>
-              <a:t>Nom de la figure</a:t>
-            </a:r>
-          </a:p>
-          <a:p>
-            <a:pPr lvl="1"/>
-            <a:r>
-              <a:rPr lang="fr-FR" sz="2000" dirty="0" smtClean="0"/>
-              <a:t>Description de la figure</a:t>
-            </a:r>
-          </a:p>
-          <a:p>
-            <a:pPr lvl="1"/>
-            <a:r>
-              <a:rPr lang="fr-FR" sz="2000" dirty="0" smtClean="0"/>
-              <a:t>Catégories (possible d’en choisir plusieurs)</a:t>
-            </a:r>
-          </a:p>
-          <a:p>
-            <a:pPr lvl="1"/>
-            <a:r>
-              <a:rPr lang="fr-FR" sz="2000" dirty="0" smtClean="0"/>
-              <a:t>Au besoin, ajout de nouvelles catégories</a:t>
-            </a:r>
-          </a:p>
-          <a:p>
-            <a:pPr lvl="1"/>
-            <a:r>
-              <a:rPr lang="fr-FR" sz="2000" dirty="0" smtClean="0"/>
-              <a:t>Bouton de suppression, de création ou de modification d’une figure</a:t>
+              <a:t>Packagist</a:t>
             </a:r>
             <a:endParaRPr lang="fr-FR" sz="2000" dirty="0" smtClean="0"/>
           </a:p>
@@ -13083,7 +13945,7 @@
       </p:sp>
       <p:sp>
         <p:nvSpPr>
-          <p:cNvPr id="6" name="Google Shape;106;p15"/>
+          <p:cNvPr id="7" name="Google Shape;106;p15"/>
           <p:cNvSpPr txBox="1"/>
           <p:nvPr/>
         </p:nvSpPr>
@@ -13117,7 +13979,7 @@
                 <a:cs typeface="Calibri"/>
                 <a:sym typeface="Calibri"/>
               </a:rPr>
-              <a:t>P6 </a:t>
+              <a:t>P7 </a:t>
             </a:r>
             <a:r>
               <a:rPr lang="fr-FR" sz="1400" b="1" dirty="0">
@@ -13141,19 +14003,7 @@
                 <a:cs typeface="Calibri"/>
                 <a:sym typeface="Calibri"/>
               </a:rPr>
-              <a:t>Développez de A à Z le site communautaire </a:t>
-            </a:r>
-            <a:r>
-              <a:rPr lang="fr-FR" b="1" dirty="0" err="1">
-                <a:solidFill>
-                  <a:schemeClr val="dk1"/>
-                </a:solidFill>
-                <a:latin typeface="Calibri"/>
-                <a:ea typeface="Calibri"/>
-                <a:cs typeface="Calibri"/>
-                <a:sym typeface="Calibri"/>
-              </a:rPr>
-              <a:t>SnowTricks</a:t>
+              <a:t>Créez un web service exposant une API</a:t>
             </a:r>
             <a:r>
               <a:rPr lang="fr-FR" sz="1400" b="1" dirty="0">
@@ -13229,7 +14079,7 @@
     </p:spTree>
     <p:extLst>
       <p:ext uri="{BB962C8B-B14F-4D97-AF65-F5344CB8AC3E}">
-        <p14:creationId xmlns:p14="http://schemas.microsoft.com/office/powerpoint/2010/main" val="1390400815"/>
+        <p14:creationId xmlns:p14="http://schemas.microsoft.com/office/powerpoint/2010/main" val="2226153002"/>
       </p:ext>
     </p:extLst>
   </p:cSld>
@@ -13239,7 +14089,537 @@
 </p:sld>
 </file>
 
-<file path=ppt/slides/slide11.xml><?xml version="1.0" encoding="utf-8"?>
+<file path=ppt/slides/slide5.xml><?xml version="1.0" encoding="utf-8"?>
+<p:sld xmlns:a="http://schemas.openxmlformats.org/drawingml/2006/main" xmlns:r="http://schemas.openxmlformats.org/officeDocument/2006/relationships" xmlns:p="http://schemas.openxmlformats.org/presentationml/2006/main">
+  <p:cSld>
+    <p:spTree>
+      <p:nvGrpSpPr>
+        <p:cNvPr id="1" name="Shape 103"/>
+        <p:cNvGrpSpPr/>
+        <p:nvPr/>
+      </p:nvGrpSpPr>
+      <p:grpSpPr>
+        <a:xfrm>
+          <a:off x="0" y="0"/>
+          <a:ext cx="0" cy="0"/>
+          <a:chOff x="0" y="0"/>
+          <a:chExt cx="0" cy="0"/>
+        </a:xfrm>
+      </p:grpSpPr>
+      <p:sp>
+        <p:nvSpPr>
+          <p:cNvPr id="104" name="Google Shape;104;p15"/>
+          <p:cNvSpPr txBox="1">
+            <a:spLocks noGrp="1"/>
+          </p:cNvSpPr>
+          <p:nvPr>
+            <p:ph type="title"/>
+          </p:nvPr>
+        </p:nvSpPr>
+        <p:spPr>
+          <a:xfrm>
+            <a:off x="838200" y="964277"/>
+            <a:ext cx="10515600" cy="934200"/>
+          </a:xfrm>
+          <a:prstGeom prst="rect">
+            <a:avLst/>
+          </a:prstGeom>
+          <a:noFill/>
+          <a:ln>
+            <a:noFill/>
+          </a:ln>
+        </p:spPr>
+        <p:txBody>
+          <a:bodyPr spcFirstLastPara="1" wrap="square" lIns="91425" tIns="45700" rIns="91425" bIns="45700" anchor="ctr" anchorCtr="0">
+            <a:noAutofit/>
+          </a:bodyPr>
+          <a:lstStyle/>
+          <a:p>
+            <a:pPr marL="0" lvl="0" indent="0" algn="l" rtl="0">
+              <a:lnSpc>
+                <a:spcPct val="90000"/>
+              </a:lnSpc>
+              <a:spcBef>
+                <a:spcPts val="0"/>
+              </a:spcBef>
+              <a:spcAft>
+                <a:spcPts val="0"/>
+              </a:spcAft>
+              <a:buClr>
+                <a:schemeClr val="dk1"/>
+              </a:buClr>
+              <a:buSzPts val="3959"/>
+              <a:buFont typeface="Quattrocento Sans"/>
+              <a:buNone/>
+            </a:pPr>
+            <a:r>
+              <a:rPr lang="fr-FR" sz="3959" dirty="0" smtClean="0">
+                <a:latin typeface="Quattrocento Sans"/>
+                <a:ea typeface="Quattrocento Sans"/>
+                <a:cs typeface="Quattrocento Sans"/>
+                <a:sym typeface="Quattrocento Sans"/>
+              </a:rPr>
+              <a:t>Présentation de l’application</a:t>
+            </a:r>
+            <a:br>
+              <a:rPr lang="fr-FR" sz="3959" dirty="0" smtClean="0">
+                <a:latin typeface="Quattrocento Sans"/>
+                <a:ea typeface="Quattrocento Sans"/>
+                <a:cs typeface="Quattrocento Sans"/>
+                <a:sym typeface="Quattrocento Sans"/>
+              </a:rPr>
+            </a:br>
+            <a:r>
+              <a:rPr lang="fr-FR" sz="2400" dirty="0" smtClean="0">
+                <a:solidFill>
+                  <a:schemeClr val="bg1">
+                    <a:lumMod val="65000"/>
+                  </a:schemeClr>
+                </a:solidFill>
+                <a:latin typeface="Quattrocento Sans"/>
+                <a:ea typeface="Quattrocento Sans"/>
+                <a:cs typeface="Quattrocento Sans"/>
+                <a:sym typeface="Quattrocento Sans"/>
+              </a:rPr>
+              <a:t>Points d’entrées de l’API</a:t>
+            </a:r>
+            <a:endParaRPr sz="1979" dirty="0">
+              <a:solidFill>
+                <a:schemeClr val="bg1">
+                  <a:lumMod val="65000"/>
+                </a:schemeClr>
+              </a:solidFill>
+              <a:latin typeface="Quattrocento Sans"/>
+              <a:ea typeface="Quattrocento Sans"/>
+              <a:cs typeface="Quattrocento Sans"/>
+              <a:sym typeface="Quattrocento Sans"/>
+            </a:endParaRPr>
+          </a:p>
+        </p:txBody>
+      </p:sp>
+      <p:pic>
+        <p:nvPicPr>
+          <p:cNvPr id="108" name="Google Shape;108;p15"/>
+          <p:cNvPicPr preferRelativeResize="0"/>
+          <p:nvPr/>
+        </p:nvPicPr>
+        <p:blipFill rotWithShape="1">
+          <a:blip r:embed="rId3">
+            <a:alphaModFix/>
+          </a:blip>
+          <a:srcRect/>
+          <a:stretch/>
+        </p:blipFill>
+        <p:spPr>
+          <a:xfrm>
+            <a:off x="10575769" y="236741"/>
+            <a:ext cx="591628" cy="591628"/>
+          </a:xfrm>
+          <a:prstGeom prst="rect">
+            <a:avLst/>
+          </a:prstGeom>
+          <a:noFill/>
+          <a:ln>
+            <a:noFill/>
+          </a:ln>
+        </p:spPr>
+      </p:pic>
+      <p:sp>
+        <p:nvSpPr>
+          <p:cNvPr id="3" name="Espace réservé du texte 2">
+            <a:extLst>
+              <a:ext uri="{FF2B5EF4-FFF2-40B4-BE49-F238E27FC236}">
+                <a16:creationId xmlns:a16="http://schemas.microsoft.com/office/drawing/2014/main" id="{49CE6623-9ABA-47C3-964E-A9C08CABCC9C}"/>
+              </a:ext>
+            </a:extLst>
+          </p:cNvPr>
+          <p:cNvSpPr>
+            <a:spLocks noGrp="1"/>
+          </p:cNvSpPr>
+          <p:nvPr>
+            <p:ph type="body" idx="1"/>
+          </p:nvPr>
+        </p:nvSpPr>
+        <p:spPr>
+          <a:xfrm>
+            <a:off x="838200" y="2034385"/>
+            <a:ext cx="10515600" cy="4584772"/>
+          </a:xfrm>
+        </p:spPr>
+        <p:txBody>
+          <a:bodyPr/>
+          <a:lstStyle/>
+          <a:p>
+            <a:r>
+              <a:rPr lang="fr-FR" sz="1800" dirty="0" smtClean="0"/>
+              <a:t>Documentation sur l’API</a:t>
+            </a:r>
+          </a:p>
+          <a:p>
+            <a:r>
+              <a:rPr lang="fr-FR" sz="1800" dirty="0" smtClean="0"/>
+              <a:t>Utilisation d’API Platform pour le respect du 3</a:t>
+            </a:r>
+            <a:r>
+              <a:rPr lang="fr-FR" sz="1800" baseline="30000" dirty="0" smtClean="0"/>
+              <a:t>ème</a:t>
+            </a:r>
+            <a:r>
+              <a:rPr lang="fr-FR" sz="1800" dirty="0" smtClean="0"/>
+              <a:t> principe du Modèle de Richardson : l’API doit être auto découvrable</a:t>
+            </a:r>
+          </a:p>
+          <a:p>
+            <a:r>
+              <a:rPr lang="fr-FR" sz="1800" dirty="0" smtClean="0"/>
+              <a:t>Client :</a:t>
+            </a:r>
+          </a:p>
+          <a:p>
+            <a:pPr lvl="1"/>
+            <a:r>
+              <a:rPr lang="fr-FR" sz="1400" dirty="0" smtClean="0"/>
+              <a:t>GET /api/clients : </a:t>
+            </a:r>
+            <a:r>
+              <a:rPr lang="fr-FR" sz="1200" i="1" dirty="0" smtClean="0">
+                <a:solidFill>
+                  <a:schemeClr val="accent6"/>
+                </a:solidFill>
+              </a:rPr>
+              <a:t>Récupérer la liste des clients</a:t>
+            </a:r>
+            <a:endParaRPr lang="fr-FR" sz="1400" i="1" dirty="0" smtClean="0">
+              <a:solidFill>
+                <a:schemeClr val="accent6"/>
+              </a:solidFill>
+            </a:endParaRPr>
+          </a:p>
+          <a:p>
+            <a:pPr lvl="1"/>
+            <a:r>
+              <a:rPr lang="fr-FR" sz="1400" dirty="0" smtClean="0"/>
+              <a:t>GET /api/clients/{id} : </a:t>
+            </a:r>
+            <a:r>
+              <a:rPr lang="fr-FR" sz="1200" i="1" dirty="0" smtClean="0">
+                <a:solidFill>
+                  <a:schemeClr val="accent6"/>
+                </a:solidFill>
+              </a:rPr>
+              <a:t>Récupérer un client par son identifiant</a:t>
+            </a:r>
+          </a:p>
+          <a:p>
+            <a:r>
+              <a:rPr lang="fr-FR" sz="1800" dirty="0" smtClean="0"/>
+              <a:t>Product :</a:t>
+            </a:r>
+          </a:p>
+          <a:p>
+            <a:pPr lvl="1"/>
+            <a:r>
+              <a:rPr lang="fr-FR" sz="1400" dirty="0" smtClean="0"/>
+              <a:t>GET /api/</a:t>
+            </a:r>
+            <a:r>
+              <a:rPr lang="fr-FR" sz="1400" dirty="0" err="1" smtClean="0"/>
+              <a:t>products</a:t>
+            </a:r>
+            <a:r>
+              <a:rPr lang="fr-FR" sz="1400" dirty="0" smtClean="0"/>
+              <a:t> : </a:t>
+            </a:r>
+            <a:r>
+              <a:rPr lang="fr-FR" sz="1200" i="1" dirty="0" smtClean="0">
+                <a:solidFill>
+                  <a:schemeClr val="accent6"/>
+                </a:solidFill>
+              </a:rPr>
+              <a:t>Récupérer la liste des produits</a:t>
+            </a:r>
+          </a:p>
+          <a:p>
+            <a:pPr lvl="1"/>
+            <a:r>
+              <a:rPr lang="fr-FR" sz="1400" dirty="0" smtClean="0"/>
+              <a:t>GET /api/</a:t>
+            </a:r>
+            <a:r>
+              <a:rPr lang="fr-FR" sz="1400" dirty="0" err="1" smtClean="0"/>
+              <a:t>products</a:t>
+            </a:r>
+            <a:r>
+              <a:rPr lang="fr-FR" sz="1400" dirty="0" smtClean="0"/>
+              <a:t>/{id} : </a:t>
+            </a:r>
+            <a:r>
+              <a:rPr lang="fr-FR" sz="1200" i="1" dirty="0" smtClean="0">
+                <a:solidFill>
+                  <a:schemeClr val="accent6"/>
+                </a:solidFill>
+              </a:rPr>
+              <a:t>Récupérer un produit par son identifiant</a:t>
+            </a:r>
+            <a:endParaRPr lang="fr-FR" sz="1400" i="1" dirty="0" smtClean="0">
+              <a:solidFill>
+                <a:schemeClr val="accent6"/>
+              </a:solidFill>
+            </a:endParaRPr>
+          </a:p>
+          <a:p>
+            <a:r>
+              <a:rPr lang="fr-FR" sz="1800" dirty="0" smtClean="0"/>
+              <a:t>User :</a:t>
+            </a:r>
+          </a:p>
+          <a:p>
+            <a:pPr lvl="1"/>
+            <a:r>
+              <a:rPr lang="fr-FR" sz="1400" dirty="0" smtClean="0"/>
+              <a:t>GET /api/</a:t>
+            </a:r>
+            <a:r>
+              <a:rPr lang="fr-FR" sz="1400" dirty="0" err="1" smtClean="0"/>
+              <a:t>users_client</a:t>
+            </a:r>
+            <a:r>
+              <a:rPr lang="fr-FR" sz="1400" dirty="0" smtClean="0"/>
+              <a:t>/{id} : </a:t>
+            </a:r>
+            <a:r>
+              <a:rPr lang="fr-FR" sz="1200" i="1" dirty="0" smtClean="0">
+                <a:solidFill>
+                  <a:schemeClr val="accent6"/>
+                </a:solidFill>
+              </a:rPr>
+              <a:t>Récupérer des utilisateurs liés à un identifiant client</a:t>
+            </a:r>
+          </a:p>
+          <a:p>
+            <a:pPr lvl="1"/>
+            <a:r>
+              <a:rPr lang="fr-FR" sz="1400" dirty="0" smtClean="0"/>
+              <a:t>GET /api/</a:t>
+            </a:r>
+            <a:r>
+              <a:rPr lang="fr-FR" sz="1400" dirty="0" err="1" smtClean="0"/>
+              <a:t>users</a:t>
+            </a:r>
+            <a:r>
+              <a:rPr lang="fr-FR" sz="1400" dirty="0" smtClean="0"/>
+              <a:t>/{id} : </a:t>
+            </a:r>
+            <a:r>
+              <a:rPr lang="fr-FR" sz="1200" i="1" dirty="0" smtClean="0">
+                <a:solidFill>
+                  <a:schemeClr val="accent6"/>
+                </a:solidFill>
+              </a:rPr>
+              <a:t>Récupérer un utilisateur par son identifiant</a:t>
+            </a:r>
+          </a:p>
+          <a:p>
+            <a:pPr lvl="1"/>
+            <a:r>
+              <a:rPr lang="fr-FR" sz="1400" dirty="0" smtClean="0"/>
+              <a:t>POST /api/</a:t>
+            </a:r>
+            <a:r>
+              <a:rPr lang="fr-FR" sz="1400" dirty="0" err="1" smtClean="0"/>
+              <a:t>users_client</a:t>
+            </a:r>
+            <a:r>
+              <a:rPr lang="fr-FR" sz="1400" dirty="0" smtClean="0"/>
+              <a:t>/{id} : </a:t>
+            </a:r>
+            <a:r>
+              <a:rPr lang="fr-FR" sz="1200" i="1" dirty="0" smtClean="0">
+                <a:solidFill>
+                  <a:schemeClr val="accent6"/>
+                </a:solidFill>
+              </a:rPr>
+              <a:t>Créer un utilisateur lié à un client</a:t>
+            </a:r>
+          </a:p>
+          <a:p>
+            <a:pPr lvl="1"/>
+            <a:r>
+              <a:rPr lang="fr-FR" sz="1400" dirty="0" smtClean="0"/>
+              <a:t>DELETE /api/</a:t>
+            </a:r>
+            <a:r>
+              <a:rPr lang="fr-FR" sz="1400" dirty="0" err="1" smtClean="0"/>
+              <a:t>users</a:t>
+            </a:r>
+            <a:r>
+              <a:rPr lang="fr-FR" sz="1400" dirty="0" smtClean="0"/>
+              <a:t>/{id} : </a:t>
+            </a:r>
+            <a:r>
+              <a:rPr lang="fr-FR" sz="1200" i="1" dirty="0" smtClean="0">
+                <a:solidFill>
+                  <a:schemeClr val="accent6"/>
+                </a:solidFill>
+              </a:rPr>
+              <a:t>Supprimer un utilisateur par son identifiant</a:t>
+            </a:r>
+          </a:p>
+          <a:p>
+            <a:endParaRPr lang="fr-FR" sz="1800" dirty="0" smtClean="0"/>
+          </a:p>
+          <a:p>
+            <a:endParaRPr lang="fr-FR" sz="1400" dirty="0" smtClean="0"/>
+          </a:p>
+        </p:txBody>
+      </p:sp>
+      <p:sp>
+        <p:nvSpPr>
+          <p:cNvPr id="7" name="Google Shape;106;p15"/>
+          <p:cNvSpPr txBox="1"/>
+          <p:nvPr/>
+        </p:nvSpPr>
+        <p:spPr>
+          <a:xfrm>
+            <a:off x="839931" y="236741"/>
+            <a:ext cx="7380338" cy="523200"/>
+          </a:xfrm>
+          <a:prstGeom prst="rect">
+            <a:avLst/>
+          </a:prstGeom>
+          <a:noFill/>
+          <a:ln>
+            <a:noFill/>
+          </a:ln>
+        </p:spPr>
+        <p:txBody>
+          <a:bodyPr spcFirstLastPara="1" wrap="square" lIns="91425" tIns="45700" rIns="91425" bIns="45700" anchor="t" anchorCtr="0">
+            <a:noAutofit/>
+          </a:bodyPr>
+          <a:lstStyle/>
+          <a:p>
+            <a:pPr lvl="0"/>
+            <a:r>
+              <a:rPr lang="fr-FR" sz="1400" b="1" dirty="0" smtClean="0">
+                <a:solidFill>
+                  <a:schemeClr val="dk1"/>
+                </a:solidFill>
+                <a:latin typeface="Calibri"/>
+                <a:ea typeface="Calibri"/>
+                <a:cs typeface="Calibri"/>
+                <a:sym typeface="Calibri"/>
+              </a:rPr>
+              <a:t>P7 </a:t>
+            </a:r>
+            <a:r>
+              <a:rPr lang="fr-FR" sz="1400" b="1" dirty="0">
+                <a:solidFill>
+                  <a:schemeClr val="dk1"/>
+                </a:solidFill>
+                <a:latin typeface="Calibri"/>
+                <a:ea typeface="Calibri"/>
+                <a:cs typeface="Calibri"/>
+                <a:sym typeface="Calibri"/>
+              </a:rPr>
+              <a:t>: </a:t>
+            </a:r>
+            <a:r>
+              <a:rPr lang="fr-FR" b="1" dirty="0">
+                <a:solidFill>
+                  <a:schemeClr val="dk1"/>
+                </a:solidFill>
+                <a:latin typeface="Calibri"/>
+                <a:ea typeface="Calibri"/>
+                <a:cs typeface="Calibri"/>
+                <a:sym typeface="Calibri"/>
+              </a:rPr>
+              <a:t>Créez un web service exposant une API</a:t>
+            </a:r>
+            <a:r>
+              <a:rPr lang="fr-FR" sz="1400" b="1" dirty="0">
+                <a:solidFill>
+                  <a:schemeClr val="dk1"/>
+                </a:solidFill>
+                <a:latin typeface="Calibri"/>
+                <a:ea typeface="Calibri"/>
+                <a:cs typeface="Calibri"/>
+                <a:sym typeface="Calibri"/>
+              </a:rPr>
+              <a:t/>
+            </a:r>
+            <a:br>
+              <a:rPr lang="fr-FR" sz="1400" b="1" dirty="0">
+                <a:solidFill>
+                  <a:schemeClr val="dk1"/>
+                </a:solidFill>
+                <a:latin typeface="Calibri"/>
+                <a:ea typeface="Calibri"/>
+                <a:cs typeface="Calibri"/>
+                <a:sym typeface="Calibri"/>
+              </a:rPr>
+            </a:br>
+            <a:r>
+              <a:rPr lang="fr-FR" sz="1400" dirty="0">
+                <a:solidFill>
+                  <a:schemeClr val="dk1"/>
+                </a:solidFill>
+                <a:latin typeface="Calibri"/>
+                <a:ea typeface="Calibri"/>
+                <a:cs typeface="Calibri"/>
+                <a:sym typeface="Calibri"/>
+              </a:rPr>
+              <a:t>Thomas Claireau – </a:t>
+            </a:r>
+            <a:r>
+              <a:rPr lang="fr-FR" sz="1400" dirty="0" smtClean="0">
+                <a:solidFill>
+                  <a:schemeClr val="dk1"/>
+                </a:solidFill>
+                <a:latin typeface="Calibri"/>
+                <a:ea typeface="Calibri"/>
+                <a:cs typeface="Calibri"/>
+                <a:sym typeface="Calibri"/>
+              </a:rPr>
+              <a:t>DA-PHP/</a:t>
+            </a:r>
+            <a:r>
+              <a:rPr lang="fr-FR" sz="1400" dirty="0" err="1" smtClean="0">
+                <a:solidFill>
+                  <a:schemeClr val="dk1"/>
+                </a:solidFill>
+                <a:latin typeface="Calibri"/>
+                <a:ea typeface="Calibri"/>
+                <a:cs typeface="Calibri"/>
+                <a:sym typeface="Calibri"/>
+              </a:rPr>
+              <a:t>Symfony</a:t>
+            </a:r>
+            <a:endParaRPr sz="1400" dirty="0">
+              <a:solidFill>
+                <a:schemeClr val="dk1"/>
+              </a:solidFill>
+              <a:latin typeface="Calibri"/>
+              <a:ea typeface="Calibri"/>
+              <a:cs typeface="Calibri"/>
+              <a:sym typeface="Calibri"/>
+            </a:endParaRPr>
+          </a:p>
+        </p:txBody>
+      </p:sp>
+    </p:spTree>
+    <p:extLst>
+      <p:ext uri="{BB962C8B-B14F-4D97-AF65-F5344CB8AC3E}">
+        <p14:creationId xmlns:p14="http://schemas.microsoft.com/office/powerpoint/2010/main" val="1181965195"/>
+      </p:ext>
+    </p:extLst>
+  </p:cSld>
+  <p:clrMapOvr>
+    <a:masterClrMapping/>
+  </p:clrMapOvr>
+</p:sld>
+</file>
+
+<file path=ppt/slides/slide6.xml><?xml version="1.0" encoding="utf-8"?>
 <p:sld xmlns:a="http://schemas.openxmlformats.org/drawingml/2006/main" xmlns:r="http://schemas.openxmlformats.org/officeDocument/2006/relationships" xmlns:p="http://schemas.openxmlformats.org/presentationml/2006/main">
   <p:cSld>
     <p:spTree>
@@ -13412,37 +14792,6 @@
               <a:rPr lang="fr-FR" sz="2400" dirty="0" smtClean="0"/>
               <a:t>)</a:t>
             </a:r>
-            <a:endParaRPr lang="fr-FR" sz="2400" dirty="0" smtClean="0"/>
-          </a:p>
-          <a:p>
-            <a:r>
-              <a:rPr lang="fr-FR" sz="2400" dirty="0" smtClean="0"/>
-              <a:t>Public : utilisation de </a:t>
-            </a:r>
-            <a:r>
-              <a:rPr lang="fr-FR" sz="2400" dirty="0" err="1" smtClean="0"/>
-              <a:t>webpack</a:t>
-            </a:r>
-            <a:r>
-              <a:rPr lang="fr-FR" sz="2400" dirty="0" smtClean="0"/>
-              <a:t> encore via </a:t>
-            </a:r>
-            <a:r>
-              <a:rPr lang="fr-FR" sz="2400" dirty="0" err="1" smtClean="0"/>
-              <a:t>Symfony</a:t>
-            </a:r>
-            <a:endParaRPr lang="fr-FR" sz="2400" dirty="0" smtClean="0"/>
-          </a:p>
-          <a:p>
-            <a:r>
-              <a:rPr lang="fr-FR" sz="2400" dirty="0" smtClean="0"/>
-              <a:t>Style : </a:t>
-            </a:r>
-            <a:r>
-              <a:rPr lang="fr-FR" sz="2400" dirty="0" err="1" smtClean="0"/>
-              <a:t>sass</a:t>
-            </a:r>
-            <a:endParaRPr lang="fr-FR" sz="2400" dirty="0" smtClean="0"/>
           </a:p>
           <a:p>
             <a:endParaRPr lang="fr-FR" sz="2400" dirty="0"/>
@@ -13450,188 +14799,83 @@
           <a:p>
             <a:r>
               <a:rPr lang="fr-FR" sz="2400" dirty="0" smtClean="0"/>
-              <a:t>Librairie : </a:t>
+              <a:t>Librairies :</a:t>
             </a:r>
           </a:p>
           <a:p>
             <a:pPr lvl="1"/>
             <a:r>
-              <a:rPr lang="fr-FR" sz="1800" dirty="0" err="1" smtClean="0"/>
-              <a:t>Twig</a:t>
-            </a:r>
-            <a:r>
-              <a:rPr lang="fr-FR" sz="1800" dirty="0" smtClean="0"/>
-              <a:t> : moteur de </a:t>
-            </a:r>
-            <a:r>
-              <a:rPr lang="fr-FR" sz="1800" dirty="0" err="1" smtClean="0"/>
-              <a:t>template</a:t>
-            </a:r>
-            <a:endParaRPr lang="fr-FR" sz="1800" dirty="0" smtClean="0"/>
+              <a:rPr lang="fr-FR" sz="2000" dirty="0" smtClean="0"/>
+              <a:t>Api </a:t>
+            </a:r>
+            <a:r>
+              <a:rPr lang="fr-FR" sz="2000" dirty="0" err="1" smtClean="0"/>
+              <a:t>platform</a:t>
+            </a:r>
+            <a:r>
+              <a:rPr lang="fr-FR" sz="2000" dirty="0"/>
+              <a:t> </a:t>
+            </a:r>
+            <a:r>
+              <a:rPr lang="fr-FR" sz="2000" dirty="0" smtClean="0"/>
+              <a:t>:</a:t>
+            </a:r>
+          </a:p>
+          <a:p>
+            <a:pPr lvl="2"/>
+            <a:r>
+              <a:rPr lang="fr-FR" sz="1600" dirty="0" smtClean="0"/>
+              <a:t>Documentation de l’API</a:t>
+            </a:r>
+          </a:p>
+          <a:p>
+            <a:pPr lvl="2"/>
+            <a:r>
+              <a:rPr lang="fr-FR" sz="1600" dirty="0" smtClean="0"/>
+              <a:t>Présentation et test des points d’entrées</a:t>
+            </a:r>
           </a:p>
           <a:p>
             <a:pPr lvl="1"/>
             <a:r>
-              <a:rPr lang="fr-FR" sz="1800" dirty="0" err="1" smtClean="0"/>
-              <a:t>SwiftMailer</a:t>
-            </a:r>
-            <a:r>
-              <a:rPr lang="fr-FR" sz="1800" dirty="0" smtClean="0"/>
-              <a:t> : envoie des mails de </a:t>
-            </a:r>
-            <a:r>
-              <a:rPr lang="fr-FR" sz="1800" dirty="0" smtClean="0"/>
-              <a:t>vérification d’adresse email et d’oublie de mot de passe</a:t>
-            </a:r>
-            <a:endParaRPr lang="fr-FR" sz="1800" dirty="0" smtClean="0"/>
+              <a:rPr lang="fr-FR" sz="2000" dirty="0" err="1" smtClean="0"/>
+              <a:t>Json</a:t>
+            </a:r>
+            <a:r>
+              <a:rPr lang="fr-FR" sz="2000" dirty="0" smtClean="0"/>
+              <a:t> Web </a:t>
+            </a:r>
+            <a:r>
+              <a:rPr lang="fr-FR" sz="2000" dirty="0" err="1" smtClean="0"/>
+              <a:t>Token</a:t>
+            </a:r>
+            <a:r>
+              <a:rPr lang="fr-FR" sz="2000" dirty="0" smtClean="0"/>
+              <a:t>:</a:t>
+            </a:r>
           </a:p>
           <a:p>
-            <a:endParaRPr lang="fr-FR" sz="2400" dirty="0" smtClean="0"/>
+            <a:pPr lvl="2"/>
+            <a:r>
+              <a:rPr lang="fr-FR" dirty="0" smtClean="0"/>
+              <a:t>Authentification à chaque requête</a:t>
+            </a:r>
           </a:p>
-        </p:txBody>
-      </p:sp>
-      <p:sp>
-        <p:nvSpPr>
-          <p:cNvPr id="6" name="Google Shape;106;p15"/>
-          <p:cNvSpPr txBox="1"/>
-          <p:nvPr/>
-        </p:nvSpPr>
-        <p:spPr>
-          <a:xfrm>
-            <a:off x="839931" y="236741"/>
-            <a:ext cx="7380338" cy="523200"/>
-          </a:xfrm>
-          <a:prstGeom prst="rect">
-            <a:avLst/>
-          </a:prstGeom>
-          <a:noFill/>
-          <a:ln>
-            <a:noFill/>
-          </a:ln>
-        </p:spPr>
-        <p:txBody>
-          <a:bodyPr spcFirstLastPara="1" wrap="square" lIns="91425" tIns="45700" rIns="91425" bIns="45700" anchor="t" anchorCtr="0">
-            <a:noAutofit/>
-          </a:bodyPr>
-          <a:lstStyle/>
           <a:p>
-            <a:pPr lvl="0"/>
-            <a:r>
-              <a:rPr lang="fr-FR" sz="1400" b="1" dirty="0" smtClean="0">
-                <a:solidFill>
-                  <a:schemeClr val="dk1"/>
-                </a:solidFill>
-                <a:latin typeface="Calibri"/>
-                <a:ea typeface="Calibri"/>
-                <a:cs typeface="Calibri"/>
-                <a:sym typeface="Calibri"/>
-              </a:rPr>
-              <a:t>P6 </a:t>
-            </a:r>
-            <a:r>
-              <a:rPr lang="fr-FR" sz="1400" b="1" dirty="0">
-                <a:solidFill>
-                  <a:schemeClr val="dk1"/>
-                </a:solidFill>
-                <a:latin typeface="Calibri"/>
-                <a:ea typeface="Calibri"/>
-                <a:cs typeface="Calibri"/>
-                <a:sym typeface="Calibri"/>
-              </a:rPr>
-              <a:t>: </a:t>
-            </a:r>
-            <a:r>
-              <a:rPr lang="fr-FR" b="1" dirty="0">
-                <a:solidFill>
-                  <a:schemeClr val="dk1"/>
-                </a:solidFill>
-                <a:latin typeface="Calibri"/>
-                <a:ea typeface="Calibri"/>
-                <a:cs typeface="Calibri"/>
-                <a:sym typeface="Calibri"/>
-              </a:rPr>
-              <a:t>Développez de A à Z le site communautaire </a:t>
-            </a:r>
-            <a:r>
-              <a:rPr lang="fr-FR" b="1" dirty="0" err="1">
-                <a:solidFill>
-                  <a:schemeClr val="dk1"/>
-                </a:solidFill>
-                <a:latin typeface="Calibri"/>
-                <a:ea typeface="Calibri"/>
-                <a:cs typeface="Calibri"/>
-                <a:sym typeface="Calibri"/>
-              </a:rPr>
-              <a:t>SnowTricks</a:t>
-            </a:r>
-            <a:r>
-              <a:rPr lang="fr-FR" sz="1400" b="1" dirty="0">
-                <a:solidFill>
-                  <a:schemeClr val="dk1"/>
-                </a:solidFill>
-                <a:latin typeface="Calibri"/>
-                <a:ea typeface="Calibri"/>
-                <a:cs typeface="Calibri"/>
-                <a:sym typeface="Calibri"/>
-              </a:rPr>
-              <a:t/>
-            </a:r>
-            <a:br>
-              <a:rPr lang="fr-FR" sz="1400" b="1" dirty="0">
-                <a:solidFill>
-                  <a:schemeClr val="dk1"/>
-                </a:solidFill>
-                <a:latin typeface="Calibri"/>
-                <a:ea typeface="Calibri"/>
-                <a:cs typeface="Calibri"/>
-                <a:sym typeface="Calibri"/>
-              </a:rPr>
-            </a:br>
-            <a:r>
-              <a:rPr lang="fr-FR" sz="1400" dirty="0">
-                <a:solidFill>
-                  <a:schemeClr val="dk1"/>
-                </a:solidFill>
-                <a:latin typeface="Calibri"/>
-                <a:ea typeface="Calibri"/>
-                <a:cs typeface="Calibri"/>
-                <a:sym typeface="Calibri"/>
-              </a:rPr>
-              <a:t>Thomas Claireau – </a:t>
-            </a:r>
-            <a:r>
-              <a:rPr lang="fr-FR" sz="1400" dirty="0" smtClean="0">
-                <a:solidFill>
-                  <a:schemeClr val="dk1"/>
-                </a:solidFill>
-                <a:latin typeface="Calibri"/>
-                <a:ea typeface="Calibri"/>
-                <a:cs typeface="Calibri"/>
-                <a:sym typeface="Calibri"/>
-              </a:rPr>
-              <a:t>DA-PHP/</a:t>
-            </a:r>
-            <a:r>
-              <a:rPr lang="fr-FR" sz="1400" dirty="0" err="1" smtClean="0">
-                <a:solidFill>
-                  <a:schemeClr val="dk1"/>
-                </a:solidFill>
-                <a:latin typeface="Calibri"/>
-                <a:ea typeface="Calibri"/>
-                <a:cs typeface="Calibri"/>
-                <a:sym typeface="Calibri"/>
-              </a:rPr>
-              <a:t>Symfony</a:t>
-            </a:r>
-            <a:endParaRPr sz="1400" dirty="0">
-              <a:solidFill>
-                <a:schemeClr val="dk1"/>
-              </a:solidFill>
-              <a:latin typeface="Calibri"/>
-              <a:ea typeface="Calibri"/>
-              <a:cs typeface="Calibri"/>
-              <a:sym typeface="Calibri"/>
-            </a:endParaRPr>
+            <a:pPr lvl="2"/>
+            <a:r>
+              <a:rPr lang="fr-FR" dirty="0" smtClean="0"/>
+              <a:t>Récupération d’un </a:t>
+            </a:r>
+            <a:r>
+              <a:rPr lang="fr-FR" dirty="0" err="1" smtClean="0"/>
+              <a:t>token</a:t>
+            </a:r>
+            <a:r>
+              <a:rPr lang="fr-FR" dirty="0" smtClean="0"/>
+              <a:t> de vérification</a:t>
+            </a:r>
+            <a:endParaRPr lang="fr-FR" dirty="0"/>
           </a:p>
         </p:txBody>
       </p:sp>
@@ -13658,7 +14902,7 @@
         </p:blipFill>
         <p:spPr bwMode="auto">
           <a:xfrm>
-            <a:off x="8042275" y="1269375"/>
+            <a:off x="8822783" y="1799187"/>
             <a:ext cx="1905000" cy="1666875"/>
           </a:xfrm>
           <a:prstGeom prst="rect">
@@ -13676,9 +14920,142 @@
           </a:extLst>
         </p:spPr>
       </p:pic>
+      <p:sp>
+        <p:nvSpPr>
+          <p:cNvPr id="8" name="Google Shape;106;p15"/>
+          <p:cNvSpPr txBox="1"/>
+          <p:nvPr/>
+        </p:nvSpPr>
+        <p:spPr>
+          <a:xfrm>
+            <a:off x="839931" y="236741"/>
+            <a:ext cx="7380338" cy="523200"/>
+          </a:xfrm>
+          <a:prstGeom prst="rect">
+            <a:avLst/>
+          </a:prstGeom>
+          <a:noFill/>
+          <a:ln>
+            <a:noFill/>
+          </a:ln>
+        </p:spPr>
+        <p:txBody>
+          <a:bodyPr spcFirstLastPara="1" wrap="square" lIns="91425" tIns="45700" rIns="91425" bIns="45700" anchor="t" anchorCtr="0">
+            <a:noAutofit/>
+          </a:bodyPr>
+          <a:lstStyle/>
+          <a:p>
+            <a:pPr lvl="0"/>
+            <a:r>
+              <a:rPr lang="fr-FR" sz="1400" b="1" dirty="0" smtClean="0">
+                <a:solidFill>
+                  <a:schemeClr val="dk1"/>
+                </a:solidFill>
+                <a:latin typeface="Calibri"/>
+                <a:ea typeface="Calibri"/>
+                <a:cs typeface="Calibri"/>
+                <a:sym typeface="Calibri"/>
+              </a:rPr>
+              <a:t>P7 </a:t>
+            </a:r>
+            <a:r>
+              <a:rPr lang="fr-FR" sz="1400" b="1" dirty="0">
+                <a:solidFill>
+                  <a:schemeClr val="dk1"/>
+                </a:solidFill>
+                <a:latin typeface="Calibri"/>
+                <a:ea typeface="Calibri"/>
+                <a:cs typeface="Calibri"/>
+                <a:sym typeface="Calibri"/>
+              </a:rPr>
+              <a:t>: </a:t>
+            </a:r>
+            <a:r>
+              <a:rPr lang="fr-FR" b="1" dirty="0">
+                <a:solidFill>
+                  <a:schemeClr val="dk1"/>
+                </a:solidFill>
+                <a:latin typeface="Calibri"/>
+                <a:ea typeface="Calibri"/>
+                <a:cs typeface="Calibri"/>
+                <a:sym typeface="Calibri"/>
+              </a:rPr>
+              <a:t>Créez un web service exposant une API</a:t>
+            </a:r>
+            <a:r>
+              <a:rPr lang="fr-FR" sz="1400" b="1" dirty="0">
+                <a:solidFill>
+                  <a:schemeClr val="dk1"/>
+                </a:solidFill>
+                <a:latin typeface="Calibri"/>
+                <a:ea typeface="Calibri"/>
+                <a:cs typeface="Calibri"/>
+                <a:sym typeface="Calibri"/>
+              </a:rPr>
+              <a:t/>
+            </a:r>
+            <a:br>
+              <a:rPr lang="fr-FR" sz="1400" b="1" dirty="0">
+                <a:solidFill>
+                  <a:schemeClr val="dk1"/>
+                </a:solidFill>
+                <a:latin typeface="Calibri"/>
+                <a:ea typeface="Calibri"/>
+                <a:cs typeface="Calibri"/>
+                <a:sym typeface="Calibri"/>
+              </a:rPr>
+            </a:br>
+            <a:r>
+              <a:rPr lang="fr-FR" sz="1400" dirty="0">
+                <a:solidFill>
+                  <a:schemeClr val="dk1"/>
+                </a:solidFill>
+                <a:latin typeface="Calibri"/>
+                <a:ea typeface="Calibri"/>
+                <a:cs typeface="Calibri"/>
+                <a:sym typeface="Calibri"/>
+              </a:rPr>
+              <a:t>Thomas Claireau – </a:t>
+            </a:r>
+            <a:r>
+              <a:rPr lang="fr-FR" sz="1400" dirty="0" smtClean="0">
+                <a:solidFill>
+                  <a:schemeClr val="dk1"/>
+                </a:solidFill>
+                <a:latin typeface="Calibri"/>
+                <a:ea typeface="Calibri"/>
+                <a:cs typeface="Calibri"/>
+                <a:sym typeface="Calibri"/>
+              </a:rPr>
+              <a:t>DA-PHP/</a:t>
+            </a:r>
+            <a:r>
+              <a:rPr lang="fr-FR" sz="1400" dirty="0" err="1" smtClean="0">
+                <a:solidFill>
+                  <a:schemeClr val="dk1"/>
+                </a:solidFill>
+                <a:latin typeface="Calibri"/>
+                <a:ea typeface="Calibri"/>
+                <a:cs typeface="Calibri"/>
+                <a:sym typeface="Calibri"/>
+              </a:rPr>
+              <a:t>Symfony</a:t>
+            </a:r>
+            <a:endParaRPr sz="1400" dirty="0">
+              <a:solidFill>
+                <a:schemeClr val="dk1"/>
+              </a:solidFill>
+              <a:latin typeface="Calibri"/>
+              <a:ea typeface="Calibri"/>
+              <a:cs typeface="Calibri"/>
+              <a:sym typeface="Calibri"/>
+            </a:endParaRPr>
+          </a:p>
+        </p:txBody>
+      </p:sp>
       <p:pic>
         <p:nvPicPr>
-          <p:cNvPr id="1028" name="Picture 4" descr="Résultat de recherche d'images pour &quot;webpack&quot;"/>
+          <p:cNvPr id="2" name="Picture 2" descr="Résultat de recherche d'images pour &quot;api platform&quot;"/>
           <p:cNvPicPr>
             <a:picLocks noChangeAspect="1" noChangeArrowheads="1"/>
           </p:cNvPicPr>
@@ -13699,8 +15076,49 @@
         </p:blipFill>
         <p:spPr bwMode="auto">
           <a:xfrm>
-            <a:off x="9100038" y="3052833"/>
-            <a:ext cx="2067359" cy="2092622"/>
+            <a:off x="7622930" y="3823093"/>
+            <a:ext cx="1586956" cy="1586956"/>
+          </a:xfrm>
+          <a:prstGeom prst="rect">
+            <a:avLst/>
+          </a:prstGeom>
+          <a:noFill/>
+          <a:extLst>
+            <a:ext uri="{909E8E84-426E-40DD-AFC4-6F175D3DCCD1}">
+              <a14:hiddenFill xmlns:a14="http://schemas.microsoft.com/office/drawing/2010/main">
+                <a:solidFill>
+                  <a:srgbClr val="FFFFFF"/>
+                </a:solidFill>
+              </a14:hiddenFill>
+            </a:ext>
+          </a:extLst>
+        </p:spPr>
+      </p:pic>
+      <p:pic>
+        <p:nvPicPr>
+          <p:cNvPr id="4" name="Picture 4" descr="Résultat de recherche d'images pour &quot;json web token&quot;"/>
+          <p:cNvPicPr>
+            <a:picLocks noChangeAspect="1" noChangeArrowheads="1"/>
+          </p:cNvPicPr>
+          <p:nvPr/>
+        </p:nvPicPr>
+        <p:blipFill>
+          <a:blip r:embed="rId6">
+            <a:extLst>
+              <a:ext uri="{28A0092B-C50C-407E-A947-70E740481C1C}">
+                <a14:useLocalDpi xmlns:a14="http://schemas.microsoft.com/office/drawing/2010/main" val="0"/>
+              </a:ext>
+            </a:extLst>
+          </a:blip>
+          <a:srcRect/>
+          <a:stretch>
+            <a:fillRect/>
+          </a:stretch>
+        </p:blipFill>
+        <p:spPr bwMode="auto">
+          <a:xfrm>
+            <a:off x="9688703" y="4311967"/>
+            <a:ext cx="2078160" cy="609207"/>
           </a:xfrm>
           <a:prstGeom prst="rect">
             <a:avLst/>
@@ -13730,7 +15148,375 @@
 </p:sld>
 </file>
 
-<file path=ppt/slides/slide12.xml><?xml version="1.0" encoding="utf-8"?>
+<file path=ppt/slides/slide7.xml><?xml version="1.0" encoding="utf-8"?>
+<p:sld xmlns:a="http://schemas.openxmlformats.org/drawingml/2006/main" xmlns:r="http://schemas.openxmlformats.org/officeDocument/2006/relationships" xmlns:p="http://schemas.openxmlformats.org/presentationml/2006/main">
+  <p:cSld>
+    <p:spTree>
+      <p:nvGrpSpPr>
+        <p:cNvPr id="1" name="Shape 103"/>
+        <p:cNvGrpSpPr/>
+        <p:nvPr/>
+      </p:nvGrpSpPr>
+      <p:grpSpPr>
+        <a:xfrm>
+          <a:off x="0" y="0"/>
+          <a:ext cx="0" cy="0"/>
+          <a:chOff x="0" y="0"/>
+          <a:chExt cx="0" cy="0"/>
+        </a:xfrm>
+      </p:grpSpPr>
+      <p:sp>
+        <p:nvSpPr>
+          <p:cNvPr id="104" name="Google Shape;104;p15"/>
+          <p:cNvSpPr txBox="1">
+            <a:spLocks noGrp="1"/>
+          </p:cNvSpPr>
+          <p:nvPr>
+            <p:ph type="title"/>
+          </p:nvPr>
+        </p:nvSpPr>
+        <p:spPr>
+          <a:xfrm>
+            <a:off x="838200" y="964277"/>
+            <a:ext cx="10515600" cy="934200"/>
+          </a:xfrm>
+          <a:prstGeom prst="rect">
+            <a:avLst/>
+          </a:prstGeom>
+          <a:noFill/>
+          <a:ln>
+            <a:noFill/>
+          </a:ln>
+        </p:spPr>
+        <p:txBody>
+          <a:bodyPr spcFirstLastPara="1" wrap="square" lIns="91425" tIns="45700" rIns="91425" bIns="45700" anchor="ctr" anchorCtr="0">
+            <a:noAutofit/>
+          </a:bodyPr>
+          <a:lstStyle/>
+          <a:p>
+            <a:pPr lvl="0">
+              <a:buSzPts val="3959"/>
+            </a:pPr>
+            <a:r>
+              <a:rPr lang="fr-FR" sz="3959" dirty="0">
+                <a:latin typeface="Quattrocento Sans"/>
+                <a:ea typeface="Quattrocento Sans"/>
+                <a:cs typeface="Quattrocento Sans"/>
+                <a:sym typeface="Quattrocento Sans"/>
+              </a:rPr>
+              <a:t>Présentation </a:t>
+            </a:r>
+            <a:r>
+              <a:rPr lang="fr-FR" sz="3959" dirty="0" smtClean="0">
+                <a:latin typeface="Quattrocento Sans"/>
+                <a:ea typeface="Quattrocento Sans"/>
+                <a:cs typeface="Quattrocento Sans"/>
+                <a:sym typeface="Quattrocento Sans"/>
+              </a:rPr>
+              <a:t>technique</a:t>
+            </a:r>
+            <a:r>
+              <a:rPr lang="fr-FR" sz="3959" dirty="0" smtClean="0">
+                <a:latin typeface="Quattrocento Sans"/>
+                <a:ea typeface="Quattrocento Sans"/>
+                <a:cs typeface="Quattrocento Sans"/>
+                <a:sym typeface="Quattrocento Sans"/>
+              </a:rPr>
+              <a:t/>
+            </a:r>
+            <a:br>
+              <a:rPr lang="fr-FR" sz="3959" dirty="0" smtClean="0">
+                <a:latin typeface="Quattrocento Sans"/>
+                <a:ea typeface="Quattrocento Sans"/>
+                <a:cs typeface="Quattrocento Sans"/>
+                <a:sym typeface="Quattrocento Sans"/>
+              </a:rPr>
+            </a:br>
+            <a:r>
+              <a:rPr lang="fr-FR" sz="2400" dirty="0" smtClean="0">
+                <a:solidFill>
+                  <a:schemeClr val="bg1">
+                    <a:lumMod val="65000"/>
+                  </a:schemeClr>
+                </a:solidFill>
+                <a:latin typeface="Quattrocento Sans"/>
+                <a:ea typeface="Quattrocento Sans"/>
+                <a:cs typeface="Quattrocento Sans"/>
+                <a:sym typeface="Quattrocento Sans"/>
+              </a:rPr>
+              <a:t>Authentification</a:t>
+            </a:r>
+            <a:endParaRPr sz="1979" dirty="0">
+              <a:solidFill>
+                <a:schemeClr val="bg1">
+                  <a:lumMod val="65000"/>
+                </a:schemeClr>
+              </a:solidFill>
+              <a:latin typeface="Quattrocento Sans"/>
+              <a:ea typeface="Quattrocento Sans"/>
+              <a:cs typeface="Quattrocento Sans"/>
+              <a:sym typeface="Quattrocento Sans"/>
+            </a:endParaRPr>
+          </a:p>
+        </p:txBody>
+      </p:sp>
+      <p:pic>
+        <p:nvPicPr>
+          <p:cNvPr id="108" name="Google Shape;108;p15"/>
+          <p:cNvPicPr preferRelativeResize="0"/>
+          <p:nvPr/>
+        </p:nvPicPr>
+        <p:blipFill rotWithShape="1">
+          <a:blip r:embed="rId3">
+            <a:alphaModFix/>
+          </a:blip>
+          <a:srcRect/>
+          <a:stretch/>
+        </p:blipFill>
+        <p:spPr>
+          <a:xfrm>
+            <a:off x="10575769" y="236741"/>
+            <a:ext cx="591628" cy="591628"/>
+          </a:xfrm>
+          <a:prstGeom prst="rect">
+            <a:avLst/>
+          </a:prstGeom>
+          <a:noFill/>
+          <a:ln>
+            <a:noFill/>
+          </a:ln>
+        </p:spPr>
+      </p:pic>
+      <p:sp>
+        <p:nvSpPr>
+          <p:cNvPr id="3" name="Espace réservé du texte 2">
+            <a:extLst>
+              <a:ext uri="{FF2B5EF4-FFF2-40B4-BE49-F238E27FC236}">
+                <a16:creationId xmlns:a16="http://schemas.microsoft.com/office/drawing/2014/main" id="{49CE6623-9ABA-47C3-964E-A9C08CABCC9C}"/>
+              </a:ext>
+            </a:extLst>
+          </p:cNvPr>
+          <p:cNvSpPr>
+            <a:spLocks noGrp="1"/>
+          </p:cNvSpPr>
+          <p:nvPr>
+            <p:ph type="body" idx="1"/>
+          </p:nvPr>
+        </p:nvSpPr>
+        <p:spPr>
+          <a:xfrm>
+            <a:off x="838200" y="2102813"/>
+            <a:ext cx="10515600" cy="4584772"/>
+          </a:xfrm>
+        </p:spPr>
+        <p:txBody>
+          <a:bodyPr/>
+          <a:lstStyle/>
+          <a:p>
+            <a:r>
+              <a:rPr lang="fr-FR" sz="2400" dirty="0" err="1" smtClean="0"/>
+              <a:t>Json</a:t>
+            </a:r>
+            <a:r>
+              <a:rPr lang="fr-FR" sz="2400" dirty="0" smtClean="0"/>
+              <a:t> web </a:t>
+            </a:r>
+            <a:r>
+              <a:rPr lang="fr-FR" sz="2400" dirty="0" err="1" smtClean="0"/>
+              <a:t>token</a:t>
+            </a:r>
+            <a:endParaRPr lang="fr-FR" sz="2000" dirty="0" smtClean="0"/>
+          </a:p>
+        </p:txBody>
+      </p:sp>
+      <p:sp>
+        <p:nvSpPr>
+          <p:cNvPr id="7" name="Google Shape;106;p15"/>
+          <p:cNvSpPr txBox="1"/>
+          <p:nvPr/>
+        </p:nvSpPr>
+        <p:spPr>
+          <a:xfrm>
+            <a:off x="839931" y="236741"/>
+            <a:ext cx="7380338" cy="523200"/>
+          </a:xfrm>
+          <a:prstGeom prst="rect">
+            <a:avLst/>
+          </a:prstGeom>
+          <a:noFill/>
+          <a:ln>
+            <a:noFill/>
+          </a:ln>
+        </p:spPr>
+        <p:txBody>
+          <a:bodyPr spcFirstLastPara="1" wrap="square" lIns="91425" tIns="45700" rIns="91425" bIns="45700" anchor="t" anchorCtr="0">
+            <a:noAutofit/>
+          </a:bodyPr>
+          <a:lstStyle/>
+          <a:p>
+            <a:pPr lvl="0"/>
+            <a:r>
+              <a:rPr lang="fr-FR" sz="1400" b="1" dirty="0" smtClean="0">
+                <a:solidFill>
+                  <a:schemeClr val="dk1"/>
+                </a:solidFill>
+                <a:latin typeface="Calibri"/>
+                <a:ea typeface="Calibri"/>
+                <a:cs typeface="Calibri"/>
+                <a:sym typeface="Calibri"/>
+              </a:rPr>
+              <a:t>P7 </a:t>
+            </a:r>
+            <a:r>
+              <a:rPr lang="fr-FR" sz="1400" b="1" dirty="0">
+                <a:solidFill>
+                  <a:schemeClr val="dk1"/>
+                </a:solidFill>
+                <a:latin typeface="Calibri"/>
+                <a:ea typeface="Calibri"/>
+                <a:cs typeface="Calibri"/>
+                <a:sym typeface="Calibri"/>
+              </a:rPr>
+              <a:t>: </a:t>
+            </a:r>
+            <a:r>
+              <a:rPr lang="fr-FR" b="1" dirty="0">
+                <a:solidFill>
+                  <a:schemeClr val="dk1"/>
+                </a:solidFill>
+                <a:latin typeface="Calibri"/>
+                <a:ea typeface="Calibri"/>
+                <a:cs typeface="Calibri"/>
+                <a:sym typeface="Calibri"/>
+              </a:rPr>
+              <a:t>Créez un web service exposant une API</a:t>
+            </a:r>
+            <a:r>
+              <a:rPr lang="fr-FR" sz="1400" b="1" dirty="0">
+                <a:solidFill>
+                  <a:schemeClr val="dk1"/>
+                </a:solidFill>
+                <a:latin typeface="Calibri"/>
+                <a:ea typeface="Calibri"/>
+                <a:cs typeface="Calibri"/>
+                <a:sym typeface="Calibri"/>
+              </a:rPr>
+              <a:t/>
+            </a:r>
+            <a:br>
+              <a:rPr lang="fr-FR" sz="1400" b="1" dirty="0">
+                <a:solidFill>
+                  <a:schemeClr val="dk1"/>
+                </a:solidFill>
+                <a:latin typeface="Calibri"/>
+                <a:ea typeface="Calibri"/>
+                <a:cs typeface="Calibri"/>
+                <a:sym typeface="Calibri"/>
+              </a:rPr>
+            </a:br>
+            <a:r>
+              <a:rPr lang="fr-FR" sz="1400" dirty="0">
+                <a:solidFill>
+                  <a:schemeClr val="dk1"/>
+                </a:solidFill>
+                <a:latin typeface="Calibri"/>
+                <a:ea typeface="Calibri"/>
+                <a:cs typeface="Calibri"/>
+                <a:sym typeface="Calibri"/>
+              </a:rPr>
+              <a:t>Thomas Claireau – </a:t>
+            </a:r>
+            <a:r>
+              <a:rPr lang="fr-FR" sz="1400" dirty="0" smtClean="0">
+                <a:solidFill>
+                  <a:schemeClr val="dk1"/>
+                </a:solidFill>
+                <a:latin typeface="Calibri"/>
+                <a:ea typeface="Calibri"/>
+                <a:cs typeface="Calibri"/>
+                <a:sym typeface="Calibri"/>
+              </a:rPr>
+              <a:t>DA-PHP/</a:t>
+            </a:r>
+            <a:r>
+              <a:rPr lang="fr-FR" sz="1400" dirty="0" err="1" smtClean="0">
+                <a:solidFill>
+                  <a:schemeClr val="dk1"/>
+                </a:solidFill>
+                <a:latin typeface="Calibri"/>
+                <a:ea typeface="Calibri"/>
+                <a:cs typeface="Calibri"/>
+                <a:sym typeface="Calibri"/>
+              </a:rPr>
+              <a:t>Symfony</a:t>
+            </a:r>
+            <a:endParaRPr sz="1400" dirty="0">
+              <a:solidFill>
+                <a:schemeClr val="dk1"/>
+              </a:solidFill>
+              <a:latin typeface="Calibri"/>
+              <a:ea typeface="Calibri"/>
+              <a:cs typeface="Calibri"/>
+              <a:sym typeface="Calibri"/>
+            </a:endParaRPr>
+          </a:p>
+        </p:txBody>
+      </p:sp>
+      <p:pic>
+        <p:nvPicPr>
+          <p:cNvPr id="8" name="Picture 4" descr="Résultat de recherche d'images pour &quot;json web token&quot;"/>
+          <p:cNvPicPr>
+            <a:picLocks noChangeAspect="1" noChangeArrowheads="1"/>
+          </p:cNvPicPr>
+          <p:nvPr/>
+        </p:nvPicPr>
+        <p:blipFill>
+          <a:blip r:embed="rId4">
+            <a:extLst>
+              <a:ext uri="{28A0092B-C50C-407E-A947-70E740481C1C}">
+                <a14:useLocalDpi xmlns:a14="http://schemas.microsoft.com/office/drawing/2010/main" val="0"/>
+              </a:ext>
+            </a:extLst>
+          </a:blip>
+          <a:srcRect/>
+          <a:stretch>
+            <a:fillRect/>
+          </a:stretch>
+        </p:blipFill>
+        <p:spPr bwMode="auto">
+          <a:xfrm>
+            <a:off x="8448308" y="1898477"/>
+            <a:ext cx="3230632" cy="947051"/>
+          </a:xfrm>
+          <a:prstGeom prst="rect">
+            <a:avLst/>
+          </a:prstGeom>
+          <a:noFill/>
+          <a:extLst>
+            <a:ext uri="{909E8E84-426E-40DD-AFC4-6F175D3DCCD1}">
+              <a14:hiddenFill xmlns:a14="http://schemas.microsoft.com/office/drawing/2010/main">
+                <a:solidFill>
+                  <a:srgbClr val="FFFFFF"/>
+                </a:solidFill>
+              </a14:hiddenFill>
+            </a:ext>
+          </a:extLst>
+        </p:spPr>
+      </p:pic>
+    </p:spTree>
+    <p:extLst>
+      <p:ext uri="{BB962C8B-B14F-4D97-AF65-F5344CB8AC3E}">
+        <p14:creationId xmlns:p14="http://schemas.microsoft.com/office/powerpoint/2010/main" val="1390400815"/>
+      </p:ext>
+    </p:extLst>
+  </p:cSld>
+  <p:clrMapOvr>
+    <a:masterClrMapping/>
+  </p:clrMapOvr>
+</p:sld>
+</file>
+
+<file path=ppt/slides/slide8.xml><?xml version="1.0" encoding="utf-8"?>
 <p:sld xmlns:a="http://schemas.openxmlformats.org/drawingml/2006/main" xmlns:r="http://schemas.openxmlformats.org/officeDocument/2006/relationships" xmlns:p="http://schemas.openxmlformats.org/presentationml/2006/main">
   <p:cSld>
     <p:spTree>
@@ -13990,7 +15776,7 @@
       </p:sp>
       <p:sp>
         <p:nvSpPr>
-          <p:cNvPr id="6" name="Google Shape;106;p15"/>
+          <p:cNvPr id="7" name="Google Shape;106;p15"/>
           <p:cNvSpPr txBox="1"/>
           <p:nvPr/>
         </p:nvSpPr>
@@ -14024,7 +15810,7 @@
                 <a:cs typeface="Calibri"/>
                 <a:sym typeface="Calibri"/>
               </a:rPr>
-              <a:t>P6 </a:t>
+              <a:t>P7 </a:t>
             </a:r>
             <a:r>
               <a:rPr lang="fr-FR" sz="1400" b="1" dirty="0">
@@ -14048,19 +15834,7 @@
                 <a:cs typeface="Calibri"/>
                 <a:sym typeface="Calibri"/>
               </a:rPr>
-              <a:t>Développez de A à Z le site communautaire </a:t>
-            </a:r>
-            <a:r>
-              <a:rPr lang="fr-FR" b="1" dirty="0" err="1">
-                <a:solidFill>
-                  <a:schemeClr val="dk1"/>
-                </a:solidFill>
-                <a:latin typeface="Calibri"/>
-                <a:ea typeface="Calibri"/>
-                <a:cs typeface="Calibri"/>
-                <a:sym typeface="Calibri"/>
-              </a:rPr>
-              <a:t>SnowTricks</a:t>
+              <a:t>Créez un web service exposant une API</a:t>
             </a:r>
             <a:r>
               <a:rPr lang="fr-FR" sz="1400" b="1" dirty="0">
@@ -14146,7 +15920,7 @@
 </p:sld>
 </file>
 
-<file path=ppt/slides/slide13.xml><?xml version="1.0" encoding="utf-8"?>
+<file path=ppt/slides/slide9.xml><?xml version="1.0" encoding="utf-8"?>
 <p:sld xmlns:a="http://schemas.openxmlformats.org/drawingml/2006/main" xmlns:r="http://schemas.openxmlformats.org/officeDocument/2006/relationships" xmlns:p="http://schemas.openxmlformats.org/presentationml/2006/main">
   <p:cSld>
     <p:spTree>
@@ -14421,11 +16195,7 @@
             </a:r>
             <a:r>
               <a:rPr lang="fr-FR" sz="1800" dirty="0" err="1" smtClean="0"/>
-              <a:t>base.html.twi</a:t>
-            </a:r>
-            <a:r>
-              <a:rPr lang="fr-FR" sz="1800" dirty="0" err="1" smtClean="0"/>
-              <a:t>g</a:t>
+              <a:t>base.html.twig</a:t>
             </a:r>
             <a:r>
               <a:rPr lang="fr-FR" sz="1800" dirty="0" smtClean="0"/>
@@ -14493,7 +16263,6 @@
               <a:rPr lang="fr-FR" sz="1800" dirty="0" smtClean="0"/>
               <a:t> encore)</a:t>
             </a:r>
-            <a:endParaRPr lang="fr-FR" sz="1800" dirty="0" smtClean="0"/>
           </a:p>
         </p:txBody>
       </p:sp>
@@ -14591,7 +16360,7 @@
       </p:grpSp>
       <p:sp>
         <p:nvSpPr>
-          <p:cNvPr id="9" name="Google Shape;106;p15"/>
+          <p:cNvPr id="10" name="Google Shape;106;p15"/>
           <p:cNvSpPr txBox="1"/>
           <p:nvPr/>
         </p:nvSpPr>
@@ -14625,7 +16394,7 @@
                 <a:cs typeface="Calibri"/>
                 <a:sym typeface="Calibri"/>
               </a:rPr>
-              <a:t>P6 </a:t>
+              <a:t>P7 </a:t>
             </a:r>
             <a:r>
               <a:rPr lang="fr-FR" sz="1400" b="1" dirty="0">
@@ -14649,19 +16418,7 @@
                 <a:cs typeface="Calibri"/>
                 <a:sym typeface="Calibri"/>
               </a:rPr>
-              <a:t>Développez de A à Z le site communautaire </a:t>
-            </a:r>
-            <a:r>
-              <a:rPr lang="fr-FR" b="1" dirty="0" err="1">
-                <a:solidFill>
-                  <a:schemeClr val="dk1"/>
-                </a:solidFill>
-                <a:latin typeface="Calibri"/>
-                <a:ea typeface="Calibri"/>
-                <a:cs typeface="Calibri"/>
-                <a:sym typeface="Calibri"/>
-              </a:rPr>
-              <a:t>SnowTricks</a:t>
+              <a:t>Créez un web service exposant une API</a:t>
             </a:r>
             <a:r>
               <a:rPr lang="fr-FR" sz="1400" b="1" dirty="0">
@@ -14738,3887 +16495,6 @@
     <p:extLst>
       <p:ext uri="{BB962C8B-B14F-4D97-AF65-F5344CB8AC3E}">
         <p14:creationId xmlns:p14="http://schemas.microsoft.com/office/powerpoint/2010/main" val="4098531447"/>
-      </p:ext>
-    </p:extLst>
-  </p:cSld>
-  <p:clrMapOvr>
-    <a:masterClrMapping/>
-  </p:clrMapOvr>
-</p:sld>
-</file>
-
-<file path=ppt/slides/slide14.xml><?xml version="1.0" encoding="utf-8"?>
-<p:sld xmlns:a="http://schemas.openxmlformats.org/drawingml/2006/main" xmlns:r="http://schemas.openxmlformats.org/officeDocument/2006/relationships" xmlns:p="http://schemas.openxmlformats.org/presentationml/2006/main">
-  <p:cSld>
-    <p:spTree>
-      <p:nvGrpSpPr>
-        <p:cNvPr id="1" name="Shape 103"/>
-        <p:cNvGrpSpPr/>
-        <p:nvPr/>
-      </p:nvGrpSpPr>
-      <p:grpSpPr>
-        <a:xfrm>
-          <a:off x="0" y="0"/>
-          <a:ext cx="0" cy="0"/>
-          <a:chOff x="0" y="0"/>
-          <a:chExt cx="0" cy="0"/>
-        </a:xfrm>
-      </p:grpSpPr>
-      <p:sp>
-        <p:nvSpPr>
-          <p:cNvPr id="104" name="Google Shape;104;p15"/>
-          <p:cNvSpPr txBox="1">
-            <a:spLocks noGrp="1"/>
-          </p:cNvSpPr>
-          <p:nvPr>
-            <p:ph type="title"/>
-          </p:nvPr>
-        </p:nvSpPr>
-        <p:spPr>
-          <a:xfrm>
-            <a:off x="838200" y="964277"/>
-            <a:ext cx="10515600" cy="934200"/>
-          </a:xfrm>
-          <a:prstGeom prst="rect">
-            <a:avLst/>
-          </a:prstGeom>
-          <a:noFill/>
-          <a:ln>
-            <a:noFill/>
-          </a:ln>
-        </p:spPr>
-        <p:txBody>
-          <a:bodyPr spcFirstLastPara="1" wrap="square" lIns="91425" tIns="45700" rIns="91425" bIns="45700" anchor="ctr" anchorCtr="0">
-            <a:noAutofit/>
-          </a:bodyPr>
-          <a:lstStyle/>
-          <a:p>
-            <a:pPr lvl="0">
-              <a:buSzPts val="3959"/>
-            </a:pPr>
-            <a:r>
-              <a:rPr lang="fr-FR" sz="3959" dirty="0" smtClean="0">
-                <a:latin typeface="Quattrocento Sans"/>
-                <a:ea typeface="Quattrocento Sans"/>
-                <a:cs typeface="Quattrocento Sans"/>
-                <a:sym typeface="Quattrocento Sans"/>
-              </a:rPr>
-              <a:t>Présentation technique</a:t>
-            </a:r>
-            <a:br>
-              <a:rPr lang="fr-FR" sz="3959" dirty="0" smtClean="0">
-                <a:latin typeface="Quattrocento Sans"/>
-                <a:ea typeface="Quattrocento Sans"/>
-                <a:cs typeface="Quattrocento Sans"/>
-                <a:sym typeface="Quattrocento Sans"/>
-              </a:rPr>
-            </a:br>
-            <a:r>
-              <a:rPr lang="fr-FR" sz="2400" dirty="0" smtClean="0">
-                <a:solidFill>
-                  <a:schemeClr val="bg1">
-                    <a:lumMod val="65000"/>
-                  </a:schemeClr>
-                </a:solidFill>
-                <a:latin typeface="Quattrocento Sans"/>
-                <a:ea typeface="Quattrocento Sans"/>
-                <a:cs typeface="Quattrocento Sans"/>
-                <a:sym typeface="Quattrocento Sans"/>
-              </a:rPr>
-              <a:t>Analyse d’un correctif </a:t>
-            </a:r>
-            <a:r>
-              <a:rPr lang="fr-FR" sz="2400" dirty="0" err="1" smtClean="0">
-                <a:solidFill>
-                  <a:schemeClr val="bg1">
-                    <a:lumMod val="65000"/>
-                  </a:schemeClr>
-                </a:solidFill>
-                <a:latin typeface="Quattrocento Sans"/>
-                <a:ea typeface="Quattrocento Sans"/>
-                <a:cs typeface="Quattrocento Sans"/>
-                <a:sym typeface="Quattrocento Sans"/>
-              </a:rPr>
-              <a:t>Codacy</a:t>
-            </a:r>
-            <a:endParaRPr sz="1979" dirty="0">
-              <a:solidFill>
-                <a:schemeClr val="bg1">
-                  <a:lumMod val="65000"/>
-                </a:schemeClr>
-              </a:solidFill>
-              <a:latin typeface="Quattrocento Sans"/>
-              <a:ea typeface="Quattrocento Sans"/>
-              <a:cs typeface="Quattrocento Sans"/>
-              <a:sym typeface="Quattrocento Sans"/>
-            </a:endParaRPr>
-          </a:p>
-        </p:txBody>
-      </p:sp>
-      <p:pic>
-        <p:nvPicPr>
-          <p:cNvPr id="108" name="Google Shape;108;p15"/>
-          <p:cNvPicPr preferRelativeResize="0"/>
-          <p:nvPr/>
-        </p:nvPicPr>
-        <p:blipFill rotWithShape="1">
-          <a:blip r:embed="rId3">
-            <a:alphaModFix/>
-          </a:blip>
-          <a:srcRect/>
-          <a:stretch/>
-        </p:blipFill>
-        <p:spPr>
-          <a:xfrm>
-            <a:off x="10575769" y="236741"/>
-            <a:ext cx="591628" cy="591628"/>
-          </a:xfrm>
-          <a:prstGeom prst="rect">
-            <a:avLst/>
-          </a:prstGeom>
-          <a:noFill/>
-          <a:ln>
-            <a:noFill/>
-          </a:ln>
-        </p:spPr>
-      </p:pic>
-      <p:sp>
-        <p:nvSpPr>
-          <p:cNvPr id="3" name="Espace réservé du texte 2">
-            <a:extLst>
-              <a:ext uri="{FF2B5EF4-FFF2-40B4-BE49-F238E27FC236}">
-                <a16:creationId xmlns:a16="http://schemas.microsoft.com/office/drawing/2014/main" id="{49CE6623-9ABA-47C3-964E-A9C08CABCC9C}"/>
-              </a:ext>
-            </a:extLst>
-          </p:cNvPr>
-          <p:cNvSpPr>
-            <a:spLocks noGrp="1"/>
-          </p:cNvSpPr>
-          <p:nvPr>
-            <p:ph type="body" idx="1"/>
-          </p:nvPr>
-        </p:nvSpPr>
-        <p:spPr>
-          <a:xfrm>
-            <a:off x="838200" y="2185940"/>
-            <a:ext cx="10515600" cy="4584772"/>
-          </a:xfrm>
-        </p:spPr>
-        <p:txBody>
-          <a:bodyPr/>
-          <a:lstStyle/>
-          <a:p>
-            <a:r>
-              <a:rPr lang="fr-FR" sz="2400" dirty="0" smtClean="0"/>
-              <a:t>Erreur </a:t>
-            </a:r>
-            <a:r>
-              <a:rPr lang="fr-FR" sz="2400" dirty="0" err="1" smtClean="0"/>
-              <a:t>codacy</a:t>
-            </a:r>
-            <a:r>
-              <a:rPr lang="fr-FR" sz="2400" dirty="0" smtClean="0"/>
-              <a:t> : « </a:t>
-            </a:r>
-            <a:r>
-              <a:rPr lang="fr-FR" sz="2400" dirty="0" err="1"/>
-              <a:t>Avoid</a:t>
-            </a:r>
-            <a:r>
-              <a:rPr lang="fr-FR" sz="2400" dirty="0"/>
-              <a:t> </a:t>
-            </a:r>
-            <a:r>
-              <a:rPr lang="fr-FR" sz="2400" dirty="0" err="1"/>
-              <a:t>else</a:t>
-            </a:r>
-            <a:r>
-              <a:rPr lang="fr-FR" sz="2400" dirty="0"/>
-              <a:t> </a:t>
-            </a:r>
-            <a:r>
-              <a:rPr lang="fr-FR" sz="2400" dirty="0" smtClean="0"/>
-              <a:t>expressions</a:t>
-            </a:r>
-            <a:r>
-              <a:rPr lang="fr-FR" sz="2400" dirty="0" smtClean="0"/>
-              <a:t> »</a:t>
-            </a:r>
-          </a:p>
-          <a:p>
-            <a:r>
-              <a:rPr lang="fr-FR" sz="2400" dirty="0" smtClean="0"/>
-              <a:t>Utilisation inutile d’un </a:t>
-            </a:r>
-            <a:r>
-              <a:rPr lang="fr-FR" sz="2400" dirty="0" err="1" smtClean="0"/>
-              <a:t>else</a:t>
-            </a:r>
-            <a:r>
-              <a:rPr lang="fr-FR" sz="2400" dirty="0" smtClean="0"/>
-              <a:t> après un return</a:t>
-            </a:r>
-          </a:p>
-          <a:p>
-            <a:r>
-              <a:rPr lang="fr-FR" sz="2400" dirty="0" smtClean="0"/>
-              <a:t>Suppression du </a:t>
-            </a:r>
-            <a:r>
-              <a:rPr lang="fr-FR" sz="2400" dirty="0" err="1" smtClean="0"/>
-              <a:t>else</a:t>
-            </a:r>
-            <a:endParaRPr lang="fr-FR" sz="2400" dirty="0" smtClean="0"/>
-          </a:p>
-          <a:p>
-            <a:r>
-              <a:rPr lang="fr-FR" sz="2400" dirty="0" smtClean="0"/>
-              <a:t>Modification </a:t>
-            </a:r>
-            <a:r>
-              <a:rPr lang="fr-FR" sz="2400" dirty="0" smtClean="0"/>
-              <a:t>dans tous les fichiers utilisant </a:t>
-            </a:r>
-            <a:r>
-              <a:rPr lang="fr-FR" sz="2400" dirty="0" smtClean="0"/>
-              <a:t>un </a:t>
-            </a:r>
-            <a:r>
-              <a:rPr lang="fr-FR" sz="2400" dirty="0" err="1" smtClean="0"/>
-              <a:t>else</a:t>
-            </a:r>
-            <a:r>
-              <a:rPr lang="fr-FR" sz="2400" dirty="0" smtClean="0"/>
-              <a:t> inutile</a:t>
-            </a:r>
-            <a:endParaRPr lang="fr-FR" sz="2400" dirty="0" smtClean="0"/>
-          </a:p>
-          <a:p>
-            <a:r>
-              <a:rPr lang="fr-FR" sz="2400" dirty="0" smtClean="0"/>
-              <a:t>Création d’un commit structuré de la manière suivante :</a:t>
-            </a:r>
-          </a:p>
-          <a:p>
-            <a:pPr lvl="1"/>
-            <a:r>
-              <a:rPr lang="fr-FR" sz="1800" dirty="0" err="1" smtClean="0"/>
-              <a:t>Codacy</a:t>
-            </a:r>
-            <a:r>
-              <a:rPr lang="fr-FR" sz="1800" dirty="0" smtClean="0"/>
-              <a:t> </a:t>
-            </a:r>
-            <a:r>
-              <a:rPr lang="fr-FR" sz="1800" dirty="0" err="1" smtClean="0"/>
-              <a:t>fix</a:t>
-            </a:r>
-            <a:r>
-              <a:rPr lang="fr-FR" sz="1800" dirty="0" smtClean="0"/>
-              <a:t> </a:t>
-            </a:r>
-            <a:r>
-              <a:rPr lang="fr-FR" sz="1800" dirty="0" err="1" smtClean="0"/>
-              <a:t>error</a:t>
-            </a:r>
-            <a:r>
-              <a:rPr lang="fr-FR" sz="1800" dirty="0" smtClean="0"/>
-              <a:t> + le nom de l’erreur</a:t>
-            </a:r>
-          </a:p>
-          <a:p>
-            <a:r>
-              <a:rPr lang="fr-FR" sz="2400" dirty="0" err="1" smtClean="0"/>
-              <a:t>Codacy</a:t>
-            </a:r>
-            <a:r>
-              <a:rPr lang="fr-FR" sz="2400" dirty="0" smtClean="0"/>
-              <a:t> </a:t>
-            </a:r>
-            <a:r>
-              <a:rPr lang="fr-FR" sz="2400" dirty="0" err="1" smtClean="0"/>
-              <a:t>réanalyse</a:t>
-            </a:r>
-            <a:r>
-              <a:rPr lang="fr-FR" sz="2400" dirty="0" smtClean="0"/>
-              <a:t> le dernier commit et corrige les issues relatives à </a:t>
-            </a:r>
-            <a:r>
-              <a:rPr lang="fr-FR" sz="2400" dirty="0" smtClean="0"/>
-              <a:t>l’utilisation inutile du </a:t>
-            </a:r>
-            <a:r>
-              <a:rPr lang="fr-FR" sz="2400" dirty="0" err="1" smtClean="0"/>
-              <a:t>else</a:t>
-            </a:r>
-            <a:r>
-              <a:rPr lang="fr-FR" sz="2400" dirty="0" smtClean="0"/>
-              <a:t>.</a:t>
-            </a:r>
-            <a:endParaRPr lang="fr-FR" sz="2400" dirty="0" smtClean="0"/>
-          </a:p>
-        </p:txBody>
-      </p:sp>
-      <p:grpSp>
-        <p:nvGrpSpPr>
-          <p:cNvPr id="5" name="Groupe 4"/>
-          <p:cNvGrpSpPr/>
-          <p:nvPr/>
-        </p:nvGrpSpPr>
-        <p:grpSpPr>
-          <a:xfrm>
-            <a:off x="7686003" y="1590700"/>
-            <a:ext cx="2954671" cy="307777"/>
-            <a:chOff x="7916912" y="1278147"/>
-            <a:chExt cx="2954671" cy="307777"/>
-          </a:xfrm>
-        </p:grpSpPr>
-        <p:pic>
-          <p:nvPicPr>
-            <p:cNvPr id="1026" name="Picture 2" descr="Résultat de recherche d'images pour &quot;index emoji&quot;"/>
-            <p:cNvPicPr>
-              <a:picLocks noChangeAspect="1" noChangeArrowheads="1"/>
-            </p:cNvPicPr>
-            <p:nvPr/>
-          </p:nvPicPr>
-          <p:blipFill>
-            <a:blip r:embed="rId4">
-              <a:extLst>
-                <a:ext uri="{28A0092B-C50C-407E-A947-70E740481C1C}">
-                  <a14:useLocalDpi xmlns:a14="http://schemas.microsoft.com/office/drawing/2010/main" val="0"/>
-                </a:ext>
-              </a:extLst>
-            </a:blip>
-            <a:srcRect/>
-            <a:stretch>
-              <a:fillRect/>
-            </a:stretch>
-          </p:blipFill>
-          <p:spPr bwMode="auto">
-            <a:xfrm>
-              <a:off x="7916912" y="1278147"/>
-              <a:ext cx="303357" cy="303357"/>
-            </a:xfrm>
-            <a:prstGeom prst="rect">
-              <a:avLst/>
-            </a:prstGeom>
-            <a:noFill/>
-            <a:extLst>
-              <a:ext uri="{909E8E84-426E-40DD-AFC4-6F175D3DCCD1}">
-                <a14:hiddenFill xmlns:a14="http://schemas.microsoft.com/office/drawing/2010/main">
-                  <a:solidFill>
-                    <a:srgbClr val="FFFFFF"/>
-                  </a:solidFill>
-                </a14:hiddenFill>
-              </a:ext>
-            </a:extLst>
-          </p:spPr>
-        </p:pic>
-        <p:sp>
-          <p:nvSpPr>
-            <p:cNvPr id="4" name="ZoneTexte 3">
-              <a:hlinkClick r:id="rId5"/>
-            </p:cNvPr>
-            <p:cNvSpPr txBox="1"/>
-            <p:nvPr/>
-          </p:nvSpPr>
-          <p:spPr>
-            <a:xfrm>
-              <a:off x="8301565" y="1278147"/>
-              <a:ext cx="2570018" cy="307777"/>
-            </a:xfrm>
-            <a:prstGeom prst="rect">
-              <a:avLst/>
-            </a:prstGeom>
-            <a:noFill/>
-          </p:spPr>
-          <p:txBody>
-            <a:bodyPr wrap="square" rtlCol="0">
-              <a:spAutoFit/>
-            </a:bodyPr>
-            <a:lstStyle/>
-            <a:p>
-              <a:r>
-                <a:rPr lang="fr-FR" dirty="0" smtClean="0"/>
-                <a:t>Lien du correctif </a:t>
-              </a:r>
-              <a:r>
-                <a:rPr lang="fr-FR" dirty="0" err="1" smtClean="0"/>
-                <a:t>Codacy</a:t>
-              </a:r>
-              <a:endParaRPr lang="fr-FR" dirty="0" smtClean="0"/>
-            </a:p>
-          </p:txBody>
-        </p:sp>
-      </p:grpSp>
-      <p:sp>
-        <p:nvSpPr>
-          <p:cNvPr id="9" name="Google Shape;106;p15"/>
-          <p:cNvSpPr txBox="1"/>
-          <p:nvPr/>
-        </p:nvSpPr>
-        <p:spPr>
-          <a:xfrm>
-            <a:off x="839931" y="236741"/>
-            <a:ext cx="7380338" cy="523200"/>
-          </a:xfrm>
-          <a:prstGeom prst="rect">
-            <a:avLst/>
-          </a:prstGeom>
-          <a:noFill/>
-          <a:ln>
-            <a:noFill/>
-          </a:ln>
-        </p:spPr>
-        <p:txBody>
-          <a:bodyPr spcFirstLastPara="1" wrap="square" lIns="91425" tIns="45700" rIns="91425" bIns="45700" anchor="t" anchorCtr="0">
-            <a:noAutofit/>
-          </a:bodyPr>
-          <a:lstStyle/>
-          <a:p>
-            <a:pPr lvl="0"/>
-            <a:r>
-              <a:rPr lang="fr-FR" sz="1400" b="1" dirty="0" smtClean="0">
-                <a:solidFill>
-                  <a:schemeClr val="dk1"/>
-                </a:solidFill>
-                <a:latin typeface="Calibri"/>
-                <a:ea typeface="Calibri"/>
-                <a:cs typeface="Calibri"/>
-                <a:sym typeface="Calibri"/>
-              </a:rPr>
-              <a:t>P6 </a:t>
-            </a:r>
-            <a:r>
-              <a:rPr lang="fr-FR" sz="1400" b="1" dirty="0">
-                <a:solidFill>
-                  <a:schemeClr val="dk1"/>
-                </a:solidFill>
-                <a:latin typeface="Calibri"/>
-                <a:ea typeface="Calibri"/>
-                <a:cs typeface="Calibri"/>
-                <a:sym typeface="Calibri"/>
-              </a:rPr>
-              <a:t>: </a:t>
-            </a:r>
-            <a:r>
-              <a:rPr lang="fr-FR" b="1" dirty="0">
-                <a:solidFill>
-                  <a:schemeClr val="dk1"/>
-                </a:solidFill>
-                <a:latin typeface="Calibri"/>
-                <a:ea typeface="Calibri"/>
-                <a:cs typeface="Calibri"/>
-                <a:sym typeface="Calibri"/>
-              </a:rPr>
-              <a:t>Développez de A à Z le site communautaire </a:t>
-            </a:r>
-            <a:r>
-              <a:rPr lang="fr-FR" b="1" dirty="0" err="1">
-                <a:solidFill>
-                  <a:schemeClr val="dk1"/>
-                </a:solidFill>
-                <a:latin typeface="Calibri"/>
-                <a:ea typeface="Calibri"/>
-                <a:cs typeface="Calibri"/>
-                <a:sym typeface="Calibri"/>
-              </a:rPr>
-              <a:t>SnowTricks</a:t>
-            </a:r>
-            <a:r>
-              <a:rPr lang="fr-FR" sz="1400" b="1" dirty="0">
-                <a:solidFill>
-                  <a:schemeClr val="dk1"/>
-                </a:solidFill>
-                <a:latin typeface="Calibri"/>
-                <a:ea typeface="Calibri"/>
-                <a:cs typeface="Calibri"/>
-                <a:sym typeface="Calibri"/>
-              </a:rPr>
-              <a:t/>
-            </a:r>
-            <a:br>
-              <a:rPr lang="fr-FR" sz="1400" b="1" dirty="0">
-                <a:solidFill>
-                  <a:schemeClr val="dk1"/>
-                </a:solidFill>
-                <a:latin typeface="Calibri"/>
-                <a:ea typeface="Calibri"/>
-                <a:cs typeface="Calibri"/>
-                <a:sym typeface="Calibri"/>
-              </a:rPr>
-            </a:br>
-            <a:r>
-              <a:rPr lang="fr-FR" sz="1400" dirty="0">
-                <a:solidFill>
-                  <a:schemeClr val="dk1"/>
-                </a:solidFill>
-                <a:latin typeface="Calibri"/>
-                <a:ea typeface="Calibri"/>
-                <a:cs typeface="Calibri"/>
-                <a:sym typeface="Calibri"/>
-              </a:rPr>
-              <a:t>Thomas Claireau – </a:t>
-            </a:r>
-            <a:r>
-              <a:rPr lang="fr-FR" sz="1400" dirty="0" smtClean="0">
-                <a:solidFill>
-                  <a:schemeClr val="dk1"/>
-                </a:solidFill>
-                <a:latin typeface="Calibri"/>
-                <a:ea typeface="Calibri"/>
-                <a:cs typeface="Calibri"/>
-                <a:sym typeface="Calibri"/>
-              </a:rPr>
-              <a:t>DA-PHP/</a:t>
-            </a:r>
-            <a:r>
-              <a:rPr lang="fr-FR" sz="1400" dirty="0" err="1" smtClean="0">
-                <a:solidFill>
-                  <a:schemeClr val="dk1"/>
-                </a:solidFill>
-                <a:latin typeface="Calibri"/>
-                <a:ea typeface="Calibri"/>
-                <a:cs typeface="Calibri"/>
-                <a:sym typeface="Calibri"/>
-              </a:rPr>
-              <a:t>Symfony</a:t>
-            </a:r>
-            <a:endParaRPr sz="1400" dirty="0">
-              <a:solidFill>
-                <a:schemeClr val="dk1"/>
-              </a:solidFill>
-              <a:latin typeface="Calibri"/>
-              <a:ea typeface="Calibri"/>
-              <a:cs typeface="Calibri"/>
-              <a:sym typeface="Calibri"/>
-            </a:endParaRPr>
-          </a:p>
-        </p:txBody>
-      </p:sp>
-    </p:spTree>
-    <p:extLst>
-      <p:ext uri="{BB962C8B-B14F-4D97-AF65-F5344CB8AC3E}">
-        <p14:creationId xmlns:p14="http://schemas.microsoft.com/office/powerpoint/2010/main" val="1023614385"/>
-      </p:ext>
-    </p:extLst>
-  </p:cSld>
-  <p:clrMapOvr>
-    <a:masterClrMapping/>
-  </p:clrMapOvr>
-</p:sld>
-</file>
-
-<file path=ppt/slides/slide2.xml><?xml version="1.0" encoding="utf-8"?>
-<p:sld xmlns:a="http://schemas.openxmlformats.org/drawingml/2006/main" xmlns:r="http://schemas.openxmlformats.org/officeDocument/2006/relationships" xmlns:p="http://schemas.openxmlformats.org/presentationml/2006/main">
-  <p:cSld>
-    <p:spTree>
-      <p:nvGrpSpPr>
-        <p:cNvPr id="1" name="Shape 103"/>
-        <p:cNvGrpSpPr/>
-        <p:nvPr/>
-      </p:nvGrpSpPr>
-      <p:grpSpPr>
-        <a:xfrm>
-          <a:off x="0" y="0"/>
-          <a:ext cx="0" cy="0"/>
-          <a:chOff x="0" y="0"/>
-          <a:chExt cx="0" cy="0"/>
-        </a:xfrm>
-      </p:grpSpPr>
-      <p:sp>
-        <p:nvSpPr>
-          <p:cNvPr id="104" name="Google Shape;104;p15"/>
-          <p:cNvSpPr txBox="1">
-            <a:spLocks noGrp="1"/>
-          </p:cNvSpPr>
-          <p:nvPr>
-            <p:ph type="title"/>
-          </p:nvPr>
-        </p:nvSpPr>
-        <p:spPr>
-          <a:xfrm>
-            <a:off x="838200" y="964277"/>
-            <a:ext cx="10515600" cy="934200"/>
-          </a:xfrm>
-          <a:prstGeom prst="rect">
-            <a:avLst/>
-          </a:prstGeom>
-          <a:noFill/>
-          <a:ln>
-            <a:noFill/>
-          </a:ln>
-        </p:spPr>
-        <p:txBody>
-          <a:bodyPr spcFirstLastPara="1" wrap="square" lIns="91425" tIns="45700" rIns="91425" bIns="45700" anchor="ctr" anchorCtr="0">
-            <a:noAutofit/>
-          </a:bodyPr>
-          <a:lstStyle/>
-          <a:p>
-            <a:pPr marL="0" lvl="0" indent="0" algn="l" rtl="0">
-              <a:lnSpc>
-                <a:spcPct val="90000"/>
-              </a:lnSpc>
-              <a:spcBef>
-                <a:spcPts val="0"/>
-              </a:spcBef>
-              <a:spcAft>
-                <a:spcPts val="0"/>
-              </a:spcAft>
-              <a:buClr>
-                <a:schemeClr val="dk1"/>
-              </a:buClr>
-              <a:buSzPts val="3959"/>
-              <a:buFont typeface="Quattrocento Sans"/>
-              <a:buNone/>
-            </a:pPr>
-            <a:r>
-              <a:rPr lang="fr-FR" sz="3959" dirty="0" smtClean="0">
-                <a:latin typeface="Quattrocento Sans"/>
-                <a:ea typeface="Quattrocento Sans"/>
-                <a:cs typeface="Quattrocento Sans"/>
-                <a:sym typeface="Quattrocento Sans"/>
-              </a:rPr>
-              <a:t>Introduction</a:t>
-            </a:r>
-            <a:br>
-              <a:rPr lang="fr-FR" sz="3959" dirty="0" smtClean="0">
-                <a:latin typeface="Quattrocento Sans"/>
-                <a:ea typeface="Quattrocento Sans"/>
-                <a:cs typeface="Quattrocento Sans"/>
-                <a:sym typeface="Quattrocento Sans"/>
-              </a:rPr>
-            </a:br>
-            <a:r>
-              <a:rPr lang="fr-FR" sz="2400" dirty="0" smtClean="0">
-                <a:solidFill>
-                  <a:schemeClr val="bg1">
-                    <a:lumMod val="65000"/>
-                  </a:schemeClr>
-                </a:solidFill>
-                <a:latin typeface="Quattrocento Sans"/>
-                <a:ea typeface="Quattrocento Sans"/>
-                <a:cs typeface="Quattrocento Sans"/>
-                <a:sym typeface="Quattrocento Sans"/>
-              </a:rPr>
-              <a:t>Contexte du projet</a:t>
-            </a:r>
-            <a:endParaRPr sz="1979" dirty="0">
-              <a:solidFill>
-                <a:schemeClr val="bg1">
-                  <a:lumMod val="65000"/>
-                </a:schemeClr>
-              </a:solidFill>
-              <a:latin typeface="Quattrocento Sans"/>
-              <a:ea typeface="Quattrocento Sans"/>
-              <a:cs typeface="Quattrocento Sans"/>
-              <a:sym typeface="Quattrocento Sans"/>
-            </a:endParaRPr>
-          </a:p>
-        </p:txBody>
-      </p:sp>
-      <p:sp>
-        <p:nvSpPr>
-          <p:cNvPr id="106" name="Google Shape;106;p15"/>
-          <p:cNvSpPr txBox="1"/>
-          <p:nvPr/>
-        </p:nvSpPr>
-        <p:spPr>
-          <a:xfrm>
-            <a:off x="839931" y="236741"/>
-            <a:ext cx="7380338" cy="523200"/>
-          </a:xfrm>
-          <a:prstGeom prst="rect">
-            <a:avLst/>
-          </a:prstGeom>
-          <a:noFill/>
-          <a:ln>
-            <a:noFill/>
-          </a:ln>
-        </p:spPr>
-        <p:txBody>
-          <a:bodyPr spcFirstLastPara="1" wrap="square" lIns="91425" tIns="45700" rIns="91425" bIns="45700" anchor="t" anchorCtr="0">
-            <a:noAutofit/>
-          </a:bodyPr>
-          <a:lstStyle/>
-          <a:p>
-            <a:pPr lvl="0"/>
-            <a:r>
-              <a:rPr lang="fr-FR" sz="1400" b="1" dirty="0" smtClean="0">
-                <a:solidFill>
-                  <a:schemeClr val="dk1"/>
-                </a:solidFill>
-                <a:latin typeface="Calibri"/>
-                <a:ea typeface="Calibri"/>
-                <a:cs typeface="Calibri"/>
-                <a:sym typeface="Calibri"/>
-              </a:rPr>
-              <a:t>P6 </a:t>
-            </a:r>
-            <a:r>
-              <a:rPr lang="fr-FR" sz="1400" b="1" dirty="0">
-                <a:solidFill>
-                  <a:schemeClr val="dk1"/>
-                </a:solidFill>
-                <a:latin typeface="Calibri"/>
-                <a:ea typeface="Calibri"/>
-                <a:cs typeface="Calibri"/>
-                <a:sym typeface="Calibri"/>
-              </a:rPr>
-              <a:t>: </a:t>
-            </a:r>
-            <a:r>
-              <a:rPr lang="fr-FR" b="1" dirty="0">
-                <a:solidFill>
-                  <a:schemeClr val="dk1"/>
-                </a:solidFill>
-                <a:latin typeface="Calibri"/>
-                <a:ea typeface="Calibri"/>
-                <a:cs typeface="Calibri"/>
-                <a:sym typeface="Calibri"/>
-              </a:rPr>
-              <a:t>Développez de A à Z le site communautaire </a:t>
-            </a:r>
-            <a:r>
-              <a:rPr lang="fr-FR" b="1" dirty="0" err="1">
-                <a:solidFill>
-                  <a:schemeClr val="dk1"/>
-                </a:solidFill>
-                <a:latin typeface="Calibri"/>
-                <a:ea typeface="Calibri"/>
-                <a:cs typeface="Calibri"/>
-                <a:sym typeface="Calibri"/>
-              </a:rPr>
-              <a:t>SnowTricks</a:t>
-            </a:r>
-            <a:r>
-              <a:rPr lang="fr-FR" sz="1400" b="1" dirty="0">
-                <a:solidFill>
-                  <a:schemeClr val="dk1"/>
-                </a:solidFill>
-                <a:latin typeface="Calibri"/>
-                <a:ea typeface="Calibri"/>
-                <a:cs typeface="Calibri"/>
-                <a:sym typeface="Calibri"/>
-              </a:rPr>
-              <a:t/>
-            </a:r>
-            <a:br>
-              <a:rPr lang="fr-FR" sz="1400" b="1" dirty="0">
-                <a:solidFill>
-                  <a:schemeClr val="dk1"/>
-                </a:solidFill>
-                <a:latin typeface="Calibri"/>
-                <a:ea typeface="Calibri"/>
-                <a:cs typeface="Calibri"/>
-                <a:sym typeface="Calibri"/>
-              </a:rPr>
-            </a:br>
-            <a:r>
-              <a:rPr lang="fr-FR" sz="1400" dirty="0">
-                <a:solidFill>
-                  <a:schemeClr val="dk1"/>
-                </a:solidFill>
-                <a:latin typeface="Calibri"/>
-                <a:ea typeface="Calibri"/>
-                <a:cs typeface="Calibri"/>
-                <a:sym typeface="Calibri"/>
-              </a:rPr>
-              <a:t>Thomas Claireau – </a:t>
-            </a:r>
-            <a:r>
-              <a:rPr lang="fr-FR" sz="1400" dirty="0" smtClean="0">
-                <a:solidFill>
-                  <a:schemeClr val="dk1"/>
-                </a:solidFill>
-                <a:latin typeface="Calibri"/>
-                <a:ea typeface="Calibri"/>
-                <a:cs typeface="Calibri"/>
-                <a:sym typeface="Calibri"/>
-              </a:rPr>
-              <a:t>DA-PHP/</a:t>
-            </a:r>
-            <a:r>
-              <a:rPr lang="fr-FR" sz="1400" dirty="0" err="1" smtClean="0">
-                <a:solidFill>
-                  <a:schemeClr val="dk1"/>
-                </a:solidFill>
-                <a:latin typeface="Calibri"/>
-                <a:ea typeface="Calibri"/>
-                <a:cs typeface="Calibri"/>
-                <a:sym typeface="Calibri"/>
-              </a:rPr>
-              <a:t>Symfony</a:t>
-            </a:r>
-            <a:endParaRPr sz="1400" dirty="0">
-              <a:solidFill>
-                <a:schemeClr val="dk1"/>
-              </a:solidFill>
-              <a:latin typeface="Calibri"/>
-              <a:ea typeface="Calibri"/>
-              <a:cs typeface="Calibri"/>
-              <a:sym typeface="Calibri"/>
-            </a:endParaRPr>
-          </a:p>
-        </p:txBody>
-      </p:sp>
-      <p:pic>
-        <p:nvPicPr>
-          <p:cNvPr id="108" name="Google Shape;108;p15"/>
-          <p:cNvPicPr preferRelativeResize="0"/>
-          <p:nvPr/>
-        </p:nvPicPr>
-        <p:blipFill rotWithShape="1">
-          <a:blip r:embed="rId3">
-            <a:alphaModFix/>
-          </a:blip>
-          <a:srcRect/>
-          <a:stretch/>
-        </p:blipFill>
-        <p:spPr>
-          <a:xfrm>
-            <a:off x="10575769" y="236741"/>
-            <a:ext cx="591628" cy="591628"/>
-          </a:xfrm>
-          <a:prstGeom prst="rect">
-            <a:avLst/>
-          </a:prstGeom>
-          <a:noFill/>
-          <a:ln>
-            <a:noFill/>
-          </a:ln>
-        </p:spPr>
-      </p:pic>
-      <p:sp>
-        <p:nvSpPr>
-          <p:cNvPr id="3" name="Espace réservé du texte 2">
-            <a:extLst>
-              <a:ext uri="{FF2B5EF4-FFF2-40B4-BE49-F238E27FC236}">
-                <a16:creationId xmlns:a16="http://schemas.microsoft.com/office/drawing/2014/main" id="{49CE6623-9ABA-47C3-964E-A9C08CABCC9C}"/>
-              </a:ext>
-            </a:extLst>
-          </p:cNvPr>
-          <p:cNvSpPr>
-            <a:spLocks noGrp="1"/>
-          </p:cNvSpPr>
-          <p:nvPr>
-            <p:ph type="body" idx="1"/>
-          </p:nvPr>
-        </p:nvSpPr>
-        <p:spPr>
-          <a:xfrm>
-            <a:off x="838200" y="2035836"/>
-            <a:ext cx="10515600" cy="4351200"/>
-          </a:xfrm>
-        </p:spPr>
-        <p:txBody>
-          <a:bodyPr/>
-          <a:lstStyle/>
-          <a:p>
-            <a:r>
-              <a:rPr lang="fr-FR" sz="2000" dirty="0" smtClean="0"/>
-              <a:t>Création </a:t>
-            </a:r>
-            <a:r>
-              <a:rPr lang="fr-FR" sz="2000" dirty="0" smtClean="0"/>
-              <a:t>d’un </a:t>
-            </a:r>
-            <a:r>
-              <a:rPr lang="fr-FR" sz="2000" dirty="0" smtClean="0"/>
-              <a:t>site collaboratif pour faire connaitre le snowboard et aider à l’apprentissage des figures.</a:t>
-            </a:r>
-            <a:endParaRPr lang="fr-FR" sz="2000" dirty="0"/>
-          </a:p>
-          <a:p>
-            <a:pPr lvl="1"/>
-            <a:r>
-              <a:rPr lang="fr-FR" sz="1800" dirty="0" smtClean="0"/>
-              <a:t>Développement front : pages utiles aux visiteurs :</a:t>
-            </a:r>
-          </a:p>
-          <a:p>
-            <a:pPr lvl="2"/>
-            <a:r>
-              <a:rPr lang="fr-FR" sz="1600" dirty="0" smtClean="0"/>
-              <a:t>Accueil</a:t>
-            </a:r>
-          </a:p>
-          <a:p>
-            <a:pPr lvl="2"/>
-            <a:r>
-              <a:rPr lang="fr-FR" sz="1600" dirty="0" smtClean="0"/>
-              <a:t>Liste des figures</a:t>
-            </a:r>
-            <a:endParaRPr lang="fr-FR" sz="1600" dirty="0" smtClean="0"/>
-          </a:p>
-          <a:p>
-            <a:pPr lvl="2"/>
-            <a:r>
-              <a:rPr lang="fr-FR" sz="1600" dirty="0" smtClean="0"/>
-              <a:t>Détail d’une figure</a:t>
-            </a:r>
-            <a:endParaRPr lang="fr-FR" sz="1600" dirty="0" smtClean="0"/>
-          </a:p>
-          <a:p>
-            <a:pPr lvl="2"/>
-            <a:r>
-              <a:rPr lang="fr-FR" sz="1600" dirty="0" smtClean="0"/>
-              <a:t>Autre pages : </a:t>
-            </a:r>
-            <a:r>
-              <a:rPr lang="fr-FR" sz="1600" dirty="0" smtClean="0"/>
-              <a:t>connexion, </a:t>
-            </a:r>
-            <a:r>
-              <a:rPr lang="fr-FR" sz="1600" dirty="0" smtClean="0"/>
-              <a:t>création de compte...</a:t>
-            </a:r>
-          </a:p>
-          <a:p>
-            <a:pPr lvl="1"/>
-            <a:r>
-              <a:rPr lang="fr-FR" sz="1800" dirty="0" smtClean="0"/>
-              <a:t>Développement back : pages administrant le </a:t>
-            </a:r>
-            <a:r>
-              <a:rPr lang="fr-FR" sz="1800" dirty="0" smtClean="0"/>
-              <a:t>site </a:t>
-            </a:r>
-            <a:r>
-              <a:rPr lang="fr-FR" sz="1800" dirty="0" smtClean="0"/>
-              <a:t>:</a:t>
-            </a:r>
-          </a:p>
-          <a:p>
-            <a:pPr lvl="2"/>
-            <a:r>
-              <a:rPr lang="fr-FR" sz="1600" dirty="0" smtClean="0"/>
-              <a:t>Figures</a:t>
-            </a:r>
-            <a:endParaRPr lang="fr-FR" sz="1600" dirty="0" smtClean="0"/>
-          </a:p>
-          <a:p>
-            <a:pPr lvl="2"/>
-            <a:r>
-              <a:rPr lang="fr-FR" sz="1600" dirty="0" smtClean="0"/>
-              <a:t>Commentaires</a:t>
-            </a:r>
-          </a:p>
-          <a:p>
-            <a:pPr lvl="2"/>
-            <a:r>
-              <a:rPr lang="fr-FR" sz="1600" dirty="0" smtClean="0"/>
-              <a:t>Catégories</a:t>
-            </a:r>
-          </a:p>
-          <a:p>
-            <a:pPr lvl="2"/>
-            <a:r>
-              <a:rPr lang="fr-FR" sz="1600" dirty="0" smtClean="0"/>
-              <a:t>Photos</a:t>
-            </a:r>
-          </a:p>
-          <a:p>
-            <a:pPr lvl="2"/>
-            <a:r>
-              <a:rPr lang="fr-FR" sz="1600" dirty="0" err="1" smtClean="0"/>
-              <a:t>Videos</a:t>
-            </a:r>
-            <a:endParaRPr lang="fr-FR" sz="1600" dirty="0" smtClean="0"/>
-          </a:p>
-          <a:p>
-            <a:pPr lvl="1"/>
-            <a:r>
-              <a:rPr lang="fr-FR" sz="1800" dirty="0" smtClean="0"/>
-              <a:t>Création </a:t>
-            </a:r>
-            <a:r>
-              <a:rPr lang="fr-FR" sz="1800" dirty="0" smtClean="0"/>
-              <a:t>d’un système sécurisé pour l’accès </a:t>
-            </a:r>
-            <a:r>
-              <a:rPr lang="fr-FR" sz="1800" dirty="0" smtClean="0"/>
-              <a:t>à l’administration</a:t>
-            </a:r>
-            <a:endParaRPr lang="fr-FR" sz="1800" dirty="0" smtClean="0"/>
-          </a:p>
-        </p:txBody>
-      </p:sp>
-    </p:spTree>
-    <p:extLst>
-      <p:ext uri="{BB962C8B-B14F-4D97-AF65-F5344CB8AC3E}">
-        <p14:creationId xmlns:p14="http://schemas.microsoft.com/office/powerpoint/2010/main" val="2198853305"/>
-      </p:ext>
-    </p:extLst>
-  </p:cSld>
-  <p:clrMapOvr>
-    <a:masterClrMapping/>
-  </p:clrMapOvr>
-</p:sld>
-</file>
-
-<file path=ppt/slides/slide3.xml><?xml version="1.0" encoding="utf-8"?>
-<p:sld xmlns:a="http://schemas.openxmlformats.org/drawingml/2006/main" xmlns:r="http://schemas.openxmlformats.org/officeDocument/2006/relationships" xmlns:p="http://schemas.openxmlformats.org/presentationml/2006/main">
-  <p:cSld>
-    <p:spTree>
-      <p:nvGrpSpPr>
-        <p:cNvPr id="1" name="Shape 103"/>
-        <p:cNvGrpSpPr/>
-        <p:nvPr/>
-      </p:nvGrpSpPr>
-      <p:grpSpPr>
-        <a:xfrm>
-          <a:off x="0" y="0"/>
-          <a:ext cx="0" cy="0"/>
-          <a:chOff x="0" y="0"/>
-          <a:chExt cx="0" cy="0"/>
-        </a:xfrm>
-      </p:grpSpPr>
-      <p:sp>
-        <p:nvSpPr>
-          <p:cNvPr id="104" name="Google Shape;104;p15"/>
-          <p:cNvSpPr txBox="1">
-            <a:spLocks noGrp="1"/>
-          </p:cNvSpPr>
-          <p:nvPr>
-            <p:ph type="title"/>
-          </p:nvPr>
-        </p:nvSpPr>
-        <p:spPr>
-          <a:xfrm>
-            <a:off x="838200" y="964277"/>
-            <a:ext cx="10515600" cy="934200"/>
-          </a:xfrm>
-          <a:prstGeom prst="rect">
-            <a:avLst/>
-          </a:prstGeom>
-          <a:noFill/>
-          <a:ln>
-            <a:noFill/>
-          </a:ln>
-        </p:spPr>
-        <p:txBody>
-          <a:bodyPr spcFirstLastPara="1" wrap="square" lIns="91425" tIns="45700" rIns="91425" bIns="45700" anchor="ctr" anchorCtr="0">
-            <a:noAutofit/>
-          </a:bodyPr>
-          <a:lstStyle/>
-          <a:p>
-            <a:pPr marL="0" lvl="0" indent="0" algn="l" rtl="0">
-              <a:lnSpc>
-                <a:spcPct val="90000"/>
-              </a:lnSpc>
-              <a:spcBef>
-                <a:spcPts val="0"/>
-              </a:spcBef>
-              <a:spcAft>
-                <a:spcPts val="0"/>
-              </a:spcAft>
-              <a:buClr>
-                <a:schemeClr val="dk1"/>
-              </a:buClr>
-              <a:buSzPts val="3959"/>
-              <a:buFont typeface="Quattrocento Sans"/>
-              <a:buNone/>
-            </a:pPr>
-            <a:r>
-              <a:rPr lang="fr-FR" sz="3959" dirty="0" smtClean="0">
-                <a:latin typeface="Quattrocento Sans"/>
-                <a:ea typeface="Quattrocento Sans"/>
-                <a:cs typeface="Quattrocento Sans"/>
-                <a:sym typeface="Quattrocento Sans"/>
-              </a:rPr>
-              <a:t>Introduction</a:t>
-            </a:r>
-            <a:br>
-              <a:rPr lang="fr-FR" sz="3959" dirty="0" smtClean="0">
-                <a:latin typeface="Quattrocento Sans"/>
-                <a:ea typeface="Quattrocento Sans"/>
-                <a:cs typeface="Quattrocento Sans"/>
-                <a:sym typeface="Quattrocento Sans"/>
-              </a:rPr>
-            </a:br>
-            <a:r>
-              <a:rPr lang="fr-FR" sz="2400" dirty="0" smtClean="0">
-                <a:solidFill>
-                  <a:schemeClr val="bg1">
-                    <a:lumMod val="65000"/>
-                  </a:schemeClr>
-                </a:solidFill>
-                <a:latin typeface="Quattrocento Sans"/>
-                <a:ea typeface="Quattrocento Sans"/>
-                <a:cs typeface="Quattrocento Sans"/>
-                <a:sym typeface="Quattrocento Sans"/>
-              </a:rPr>
-              <a:t>Analyse du besoin</a:t>
-            </a:r>
-            <a:endParaRPr sz="1979" dirty="0">
-              <a:solidFill>
-                <a:schemeClr val="bg1">
-                  <a:lumMod val="65000"/>
-                </a:schemeClr>
-              </a:solidFill>
-              <a:latin typeface="Quattrocento Sans"/>
-              <a:ea typeface="Quattrocento Sans"/>
-              <a:cs typeface="Quattrocento Sans"/>
-              <a:sym typeface="Quattrocento Sans"/>
-            </a:endParaRPr>
-          </a:p>
-        </p:txBody>
-      </p:sp>
-      <p:pic>
-        <p:nvPicPr>
-          <p:cNvPr id="108" name="Google Shape;108;p15"/>
-          <p:cNvPicPr preferRelativeResize="0"/>
-          <p:nvPr/>
-        </p:nvPicPr>
-        <p:blipFill rotWithShape="1">
-          <a:blip r:embed="rId3">
-            <a:alphaModFix/>
-          </a:blip>
-          <a:srcRect/>
-          <a:stretch/>
-        </p:blipFill>
-        <p:spPr>
-          <a:xfrm>
-            <a:off x="10575769" y="236741"/>
-            <a:ext cx="591628" cy="591628"/>
-          </a:xfrm>
-          <a:prstGeom prst="rect">
-            <a:avLst/>
-          </a:prstGeom>
-          <a:noFill/>
-          <a:ln>
-            <a:noFill/>
-          </a:ln>
-        </p:spPr>
-      </p:pic>
-      <p:sp>
-        <p:nvSpPr>
-          <p:cNvPr id="3" name="Espace réservé du texte 2">
-            <a:extLst>
-              <a:ext uri="{FF2B5EF4-FFF2-40B4-BE49-F238E27FC236}">
-                <a16:creationId xmlns:a16="http://schemas.microsoft.com/office/drawing/2014/main" id="{49CE6623-9ABA-47C3-964E-A9C08CABCC9C}"/>
-              </a:ext>
-            </a:extLst>
-          </p:cNvPr>
-          <p:cNvSpPr>
-            <a:spLocks noGrp="1"/>
-          </p:cNvSpPr>
-          <p:nvPr>
-            <p:ph type="body" idx="1"/>
-          </p:nvPr>
-        </p:nvSpPr>
-        <p:spPr>
-          <a:xfrm>
-            <a:off x="838200" y="2035836"/>
-            <a:ext cx="6802315" cy="4351200"/>
-          </a:xfrm>
-        </p:spPr>
-        <p:txBody>
-          <a:bodyPr/>
-          <a:lstStyle/>
-          <a:p>
-            <a:r>
-              <a:rPr lang="fr-FR" dirty="0" smtClean="0"/>
-              <a:t>Création des schémas UML pour la gestion de 3 fonctionnalités sur le </a:t>
-            </a:r>
-            <a:r>
-              <a:rPr lang="fr-FR" dirty="0" smtClean="0"/>
-              <a:t>site</a:t>
-            </a:r>
-            <a:r>
-              <a:rPr lang="fr-FR" dirty="0" smtClean="0"/>
-              <a:t> </a:t>
-            </a:r>
-            <a:r>
-              <a:rPr lang="fr-FR" dirty="0" smtClean="0"/>
-              <a:t>:</a:t>
-            </a:r>
-          </a:p>
-          <a:p>
-            <a:pPr lvl="1"/>
-            <a:r>
-              <a:rPr lang="fr-FR" dirty="0" smtClean="0"/>
-              <a:t>Les figures</a:t>
-            </a:r>
-            <a:endParaRPr lang="fr-FR" dirty="0" smtClean="0"/>
-          </a:p>
-          <a:p>
-            <a:pPr lvl="1"/>
-            <a:r>
-              <a:rPr lang="fr-FR" dirty="0" smtClean="0"/>
-              <a:t>Les commentaires</a:t>
-            </a:r>
-          </a:p>
-          <a:p>
-            <a:pPr lvl="1"/>
-            <a:r>
-              <a:rPr lang="fr-FR" dirty="0" smtClean="0"/>
-              <a:t>Les utilisateurs inscrits</a:t>
-            </a:r>
-          </a:p>
-          <a:p>
-            <a:r>
-              <a:rPr lang="fr-FR" dirty="0" smtClean="0"/>
-              <a:t>Présentation des schémas UML pour ajouter </a:t>
-            </a:r>
-            <a:r>
-              <a:rPr lang="fr-FR" dirty="0" smtClean="0"/>
-              <a:t>une figure</a:t>
-            </a:r>
-            <a:endParaRPr lang="fr-FR" dirty="0" smtClean="0"/>
-          </a:p>
-        </p:txBody>
-      </p:sp>
-      <p:sp>
-        <p:nvSpPr>
-          <p:cNvPr id="6" name="Google Shape;106;p15"/>
-          <p:cNvSpPr txBox="1"/>
-          <p:nvPr/>
-        </p:nvSpPr>
-        <p:spPr>
-          <a:xfrm>
-            <a:off x="839931" y="236741"/>
-            <a:ext cx="7380338" cy="523200"/>
-          </a:xfrm>
-          <a:prstGeom prst="rect">
-            <a:avLst/>
-          </a:prstGeom>
-          <a:noFill/>
-          <a:ln>
-            <a:noFill/>
-          </a:ln>
-        </p:spPr>
-        <p:txBody>
-          <a:bodyPr spcFirstLastPara="1" wrap="square" lIns="91425" tIns="45700" rIns="91425" bIns="45700" anchor="t" anchorCtr="0">
-            <a:noAutofit/>
-          </a:bodyPr>
-          <a:lstStyle/>
-          <a:p>
-            <a:pPr lvl="0"/>
-            <a:r>
-              <a:rPr lang="fr-FR" sz="1400" b="1" dirty="0" smtClean="0">
-                <a:solidFill>
-                  <a:schemeClr val="dk1"/>
-                </a:solidFill>
-                <a:latin typeface="Calibri"/>
-                <a:ea typeface="Calibri"/>
-                <a:cs typeface="Calibri"/>
-                <a:sym typeface="Calibri"/>
-              </a:rPr>
-              <a:t>P6 </a:t>
-            </a:r>
-            <a:r>
-              <a:rPr lang="fr-FR" sz="1400" b="1" dirty="0">
-                <a:solidFill>
-                  <a:schemeClr val="dk1"/>
-                </a:solidFill>
-                <a:latin typeface="Calibri"/>
-                <a:ea typeface="Calibri"/>
-                <a:cs typeface="Calibri"/>
-                <a:sym typeface="Calibri"/>
-              </a:rPr>
-              <a:t>: </a:t>
-            </a:r>
-            <a:r>
-              <a:rPr lang="fr-FR" b="1" dirty="0">
-                <a:solidFill>
-                  <a:schemeClr val="dk1"/>
-                </a:solidFill>
-                <a:latin typeface="Calibri"/>
-                <a:ea typeface="Calibri"/>
-                <a:cs typeface="Calibri"/>
-                <a:sym typeface="Calibri"/>
-              </a:rPr>
-              <a:t>Développez de A à Z le site communautaire </a:t>
-            </a:r>
-            <a:r>
-              <a:rPr lang="fr-FR" b="1" dirty="0" err="1">
-                <a:solidFill>
-                  <a:schemeClr val="dk1"/>
-                </a:solidFill>
-                <a:latin typeface="Calibri"/>
-                <a:ea typeface="Calibri"/>
-                <a:cs typeface="Calibri"/>
-                <a:sym typeface="Calibri"/>
-              </a:rPr>
-              <a:t>SnowTricks</a:t>
-            </a:r>
-            <a:r>
-              <a:rPr lang="fr-FR" sz="1400" b="1" dirty="0">
-                <a:solidFill>
-                  <a:schemeClr val="dk1"/>
-                </a:solidFill>
-                <a:latin typeface="Calibri"/>
-                <a:ea typeface="Calibri"/>
-                <a:cs typeface="Calibri"/>
-                <a:sym typeface="Calibri"/>
-              </a:rPr>
-              <a:t/>
-            </a:r>
-            <a:br>
-              <a:rPr lang="fr-FR" sz="1400" b="1" dirty="0">
-                <a:solidFill>
-                  <a:schemeClr val="dk1"/>
-                </a:solidFill>
-                <a:latin typeface="Calibri"/>
-                <a:ea typeface="Calibri"/>
-                <a:cs typeface="Calibri"/>
-                <a:sym typeface="Calibri"/>
-              </a:rPr>
-            </a:br>
-            <a:r>
-              <a:rPr lang="fr-FR" sz="1400" dirty="0">
-                <a:solidFill>
-                  <a:schemeClr val="dk1"/>
-                </a:solidFill>
-                <a:latin typeface="Calibri"/>
-                <a:ea typeface="Calibri"/>
-                <a:cs typeface="Calibri"/>
-                <a:sym typeface="Calibri"/>
-              </a:rPr>
-              <a:t>Thomas Claireau – </a:t>
-            </a:r>
-            <a:r>
-              <a:rPr lang="fr-FR" sz="1400" dirty="0" smtClean="0">
-                <a:solidFill>
-                  <a:schemeClr val="dk1"/>
-                </a:solidFill>
-                <a:latin typeface="Calibri"/>
-                <a:ea typeface="Calibri"/>
-                <a:cs typeface="Calibri"/>
-                <a:sym typeface="Calibri"/>
-              </a:rPr>
-              <a:t>DA-PHP/</a:t>
-            </a:r>
-            <a:r>
-              <a:rPr lang="fr-FR" sz="1400" dirty="0" err="1" smtClean="0">
-                <a:solidFill>
-                  <a:schemeClr val="dk1"/>
-                </a:solidFill>
-                <a:latin typeface="Calibri"/>
-                <a:ea typeface="Calibri"/>
-                <a:cs typeface="Calibri"/>
-                <a:sym typeface="Calibri"/>
-              </a:rPr>
-              <a:t>Symfony</a:t>
-            </a:r>
-            <a:endParaRPr sz="1400" dirty="0">
-              <a:solidFill>
-                <a:schemeClr val="dk1"/>
-              </a:solidFill>
-              <a:latin typeface="Calibri"/>
-              <a:ea typeface="Calibri"/>
-              <a:cs typeface="Calibri"/>
-              <a:sym typeface="Calibri"/>
-            </a:endParaRPr>
-          </a:p>
-        </p:txBody>
-      </p:sp>
-    </p:spTree>
-    <p:extLst>
-      <p:ext uri="{BB962C8B-B14F-4D97-AF65-F5344CB8AC3E}">
-        <p14:creationId xmlns:p14="http://schemas.microsoft.com/office/powerpoint/2010/main" val="2878694783"/>
-      </p:ext>
-    </p:extLst>
-  </p:cSld>
-  <p:clrMapOvr>
-    <a:masterClrMapping/>
-  </p:clrMapOvr>
-</p:sld>
-</file>
-
-<file path=ppt/slides/slide4.xml><?xml version="1.0" encoding="utf-8"?>
-<p:sld xmlns:a="http://schemas.openxmlformats.org/drawingml/2006/main" xmlns:r="http://schemas.openxmlformats.org/officeDocument/2006/relationships" xmlns:p="http://schemas.openxmlformats.org/presentationml/2006/main">
-  <p:cSld>
-    <p:spTree>
-      <p:nvGrpSpPr>
-        <p:cNvPr id="1" name="Shape 103"/>
-        <p:cNvGrpSpPr/>
-        <p:nvPr/>
-      </p:nvGrpSpPr>
-      <p:grpSpPr>
-        <a:xfrm>
-          <a:off x="0" y="0"/>
-          <a:ext cx="0" cy="0"/>
-          <a:chOff x="0" y="0"/>
-          <a:chExt cx="0" cy="0"/>
-        </a:xfrm>
-      </p:grpSpPr>
-      <p:sp>
-        <p:nvSpPr>
-          <p:cNvPr id="104" name="Google Shape;104;p15"/>
-          <p:cNvSpPr txBox="1">
-            <a:spLocks noGrp="1"/>
-          </p:cNvSpPr>
-          <p:nvPr>
-            <p:ph type="title"/>
-          </p:nvPr>
-        </p:nvSpPr>
-        <p:spPr>
-          <a:xfrm>
-            <a:off x="838200" y="964277"/>
-            <a:ext cx="10515600" cy="934200"/>
-          </a:xfrm>
-          <a:prstGeom prst="rect">
-            <a:avLst/>
-          </a:prstGeom>
-          <a:noFill/>
-          <a:ln>
-            <a:noFill/>
-          </a:ln>
-        </p:spPr>
-        <p:txBody>
-          <a:bodyPr spcFirstLastPara="1" wrap="square" lIns="91425" tIns="45700" rIns="91425" bIns="45700" anchor="ctr" anchorCtr="0">
-            <a:noAutofit/>
-          </a:bodyPr>
-          <a:lstStyle/>
-          <a:p>
-            <a:pPr marL="0" lvl="0" indent="0" algn="l" rtl="0">
-              <a:lnSpc>
-                <a:spcPct val="90000"/>
-              </a:lnSpc>
-              <a:spcBef>
-                <a:spcPts val="0"/>
-              </a:spcBef>
-              <a:spcAft>
-                <a:spcPts val="0"/>
-              </a:spcAft>
-              <a:buClr>
-                <a:schemeClr val="dk1"/>
-              </a:buClr>
-              <a:buSzPts val="3959"/>
-              <a:buFont typeface="Quattrocento Sans"/>
-              <a:buNone/>
-            </a:pPr>
-            <a:r>
-              <a:rPr lang="fr-FR" sz="3959" dirty="0" smtClean="0">
-                <a:latin typeface="Quattrocento Sans"/>
-                <a:ea typeface="Quattrocento Sans"/>
-                <a:cs typeface="Quattrocento Sans"/>
-                <a:sym typeface="Quattrocento Sans"/>
-              </a:rPr>
-              <a:t>Introduction</a:t>
-            </a:r>
-            <a:br>
-              <a:rPr lang="fr-FR" sz="3959" dirty="0" smtClean="0">
-                <a:latin typeface="Quattrocento Sans"/>
-                <a:ea typeface="Quattrocento Sans"/>
-                <a:cs typeface="Quattrocento Sans"/>
-                <a:sym typeface="Quattrocento Sans"/>
-              </a:rPr>
-            </a:br>
-            <a:r>
-              <a:rPr lang="fr-FR" sz="2400" dirty="0" smtClean="0">
-                <a:solidFill>
-                  <a:schemeClr val="bg1">
-                    <a:lumMod val="65000"/>
-                  </a:schemeClr>
-                </a:solidFill>
-                <a:latin typeface="Quattrocento Sans"/>
-                <a:ea typeface="Quattrocento Sans"/>
-                <a:cs typeface="Quattrocento Sans"/>
-                <a:sym typeface="Quattrocento Sans"/>
-              </a:rPr>
-              <a:t>Organisation du projet</a:t>
-            </a:r>
-            <a:endParaRPr sz="1979" dirty="0">
-              <a:solidFill>
-                <a:schemeClr val="bg1">
-                  <a:lumMod val="65000"/>
-                </a:schemeClr>
-              </a:solidFill>
-              <a:latin typeface="Quattrocento Sans"/>
-              <a:ea typeface="Quattrocento Sans"/>
-              <a:cs typeface="Quattrocento Sans"/>
-              <a:sym typeface="Quattrocento Sans"/>
-            </a:endParaRPr>
-          </a:p>
-        </p:txBody>
-      </p:sp>
-      <p:pic>
-        <p:nvPicPr>
-          <p:cNvPr id="108" name="Google Shape;108;p15"/>
-          <p:cNvPicPr preferRelativeResize="0"/>
-          <p:nvPr/>
-        </p:nvPicPr>
-        <p:blipFill rotWithShape="1">
-          <a:blip r:embed="rId3">
-            <a:alphaModFix/>
-          </a:blip>
-          <a:srcRect/>
-          <a:stretch/>
-        </p:blipFill>
-        <p:spPr>
-          <a:xfrm>
-            <a:off x="10575769" y="236741"/>
-            <a:ext cx="591628" cy="591628"/>
-          </a:xfrm>
-          <a:prstGeom prst="rect">
-            <a:avLst/>
-          </a:prstGeom>
-          <a:noFill/>
-          <a:ln>
-            <a:noFill/>
-          </a:ln>
-        </p:spPr>
-      </p:pic>
-      <p:sp>
-        <p:nvSpPr>
-          <p:cNvPr id="3" name="Espace réservé du texte 2">
-            <a:extLst>
-              <a:ext uri="{FF2B5EF4-FFF2-40B4-BE49-F238E27FC236}">
-                <a16:creationId xmlns:a16="http://schemas.microsoft.com/office/drawing/2014/main" id="{49CE6623-9ABA-47C3-964E-A9C08CABCC9C}"/>
-              </a:ext>
-            </a:extLst>
-          </p:cNvPr>
-          <p:cNvSpPr>
-            <a:spLocks noGrp="1"/>
-          </p:cNvSpPr>
-          <p:nvPr>
-            <p:ph type="body" idx="1"/>
-          </p:nvPr>
-        </p:nvSpPr>
-        <p:spPr>
-          <a:xfrm>
-            <a:off x="838200" y="2102813"/>
-            <a:ext cx="10515600" cy="4584772"/>
-          </a:xfrm>
-        </p:spPr>
-        <p:txBody>
-          <a:bodyPr/>
-          <a:lstStyle/>
-          <a:p>
-            <a:r>
-              <a:rPr lang="fr-FR" sz="2000" dirty="0" smtClean="0"/>
-              <a:t>Après lecture détaillée du projet : </a:t>
-            </a:r>
-          </a:p>
-          <a:p>
-            <a:pPr lvl="1"/>
-            <a:r>
-              <a:rPr lang="fr-FR" sz="1800" dirty="0" smtClean="0"/>
-              <a:t>Création d’</a:t>
-            </a:r>
-            <a:r>
-              <a:rPr lang="fr-FR" sz="1800" b="1" dirty="0" smtClean="0"/>
-              <a:t>issues</a:t>
-            </a:r>
-            <a:r>
-              <a:rPr lang="fr-FR" sz="1800" dirty="0" smtClean="0"/>
-              <a:t> </a:t>
-            </a:r>
-            <a:r>
-              <a:rPr lang="fr-FR" sz="1800" dirty="0" smtClean="0"/>
-              <a:t>sur</a:t>
-            </a:r>
-            <a:r>
-              <a:rPr lang="fr-FR" sz="1800" dirty="0" smtClean="0"/>
-              <a:t> </a:t>
-            </a:r>
-            <a:r>
-              <a:rPr lang="fr-FR" sz="1800" dirty="0" err="1" smtClean="0"/>
-              <a:t>Github</a:t>
-            </a:r>
-            <a:r>
-              <a:rPr lang="fr-FR" sz="1800" dirty="0" smtClean="0"/>
-              <a:t> (puis au fur et à mesure du développement)</a:t>
-            </a:r>
-          </a:p>
-          <a:p>
-            <a:pPr lvl="1"/>
-            <a:r>
-              <a:rPr lang="fr-FR" sz="1800" dirty="0" smtClean="0"/>
-              <a:t>Utilisation des </a:t>
-            </a:r>
-            <a:r>
-              <a:rPr lang="fr-FR" sz="1800" b="1" dirty="0" err="1" smtClean="0"/>
-              <a:t>Milestones</a:t>
-            </a:r>
-            <a:r>
-              <a:rPr lang="fr-FR" sz="1800" dirty="0" smtClean="0"/>
-              <a:t> pour estimer le temps de travail pour chaque issue.</a:t>
-            </a:r>
-          </a:p>
-          <a:p>
-            <a:r>
-              <a:rPr lang="fr-FR" sz="2000" dirty="0" smtClean="0"/>
-              <a:t>A chaque nouvelle issue :</a:t>
-            </a:r>
-          </a:p>
-          <a:p>
-            <a:pPr lvl="2"/>
-            <a:r>
-              <a:rPr lang="fr-FR" sz="1600" dirty="0" smtClean="0"/>
-              <a:t>Création d’une nouvelle branche de développement (portant le nom de l’issue)</a:t>
-            </a:r>
-          </a:p>
-          <a:p>
-            <a:pPr lvl="2"/>
-            <a:r>
-              <a:rPr lang="fr-FR" sz="1600" dirty="0" smtClean="0"/>
-              <a:t>Création d’une pull </a:t>
-            </a:r>
-            <a:r>
-              <a:rPr lang="fr-FR" sz="1600" dirty="0" err="1" smtClean="0"/>
-              <a:t>request</a:t>
-            </a:r>
-            <a:endParaRPr lang="fr-FR" sz="1600" dirty="0" smtClean="0"/>
-          </a:p>
-          <a:p>
-            <a:pPr lvl="2"/>
-            <a:r>
-              <a:rPr lang="fr-FR" sz="1600" dirty="0" smtClean="0"/>
-              <a:t>La branche reste ouverte tant que l’issue n’est pas résolue</a:t>
-            </a:r>
-          </a:p>
-          <a:p>
-            <a:pPr lvl="2"/>
-            <a:r>
-              <a:rPr lang="fr-FR" sz="1600" dirty="0" smtClean="0"/>
-              <a:t>L’issue est résolue, la pull </a:t>
-            </a:r>
-            <a:r>
-              <a:rPr lang="fr-FR" sz="1600" dirty="0" err="1" smtClean="0"/>
-              <a:t>request</a:t>
-            </a:r>
-            <a:r>
-              <a:rPr lang="fr-FR" sz="1600" dirty="0" smtClean="0"/>
-              <a:t> est acceptée et un </a:t>
-            </a:r>
-            <a:r>
-              <a:rPr lang="fr-FR" sz="1600" dirty="0" err="1" smtClean="0"/>
-              <a:t>merge</a:t>
-            </a:r>
-            <a:r>
-              <a:rPr lang="fr-FR" sz="1600" dirty="0" smtClean="0"/>
-              <a:t> vers la branche principale est réalisé</a:t>
-            </a:r>
-          </a:p>
-          <a:p>
-            <a:r>
-              <a:rPr lang="fr-FR" sz="2400" dirty="0" smtClean="0"/>
-              <a:t>A la fin du projet : </a:t>
-            </a:r>
-          </a:p>
-          <a:p>
-            <a:pPr lvl="1"/>
-            <a:r>
-              <a:rPr lang="fr-FR" sz="2000" dirty="0" smtClean="0"/>
-              <a:t>Une release est générée : </a:t>
-            </a:r>
-            <a:r>
-              <a:rPr lang="fr-FR" sz="2000" dirty="0" smtClean="0"/>
-              <a:t>v1.1.1 actuellement</a:t>
-            </a:r>
-            <a:endParaRPr lang="fr-FR" sz="2000" dirty="0" smtClean="0"/>
-          </a:p>
-          <a:p>
-            <a:pPr lvl="1"/>
-            <a:r>
-              <a:rPr lang="fr-FR" sz="2000" dirty="0" smtClean="0"/>
-              <a:t>Synchronisation avec Composer et </a:t>
-            </a:r>
-            <a:r>
-              <a:rPr lang="fr-FR" sz="2000" dirty="0" err="1" smtClean="0"/>
-              <a:t>Packagist</a:t>
-            </a:r>
-            <a:endParaRPr lang="fr-FR" sz="2000" dirty="0" smtClean="0"/>
-          </a:p>
-        </p:txBody>
-      </p:sp>
-      <p:sp>
-        <p:nvSpPr>
-          <p:cNvPr id="6" name="Google Shape;106;p15"/>
-          <p:cNvSpPr txBox="1"/>
-          <p:nvPr/>
-        </p:nvSpPr>
-        <p:spPr>
-          <a:xfrm>
-            <a:off x="839931" y="236741"/>
-            <a:ext cx="7380338" cy="523200"/>
-          </a:xfrm>
-          <a:prstGeom prst="rect">
-            <a:avLst/>
-          </a:prstGeom>
-          <a:noFill/>
-          <a:ln>
-            <a:noFill/>
-          </a:ln>
-        </p:spPr>
-        <p:txBody>
-          <a:bodyPr spcFirstLastPara="1" wrap="square" lIns="91425" tIns="45700" rIns="91425" bIns="45700" anchor="t" anchorCtr="0">
-            <a:noAutofit/>
-          </a:bodyPr>
-          <a:lstStyle/>
-          <a:p>
-            <a:pPr lvl="0"/>
-            <a:r>
-              <a:rPr lang="fr-FR" sz="1400" b="1" dirty="0" smtClean="0">
-                <a:solidFill>
-                  <a:schemeClr val="dk1"/>
-                </a:solidFill>
-                <a:latin typeface="Calibri"/>
-                <a:ea typeface="Calibri"/>
-                <a:cs typeface="Calibri"/>
-                <a:sym typeface="Calibri"/>
-              </a:rPr>
-              <a:t>P6 </a:t>
-            </a:r>
-            <a:r>
-              <a:rPr lang="fr-FR" sz="1400" b="1" dirty="0">
-                <a:solidFill>
-                  <a:schemeClr val="dk1"/>
-                </a:solidFill>
-                <a:latin typeface="Calibri"/>
-                <a:ea typeface="Calibri"/>
-                <a:cs typeface="Calibri"/>
-                <a:sym typeface="Calibri"/>
-              </a:rPr>
-              <a:t>: </a:t>
-            </a:r>
-            <a:r>
-              <a:rPr lang="fr-FR" b="1" dirty="0">
-                <a:solidFill>
-                  <a:schemeClr val="dk1"/>
-                </a:solidFill>
-                <a:latin typeface="Calibri"/>
-                <a:ea typeface="Calibri"/>
-                <a:cs typeface="Calibri"/>
-                <a:sym typeface="Calibri"/>
-              </a:rPr>
-              <a:t>Développez de A à Z le site communautaire </a:t>
-            </a:r>
-            <a:r>
-              <a:rPr lang="fr-FR" b="1" dirty="0" err="1">
-                <a:solidFill>
-                  <a:schemeClr val="dk1"/>
-                </a:solidFill>
-                <a:latin typeface="Calibri"/>
-                <a:ea typeface="Calibri"/>
-                <a:cs typeface="Calibri"/>
-                <a:sym typeface="Calibri"/>
-              </a:rPr>
-              <a:t>SnowTricks</a:t>
-            </a:r>
-            <a:r>
-              <a:rPr lang="fr-FR" sz="1400" b="1" dirty="0">
-                <a:solidFill>
-                  <a:schemeClr val="dk1"/>
-                </a:solidFill>
-                <a:latin typeface="Calibri"/>
-                <a:ea typeface="Calibri"/>
-                <a:cs typeface="Calibri"/>
-                <a:sym typeface="Calibri"/>
-              </a:rPr>
-              <a:t/>
-            </a:r>
-            <a:br>
-              <a:rPr lang="fr-FR" sz="1400" b="1" dirty="0">
-                <a:solidFill>
-                  <a:schemeClr val="dk1"/>
-                </a:solidFill>
-                <a:latin typeface="Calibri"/>
-                <a:ea typeface="Calibri"/>
-                <a:cs typeface="Calibri"/>
-                <a:sym typeface="Calibri"/>
-              </a:rPr>
-            </a:br>
-            <a:r>
-              <a:rPr lang="fr-FR" sz="1400" dirty="0">
-                <a:solidFill>
-                  <a:schemeClr val="dk1"/>
-                </a:solidFill>
-                <a:latin typeface="Calibri"/>
-                <a:ea typeface="Calibri"/>
-                <a:cs typeface="Calibri"/>
-                <a:sym typeface="Calibri"/>
-              </a:rPr>
-              <a:t>Thomas Claireau – </a:t>
-            </a:r>
-            <a:r>
-              <a:rPr lang="fr-FR" sz="1400" dirty="0" smtClean="0">
-                <a:solidFill>
-                  <a:schemeClr val="dk1"/>
-                </a:solidFill>
-                <a:latin typeface="Calibri"/>
-                <a:ea typeface="Calibri"/>
-                <a:cs typeface="Calibri"/>
-                <a:sym typeface="Calibri"/>
-              </a:rPr>
-              <a:t>DA-PHP/</a:t>
-            </a:r>
-            <a:r>
-              <a:rPr lang="fr-FR" sz="1400" dirty="0" err="1" smtClean="0">
-                <a:solidFill>
-                  <a:schemeClr val="dk1"/>
-                </a:solidFill>
-                <a:latin typeface="Calibri"/>
-                <a:ea typeface="Calibri"/>
-                <a:cs typeface="Calibri"/>
-                <a:sym typeface="Calibri"/>
-              </a:rPr>
-              <a:t>Symfony</a:t>
-            </a:r>
-            <a:endParaRPr sz="1400" dirty="0">
-              <a:solidFill>
-                <a:schemeClr val="dk1"/>
-              </a:solidFill>
-              <a:latin typeface="Calibri"/>
-              <a:ea typeface="Calibri"/>
-              <a:cs typeface="Calibri"/>
-              <a:sym typeface="Calibri"/>
-            </a:endParaRPr>
-          </a:p>
-        </p:txBody>
-      </p:sp>
-    </p:spTree>
-    <p:extLst>
-      <p:ext uri="{BB962C8B-B14F-4D97-AF65-F5344CB8AC3E}">
-        <p14:creationId xmlns:p14="http://schemas.microsoft.com/office/powerpoint/2010/main" val="2226153002"/>
-      </p:ext>
-    </p:extLst>
-  </p:cSld>
-  <p:clrMapOvr>
-    <a:masterClrMapping/>
-  </p:clrMapOvr>
-</p:sld>
-</file>
-
-<file path=ppt/slides/slide5.xml><?xml version="1.0" encoding="utf-8"?>
-<p:sld xmlns:a="http://schemas.openxmlformats.org/drawingml/2006/main" xmlns:r="http://schemas.openxmlformats.org/officeDocument/2006/relationships" xmlns:p="http://schemas.openxmlformats.org/presentationml/2006/main">
-  <p:cSld>
-    <p:spTree>
-      <p:nvGrpSpPr>
-        <p:cNvPr id="1" name="Shape 103"/>
-        <p:cNvGrpSpPr/>
-        <p:nvPr/>
-      </p:nvGrpSpPr>
-      <p:grpSpPr>
-        <a:xfrm>
-          <a:off x="0" y="0"/>
-          <a:ext cx="0" cy="0"/>
-          <a:chOff x="0" y="0"/>
-          <a:chExt cx="0" cy="0"/>
-        </a:xfrm>
-      </p:grpSpPr>
-      <p:sp>
-        <p:nvSpPr>
-          <p:cNvPr id="104" name="Google Shape;104;p15"/>
-          <p:cNvSpPr txBox="1">
-            <a:spLocks noGrp="1"/>
-          </p:cNvSpPr>
-          <p:nvPr>
-            <p:ph type="title"/>
-          </p:nvPr>
-        </p:nvSpPr>
-        <p:spPr>
-          <a:xfrm>
-            <a:off x="838200" y="964277"/>
-            <a:ext cx="10515600" cy="934200"/>
-          </a:xfrm>
-          <a:prstGeom prst="rect">
-            <a:avLst/>
-          </a:prstGeom>
-          <a:noFill/>
-          <a:ln>
-            <a:noFill/>
-          </a:ln>
-        </p:spPr>
-        <p:txBody>
-          <a:bodyPr spcFirstLastPara="1" wrap="square" lIns="91425" tIns="45700" rIns="91425" bIns="45700" anchor="ctr" anchorCtr="0">
-            <a:noAutofit/>
-          </a:bodyPr>
-          <a:lstStyle/>
-          <a:p>
-            <a:pPr marL="0" lvl="0" indent="0" algn="l" rtl="0">
-              <a:lnSpc>
-                <a:spcPct val="90000"/>
-              </a:lnSpc>
-              <a:spcBef>
-                <a:spcPts val="0"/>
-              </a:spcBef>
-              <a:spcAft>
-                <a:spcPts val="0"/>
-              </a:spcAft>
-              <a:buClr>
-                <a:schemeClr val="dk1"/>
-              </a:buClr>
-              <a:buSzPts val="3959"/>
-              <a:buFont typeface="Quattrocento Sans"/>
-              <a:buNone/>
-            </a:pPr>
-            <a:r>
-              <a:rPr lang="fr-FR" sz="3959" dirty="0" smtClean="0">
-                <a:latin typeface="Quattrocento Sans"/>
-                <a:ea typeface="Quattrocento Sans"/>
-                <a:cs typeface="Quattrocento Sans"/>
-                <a:sym typeface="Quattrocento Sans"/>
-              </a:rPr>
-              <a:t>Présentation de l’application</a:t>
-            </a:r>
-            <a:br>
-              <a:rPr lang="fr-FR" sz="3959" dirty="0" smtClean="0">
-                <a:latin typeface="Quattrocento Sans"/>
-                <a:ea typeface="Quattrocento Sans"/>
-                <a:cs typeface="Quattrocento Sans"/>
-                <a:sym typeface="Quattrocento Sans"/>
-              </a:rPr>
-            </a:br>
-            <a:r>
-              <a:rPr lang="fr-FR" sz="2400" dirty="0" smtClean="0">
-                <a:solidFill>
-                  <a:schemeClr val="bg1">
-                    <a:lumMod val="65000"/>
-                  </a:schemeClr>
-                </a:solidFill>
-                <a:latin typeface="Quattrocento Sans"/>
-                <a:ea typeface="Quattrocento Sans"/>
-                <a:cs typeface="Quattrocento Sans"/>
-                <a:sym typeface="Quattrocento Sans"/>
-              </a:rPr>
-              <a:t>Page d’accueil</a:t>
-            </a:r>
-            <a:endParaRPr sz="1979" dirty="0">
-              <a:solidFill>
-                <a:schemeClr val="bg1">
-                  <a:lumMod val="65000"/>
-                </a:schemeClr>
-              </a:solidFill>
-              <a:latin typeface="Quattrocento Sans"/>
-              <a:ea typeface="Quattrocento Sans"/>
-              <a:cs typeface="Quattrocento Sans"/>
-              <a:sym typeface="Quattrocento Sans"/>
-            </a:endParaRPr>
-          </a:p>
-        </p:txBody>
-      </p:sp>
-      <p:pic>
-        <p:nvPicPr>
-          <p:cNvPr id="108" name="Google Shape;108;p15"/>
-          <p:cNvPicPr preferRelativeResize="0"/>
-          <p:nvPr/>
-        </p:nvPicPr>
-        <p:blipFill rotWithShape="1">
-          <a:blip r:embed="rId3">
-            <a:alphaModFix/>
-          </a:blip>
-          <a:srcRect/>
-          <a:stretch/>
-        </p:blipFill>
-        <p:spPr>
-          <a:xfrm>
-            <a:off x="10575769" y="236741"/>
-            <a:ext cx="591628" cy="591628"/>
-          </a:xfrm>
-          <a:prstGeom prst="rect">
-            <a:avLst/>
-          </a:prstGeom>
-          <a:noFill/>
-          <a:ln>
-            <a:noFill/>
-          </a:ln>
-        </p:spPr>
-      </p:pic>
-      <p:sp>
-        <p:nvSpPr>
-          <p:cNvPr id="3" name="Espace réservé du texte 2">
-            <a:extLst>
-              <a:ext uri="{FF2B5EF4-FFF2-40B4-BE49-F238E27FC236}">
-                <a16:creationId xmlns:a16="http://schemas.microsoft.com/office/drawing/2014/main" id="{49CE6623-9ABA-47C3-964E-A9C08CABCC9C}"/>
-              </a:ext>
-            </a:extLst>
-          </p:cNvPr>
-          <p:cNvSpPr>
-            <a:spLocks noGrp="1"/>
-          </p:cNvSpPr>
-          <p:nvPr>
-            <p:ph type="body" idx="1"/>
-          </p:nvPr>
-        </p:nvSpPr>
-        <p:spPr>
-          <a:xfrm>
-            <a:off x="838200" y="2034385"/>
-            <a:ext cx="10515600" cy="4584772"/>
-          </a:xfrm>
-        </p:spPr>
-        <p:txBody>
-          <a:bodyPr/>
-          <a:lstStyle/>
-          <a:p>
-            <a:r>
-              <a:rPr lang="fr-FR" sz="1800" dirty="0" smtClean="0"/>
-              <a:t>Header :</a:t>
-            </a:r>
-          </a:p>
-          <a:p>
-            <a:pPr lvl="1"/>
-            <a:r>
-              <a:rPr lang="fr-FR" sz="1400" dirty="0" smtClean="0"/>
-              <a:t>Lien vers l’accueil</a:t>
-            </a:r>
-          </a:p>
-          <a:p>
-            <a:pPr lvl="1"/>
-            <a:r>
-              <a:rPr lang="fr-FR" sz="1400" dirty="0" smtClean="0"/>
-              <a:t>Lien vers la liste des figures</a:t>
-            </a:r>
-          </a:p>
-          <a:p>
-            <a:pPr lvl="1"/>
-            <a:r>
-              <a:rPr lang="fr-FR" sz="1400" dirty="0" smtClean="0"/>
-              <a:t>Lien de connexion</a:t>
-            </a:r>
-          </a:p>
-          <a:p>
-            <a:pPr lvl="1"/>
-            <a:r>
-              <a:rPr lang="fr-FR" sz="1400" dirty="0" smtClean="0"/>
-              <a:t>Lien d’inscription</a:t>
-            </a:r>
-            <a:endParaRPr lang="fr-FR" sz="1400" dirty="0" smtClean="0"/>
-          </a:p>
-          <a:p>
-            <a:r>
-              <a:rPr lang="fr-FR" sz="1800" dirty="0" smtClean="0"/>
-              <a:t>Présentation </a:t>
-            </a:r>
-            <a:r>
-              <a:rPr lang="fr-FR" sz="1800" dirty="0" smtClean="0"/>
-              <a:t>du site</a:t>
-            </a:r>
-            <a:endParaRPr lang="fr-FR" sz="1800" dirty="0" smtClean="0"/>
-          </a:p>
-          <a:p>
-            <a:pPr lvl="1"/>
-            <a:r>
-              <a:rPr lang="fr-FR" sz="1400" dirty="0" smtClean="0"/>
-              <a:t>Titre accrocheur</a:t>
-            </a:r>
-          </a:p>
-          <a:p>
-            <a:pPr lvl="1"/>
-            <a:r>
-              <a:rPr lang="fr-FR" sz="1400" dirty="0" smtClean="0"/>
-              <a:t>Photo en pleine largeur</a:t>
-            </a:r>
-          </a:p>
-          <a:p>
-            <a:pPr lvl="1"/>
-            <a:r>
-              <a:rPr lang="fr-FR" sz="1400" dirty="0" smtClean="0"/>
-              <a:t>Flèche « scroll down » pour se rendre sur la liste des figures</a:t>
-            </a:r>
-            <a:endParaRPr lang="fr-FR" sz="1400" dirty="0" smtClean="0"/>
-          </a:p>
-          <a:p>
-            <a:r>
-              <a:rPr lang="fr-FR" sz="1800" dirty="0" smtClean="0"/>
-              <a:t>Les dernières figures</a:t>
-            </a:r>
-          </a:p>
-          <a:p>
-            <a:pPr lvl="1"/>
-            <a:r>
-              <a:rPr lang="fr-FR" sz="1400" dirty="0" smtClean="0"/>
-              <a:t>Liste des 15 dernières figures : nom, lien de détail, photo principale</a:t>
-            </a:r>
-          </a:p>
-          <a:p>
-            <a:pPr lvl="1"/>
-            <a:r>
-              <a:rPr lang="fr-FR" sz="1400" dirty="0" smtClean="0"/>
-              <a:t>Bouton de chargement </a:t>
-            </a:r>
-            <a:r>
-              <a:rPr lang="fr-FR" sz="1400" dirty="0" err="1" smtClean="0"/>
-              <a:t>ajax</a:t>
-            </a:r>
-            <a:r>
-              <a:rPr lang="fr-FR" sz="1400" dirty="0" smtClean="0"/>
-              <a:t> pour voir plus de figures</a:t>
-            </a:r>
-          </a:p>
-          <a:p>
-            <a:pPr lvl="1"/>
-            <a:r>
-              <a:rPr lang="fr-FR" sz="1400" dirty="0" smtClean="0"/>
-              <a:t>Au chargement </a:t>
-            </a:r>
-            <a:r>
-              <a:rPr lang="fr-FR" sz="1400" dirty="0" err="1" smtClean="0"/>
-              <a:t>ajax</a:t>
-            </a:r>
-            <a:r>
-              <a:rPr lang="fr-FR" sz="1400" dirty="0" smtClean="0"/>
-              <a:t> : bouton « scroll top » pour revenir au début de la liste des figures</a:t>
-            </a:r>
-            <a:endParaRPr lang="fr-FR" sz="1400" dirty="0" smtClean="0"/>
-          </a:p>
-          <a:p>
-            <a:r>
-              <a:rPr lang="fr-FR" sz="1800" dirty="0" err="1" smtClean="0"/>
-              <a:t>Footer</a:t>
-            </a:r>
-            <a:endParaRPr lang="fr-FR" sz="1800" dirty="0" smtClean="0"/>
-          </a:p>
-          <a:p>
-            <a:pPr lvl="1"/>
-            <a:r>
-              <a:rPr lang="fr-FR" sz="1400" dirty="0" smtClean="0"/>
-              <a:t>Copyright + date auto-générée</a:t>
-            </a:r>
-            <a:endParaRPr lang="fr-FR" sz="1400" dirty="0" smtClean="0"/>
-          </a:p>
-        </p:txBody>
-      </p:sp>
-      <p:sp>
-        <p:nvSpPr>
-          <p:cNvPr id="6" name="Google Shape;106;p15"/>
-          <p:cNvSpPr txBox="1"/>
-          <p:nvPr/>
-        </p:nvSpPr>
-        <p:spPr>
-          <a:xfrm>
-            <a:off x="839931" y="236741"/>
-            <a:ext cx="7380338" cy="523200"/>
-          </a:xfrm>
-          <a:prstGeom prst="rect">
-            <a:avLst/>
-          </a:prstGeom>
-          <a:noFill/>
-          <a:ln>
-            <a:noFill/>
-          </a:ln>
-        </p:spPr>
-        <p:txBody>
-          <a:bodyPr spcFirstLastPara="1" wrap="square" lIns="91425" tIns="45700" rIns="91425" bIns="45700" anchor="t" anchorCtr="0">
-            <a:noAutofit/>
-          </a:bodyPr>
-          <a:lstStyle/>
-          <a:p>
-            <a:pPr lvl="0"/>
-            <a:r>
-              <a:rPr lang="fr-FR" sz="1400" b="1" dirty="0" smtClean="0">
-                <a:solidFill>
-                  <a:schemeClr val="dk1"/>
-                </a:solidFill>
-                <a:latin typeface="Calibri"/>
-                <a:ea typeface="Calibri"/>
-                <a:cs typeface="Calibri"/>
-                <a:sym typeface="Calibri"/>
-              </a:rPr>
-              <a:t>P6 </a:t>
-            </a:r>
-            <a:r>
-              <a:rPr lang="fr-FR" sz="1400" b="1" dirty="0">
-                <a:solidFill>
-                  <a:schemeClr val="dk1"/>
-                </a:solidFill>
-                <a:latin typeface="Calibri"/>
-                <a:ea typeface="Calibri"/>
-                <a:cs typeface="Calibri"/>
-                <a:sym typeface="Calibri"/>
-              </a:rPr>
-              <a:t>: </a:t>
-            </a:r>
-            <a:r>
-              <a:rPr lang="fr-FR" b="1" dirty="0">
-                <a:solidFill>
-                  <a:schemeClr val="dk1"/>
-                </a:solidFill>
-                <a:latin typeface="Calibri"/>
-                <a:ea typeface="Calibri"/>
-                <a:cs typeface="Calibri"/>
-                <a:sym typeface="Calibri"/>
-              </a:rPr>
-              <a:t>Développez de A à Z le site communautaire </a:t>
-            </a:r>
-            <a:r>
-              <a:rPr lang="fr-FR" b="1" dirty="0" err="1">
-                <a:solidFill>
-                  <a:schemeClr val="dk1"/>
-                </a:solidFill>
-                <a:latin typeface="Calibri"/>
-                <a:ea typeface="Calibri"/>
-                <a:cs typeface="Calibri"/>
-                <a:sym typeface="Calibri"/>
-              </a:rPr>
-              <a:t>SnowTricks</a:t>
-            </a:r>
-            <a:r>
-              <a:rPr lang="fr-FR" sz="1400" b="1" dirty="0">
-                <a:solidFill>
-                  <a:schemeClr val="dk1"/>
-                </a:solidFill>
-                <a:latin typeface="Calibri"/>
-                <a:ea typeface="Calibri"/>
-                <a:cs typeface="Calibri"/>
-                <a:sym typeface="Calibri"/>
-              </a:rPr>
-              <a:t/>
-            </a:r>
-            <a:br>
-              <a:rPr lang="fr-FR" sz="1400" b="1" dirty="0">
-                <a:solidFill>
-                  <a:schemeClr val="dk1"/>
-                </a:solidFill>
-                <a:latin typeface="Calibri"/>
-                <a:ea typeface="Calibri"/>
-                <a:cs typeface="Calibri"/>
-                <a:sym typeface="Calibri"/>
-              </a:rPr>
-            </a:br>
-            <a:r>
-              <a:rPr lang="fr-FR" sz="1400" dirty="0">
-                <a:solidFill>
-                  <a:schemeClr val="dk1"/>
-                </a:solidFill>
-                <a:latin typeface="Calibri"/>
-                <a:ea typeface="Calibri"/>
-                <a:cs typeface="Calibri"/>
-                <a:sym typeface="Calibri"/>
-              </a:rPr>
-              <a:t>Thomas Claireau – </a:t>
-            </a:r>
-            <a:r>
-              <a:rPr lang="fr-FR" sz="1400" dirty="0" smtClean="0">
-                <a:solidFill>
-                  <a:schemeClr val="dk1"/>
-                </a:solidFill>
-                <a:latin typeface="Calibri"/>
-                <a:ea typeface="Calibri"/>
-                <a:cs typeface="Calibri"/>
-                <a:sym typeface="Calibri"/>
-              </a:rPr>
-              <a:t>DA-PHP/</a:t>
-            </a:r>
-            <a:r>
-              <a:rPr lang="fr-FR" sz="1400" dirty="0" err="1" smtClean="0">
-                <a:solidFill>
-                  <a:schemeClr val="dk1"/>
-                </a:solidFill>
-                <a:latin typeface="Calibri"/>
-                <a:ea typeface="Calibri"/>
-                <a:cs typeface="Calibri"/>
-                <a:sym typeface="Calibri"/>
-              </a:rPr>
-              <a:t>Symfony</a:t>
-            </a:r>
-            <a:endParaRPr sz="1400" dirty="0">
-              <a:solidFill>
-                <a:schemeClr val="dk1"/>
-              </a:solidFill>
-              <a:latin typeface="Calibri"/>
-              <a:ea typeface="Calibri"/>
-              <a:cs typeface="Calibri"/>
-              <a:sym typeface="Calibri"/>
-            </a:endParaRPr>
-          </a:p>
-        </p:txBody>
-      </p:sp>
-    </p:spTree>
-    <p:extLst>
-      <p:ext uri="{BB962C8B-B14F-4D97-AF65-F5344CB8AC3E}">
-        <p14:creationId xmlns:p14="http://schemas.microsoft.com/office/powerpoint/2010/main" val="1181965195"/>
-      </p:ext>
-    </p:extLst>
-  </p:cSld>
-  <p:clrMapOvr>
-    <a:masterClrMapping/>
-  </p:clrMapOvr>
-</p:sld>
-</file>
-
-<file path=ppt/slides/slide6.xml><?xml version="1.0" encoding="utf-8"?>
-<p:sld xmlns:a="http://schemas.openxmlformats.org/drawingml/2006/main" xmlns:r="http://schemas.openxmlformats.org/officeDocument/2006/relationships" xmlns:p="http://schemas.openxmlformats.org/presentationml/2006/main">
-  <p:cSld>
-    <p:spTree>
-      <p:nvGrpSpPr>
-        <p:cNvPr id="1" name="Shape 103"/>
-        <p:cNvGrpSpPr/>
-        <p:nvPr/>
-      </p:nvGrpSpPr>
-      <p:grpSpPr>
-        <a:xfrm>
-          <a:off x="0" y="0"/>
-          <a:ext cx="0" cy="0"/>
-          <a:chOff x="0" y="0"/>
-          <a:chExt cx="0" cy="0"/>
-        </a:xfrm>
-      </p:grpSpPr>
-      <p:sp>
-        <p:nvSpPr>
-          <p:cNvPr id="104" name="Google Shape;104;p15"/>
-          <p:cNvSpPr txBox="1">
-            <a:spLocks noGrp="1"/>
-          </p:cNvSpPr>
-          <p:nvPr>
-            <p:ph type="title"/>
-          </p:nvPr>
-        </p:nvSpPr>
-        <p:spPr>
-          <a:xfrm>
-            <a:off x="838200" y="964277"/>
-            <a:ext cx="10515600" cy="934200"/>
-          </a:xfrm>
-          <a:prstGeom prst="rect">
-            <a:avLst/>
-          </a:prstGeom>
-          <a:noFill/>
-          <a:ln>
-            <a:noFill/>
-          </a:ln>
-        </p:spPr>
-        <p:txBody>
-          <a:bodyPr spcFirstLastPara="1" wrap="square" lIns="91425" tIns="45700" rIns="91425" bIns="45700" anchor="ctr" anchorCtr="0">
-            <a:noAutofit/>
-          </a:bodyPr>
-          <a:lstStyle/>
-          <a:p>
-            <a:pPr lvl="0">
-              <a:buSzPts val="3959"/>
-            </a:pPr>
-            <a:r>
-              <a:rPr lang="fr-FR" sz="3959" dirty="0">
-                <a:latin typeface="Quattrocento Sans"/>
-                <a:ea typeface="Quattrocento Sans"/>
-                <a:cs typeface="Quattrocento Sans"/>
-                <a:sym typeface="Quattrocento Sans"/>
-              </a:rPr>
-              <a:t>Présentation de l’application</a:t>
-            </a:r>
-            <a:r>
-              <a:rPr lang="fr-FR" sz="3959" dirty="0" smtClean="0">
-                <a:latin typeface="Quattrocento Sans"/>
-                <a:ea typeface="Quattrocento Sans"/>
-                <a:cs typeface="Quattrocento Sans"/>
-                <a:sym typeface="Quattrocento Sans"/>
-              </a:rPr>
-              <a:t/>
-            </a:r>
-            <a:br>
-              <a:rPr lang="fr-FR" sz="3959" dirty="0" smtClean="0">
-                <a:latin typeface="Quattrocento Sans"/>
-                <a:ea typeface="Quattrocento Sans"/>
-                <a:cs typeface="Quattrocento Sans"/>
-                <a:sym typeface="Quattrocento Sans"/>
-              </a:rPr>
-            </a:br>
-            <a:r>
-              <a:rPr lang="fr-FR" sz="2400" dirty="0" smtClean="0">
-                <a:solidFill>
-                  <a:schemeClr val="bg1">
-                    <a:lumMod val="65000"/>
-                  </a:schemeClr>
-                </a:solidFill>
-                <a:latin typeface="Quattrocento Sans"/>
-                <a:ea typeface="Quattrocento Sans"/>
-                <a:cs typeface="Quattrocento Sans"/>
-                <a:sym typeface="Quattrocento Sans"/>
-              </a:rPr>
-              <a:t>Page de détail d’une figure</a:t>
-            </a:r>
-            <a:endParaRPr sz="1979" dirty="0">
-              <a:solidFill>
-                <a:schemeClr val="bg1">
-                  <a:lumMod val="65000"/>
-                </a:schemeClr>
-              </a:solidFill>
-              <a:latin typeface="Quattrocento Sans"/>
-              <a:ea typeface="Quattrocento Sans"/>
-              <a:cs typeface="Quattrocento Sans"/>
-              <a:sym typeface="Quattrocento Sans"/>
-            </a:endParaRPr>
-          </a:p>
-        </p:txBody>
-      </p:sp>
-      <p:pic>
-        <p:nvPicPr>
-          <p:cNvPr id="108" name="Google Shape;108;p15"/>
-          <p:cNvPicPr preferRelativeResize="0"/>
-          <p:nvPr/>
-        </p:nvPicPr>
-        <p:blipFill rotWithShape="1">
-          <a:blip r:embed="rId3">
-            <a:alphaModFix/>
-          </a:blip>
-          <a:srcRect/>
-          <a:stretch/>
-        </p:blipFill>
-        <p:spPr>
-          <a:xfrm>
-            <a:off x="10575769" y="236741"/>
-            <a:ext cx="591628" cy="591628"/>
-          </a:xfrm>
-          <a:prstGeom prst="rect">
-            <a:avLst/>
-          </a:prstGeom>
-          <a:noFill/>
-          <a:ln>
-            <a:noFill/>
-          </a:ln>
-        </p:spPr>
-      </p:pic>
-      <p:sp>
-        <p:nvSpPr>
-          <p:cNvPr id="3" name="Espace réservé du texte 2">
-            <a:extLst>
-              <a:ext uri="{FF2B5EF4-FFF2-40B4-BE49-F238E27FC236}">
-                <a16:creationId xmlns:a16="http://schemas.microsoft.com/office/drawing/2014/main" id="{49CE6623-9ABA-47C3-964E-A9C08CABCC9C}"/>
-              </a:ext>
-            </a:extLst>
-          </p:cNvPr>
-          <p:cNvSpPr>
-            <a:spLocks noGrp="1"/>
-          </p:cNvSpPr>
-          <p:nvPr>
-            <p:ph type="body" idx="1"/>
-          </p:nvPr>
-        </p:nvSpPr>
-        <p:spPr>
-          <a:xfrm>
-            <a:off x="838200" y="2102813"/>
-            <a:ext cx="10515600" cy="4584772"/>
-          </a:xfrm>
-        </p:spPr>
-        <p:txBody>
-          <a:bodyPr/>
-          <a:lstStyle/>
-          <a:p>
-            <a:r>
-              <a:rPr lang="fr-FR" dirty="0" smtClean="0"/>
-              <a:t>Une figure peut être composée :</a:t>
-            </a:r>
-            <a:endParaRPr lang="fr-FR" dirty="0" smtClean="0"/>
-          </a:p>
-          <a:p>
-            <a:pPr lvl="1"/>
-            <a:r>
-              <a:rPr lang="fr-FR" sz="2000" dirty="0" smtClean="0"/>
-              <a:t>D’un </a:t>
-            </a:r>
-            <a:r>
-              <a:rPr lang="fr-FR" sz="2000" dirty="0" smtClean="0"/>
-              <a:t>nom</a:t>
-            </a:r>
-            <a:endParaRPr lang="fr-FR" sz="2000" dirty="0" smtClean="0"/>
-          </a:p>
-          <a:p>
-            <a:pPr lvl="1"/>
-            <a:r>
-              <a:rPr lang="fr-FR" sz="2000" dirty="0" smtClean="0"/>
-              <a:t>D’une description</a:t>
-            </a:r>
-          </a:p>
-          <a:p>
-            <a:pPr lvl="1"/>
-            <a:r>
-              <a:rPr lang="fr-FR" sz="2000" dirty="0" smtClean="0"/>
-              <a:t>D’une date de création</a:t>
-            </a:r>
-          </a:p>
-          <a:p>
-            <a:pPr lvl="1"/>
-            <a:r>
-              <a:rPr lang="fr-FR" sz="2000" dirty="0" smtClean="0"/>
-              <a:t>D’une date de modification</a:t>
-            </a:r>
-            <a:endParaRPr lang="fr-FR" sz="2000" dirty="0" smtClean="0"/>
-          </a:p>
-          <a:p>
-            <a:pPr lvl="1"/>
-            <a:r>
-              <a:rPr lang="fr-FR" sz="2000" dirty="0" smtClean="0"/>
-              <a:t>D’une image principale</a:t>
-            </a:r>
-          </a:p>
-          <a:p>
-            <a:pPr lvl="1"/>
-            <a:r>
-              <a:rPr lang="fr-FR" sz="2000" dirty="0" smtClean="0"/>
-              <a:t>D’images secondaires</a:t>
-            </a:r>
-            <a:endParaRPr lang="fr-FR" sz="2000" dirty="0" smtClean="0"/>
-          </a:p>
-          <a:p>
-            <a:pPr lvl="1"/>
-            <a:r>
-              <a:rPr lang="fr-FR" sz="2000" dirty="0" smtClean="0"/>
-              <a:t>De vidéos</a:t>
-            </a:r>
-            <a:endParaRPr lang="fr-FR" sz="2000" dirty="0" smtClean="0"/>
-          </a:p>
-          <a:p>
-            <a:pPr lvl="1"/>
-            <a:r>
-              <a:rPr lang="fr-FR" sz="2000" dirty="0" smtClean="0"/>
-              <a:t>De </a:t>
-            </a:r>
-            <a:r>
-              <a:rPr lang="fr-FR" sz="2000" dirty="0" smtClean="0"/>
-              <a:t>commentaires</a:t>
-            </a:r>
-          </a:p>
-          <a:p>
-            <a:pPr lvl="1"/>
-            <a:r>
-              <a:rPr lang="fr-FR" sz="2000" dirty="0" smtClean="0"/>
-              <a:t>Si connecté : d’un formulaire d’ajout de </a:t>
-            </a:r>
-            <a:r>
-              <a:rPr lang="fr-FR" sz="2000" dirty="0" smtClean="0"/>
-              <a:t>commentaire</a:t>
-            </a:r>
-            <a:endParaRPr lang="fr-FR" sz="2000" dirty="0" smtClean="0"/>
-          </a:p>
-        </p:txBody>
-      </p:sp>
-      <p:sp>
-        <p:nvSpPr>
-          <p:cNvPr id="6" name="Google Shape;106;p15"/>
-          <p:cNvSpPr txBox="1"/>
-          <p:nvPr/>
-        </p:nvSpPr>
-        <p:spPr>
-          <a:xfrm>
-            <a:off x="839931" y="236741"/>
-            <a:ext cx="7380338" cy="523200"/>
-          </a:xfrm>
-          <a:prstGeom prst="rect">
-            <a:avLst/>
-          </a:prstGeom>
-          <a:noFill/>
-          <a:ln>
-            <a:noFill/>
-          </a:ln>
-        </p:spPr>
-        <p:txBody>
-          <a:bodyPr spcFirstLastPara="1" wrap="square" lIns="91425" tIns="45700" rIns="91425" bIns="45700" anchor="t" anchorCtr="0">
-            <a:noAutofit/>
-          </a:bodyPr>
-          <a:lstStyle/>
-          <a:p>
-            <a:pPr lvl="0"/>
-            <a:r>
-              <a:rPr lang="fr-FR" sz="1400" b="1" dirty="0" smtClean="0">
-                <a:solidFill>
-                  <a:schemeClr val="dk1"/>
-                </a:solidFill>
-                <a:latin typeface="Calibri"/>
-                <a:ea typeface="Calibri"/>
-                <a:cs typeface="Calibri"/>
-                <a:sym typeface="Calibri"/>
-              </a:rPr>
-              <a:t>P6 </a:t>
-            </a:r>
-            <a:r>
-              <a:rPr lang="fr-FR" sz="1400" b="1" dirty="0">
-                <a:solidFill>
-                  <a:schemeClr val="dk1"/>
-                </a:solidFill>
-                <a:latin typeface="Calibri"/>
-                <a:ea typeface="Calibri"/>
-                <a:cs typeface="Calibri"/>
-                <a:sym typeface="Calibri"/>
-              </a:rPr>
-              <a:t>: </a:t>
-            </a:r>
-            <a:r>
-              <a:rPr lang="fr-FR" b="1" dirty="0">
-                <a:solidFill>
-                  <a:schemeClr val="dk1"/>
-                </a:solidFill>
-                <a:latin typeface="Calibri"/>
-                <a:ea typeface="Calibri"/>
-                <a:cs typeface="Calibri"/>
-                <a:sym typeface="Calibri"/>
-              </a:rPr>
-              <a:t>Développez de A à Z le site communautaire </a:t>
-            </a:r>
-            <a:r>
-              <a:rPr lang="fr-FR" b="1" dirty="0" err="1">
-                <a:solidFill>
-                  <a:schemeClr val="dk1"/>
-                </a:solidFill>
-                <a:latin typeface="Calibri"/>
-                <a:ea typeface="Calibri"/>
-                <a:cs typeface="Calibri"/>
-                <a:sym typeface="Calibri"/>
-              </a:rPr>
-              <a:t>SnowTricks</a:t>
-            </a:r>
-            <a:r>
-              <a:rPr lang="fr-FR" sz="1400" b="1" dirty="0">
-                <a:solidFill>
-                  <a:schemeClr val="dk1"/>
-                </a:solidFill>
-                <a:latin typeface="Calibri"/>
-                <a:ea typeface="Calibri"/>
-                <a:cs typeface="Calibri"/>
-                <a:sym typeface="Calibri"/>
-              </a:rPr>
-              <a:t/>
-            </a:r>
-            <a:br>
-              <a:rPr lang="fr-FR" sz="1400" b="1" dirty="0">
-                <a:solidFill>
-                  <a:schemeClr val="dk1"/>
-                </a:solidFill>
-                <a:latin typeface="Calibri"/>
-                <a:ea typeface="Calibri"/>
-                <a:cs typeface="Calibri"/>
-                <a:sym typeface="Calibri"/>
-              </a:rPr>
-            </a:br>
-            <a:r>
-              <a:rPr lang="fr-FR" sz="1400" dirty="0">
-                <a:solidFill>
-                  <a:schemeClr val="dk1"/>
-                </a:solidFill>
-                <a:latin typeface="Calibri"/>
-                <a:ea typeface="Calibri"/>
-                <a:cs typeface="Calibri"/>
-                <a:sym typeface="Calibri"/>
-              </a:rPr>
-              <a:t>Thomas Claireau – </a:t>
-            </a:r>
-            <a:r>
-              <a:rPr lang="fr-FR" sz="1400" dirty="0" smtClean="0">
-                <a:solidFill>
-                  <a:schemeClr val="dk1"/>
-                </a:solidFill>
-                <a:latin typeface="Calibri"/>
-                <a:ea typeface="Calibri"/>
-                <a:cs typeface="Calibri"/>
-                <a:sym typeface="Calibri"/>
-              </a:rPr>
-              <a:t>DA-PHP/</a:t>
-            </a:r>
-            <a:r>
-              <a:rPr lang="fr-FR" sz="1400" dirty="0" err="1" smtClean="0">
-                <a:solidFill>
-                  <a:schemeClr val="dk1"/>
-                </a:solidFill>
-                <a:latin typeface="Calibri"/>
-                <a:ea typeface="Calibri"/>
-                <a:cs typeface="Calibri"/>
-                <a:sym typeface="Calibri"/>
-              </a:rPr>
-              <a:t>Symfony</a:t>
-            </a:r>
-            <a:endParaRPr sz="1400" dirty="0">
-              <a:solidFill>
-                <a:schemeClr val="dk1"/>
-              </a:solidFill>
-              <a:latin typeface="Calibri"/>
-              <a:ea typeface="Calibri"/>
-              <a:cs typeface="Calibri"/>
-              <a:sym typeface="Calibri"/>
-            </a:endParaRPr>
-          </a:p>
-        </p:txBody>
-      </p:sp>
-    </p:spTree>
-    <p:extLst>
-      <p:ext uri="{BB962C8B-B14F-4D97-AF65-F5344CB8AC3E}">
-        <p14:creationId xmlns:p14="http://schemas.microsoft.com/office/powerpoint/2010/main" val="3239477405"/>
-      </p:ext>
-    </p:extLst>
-  </p:cSld>
-  <p:clrMapOvr>
-    <a:masterClrMapping/>
-  </p:clrMapOvr>
-</p:sld>
-</file>
-
-<file path=ppt/slides/slide7.xml><?xml version="1.0" encoding="utf-8"?>
-<p:sld xmlns:a="http://schemas.openxmlformats.org/drawingml/2006/main" xmlns:r="http://schemas.openxmlformats.org/officeDocument/2006/relationships" xmlns:p="http://schemas.openxmlformats.org/presentationml/2006/main">
-  <p:cSld>
-    <p:spTree>
-      <p:nvGrpSpPr>
-        <p:cNvPr id="1" name="Shape 103"/>
-        <p:cNvGrpSpPr/>
-        <p:nvPr/>
-      </p:nvGrpSpPr>
-      <p:grpSpPr>
-        <a:xfrm>
-          <a:off x="0" y="0"/>
-          <a:ext cx="0" cy="0"/>
-          <a:chOff x="0" y="0"/>
-          <a:chExt cx="0" cy="0"/>
-        </a:xfrm>
-      </p:grpSpPr>
-      <p:sp>
-        <p:nvSpPr>
-          <p:cNvPr id="104" name="Google Shape;104;p15"/>
-          <p:cNvSpPr txBox="1">
-            <a:spLocks noGrp="1"/>
-          </p:cNvSpPr>
-          <p:nvPr>
-            <p:ph type="title"/>
-          </p:nvPr>
-        </p:nvSpPr>
-        <p:spPr>
-          <a:xfrm>
-            <a:off x="838200" y="964277"/>
-            <a:ext cx="10515600" cy="934200"/>
-          </a:xfrm>
-          <a:prstGeom prst="rect">
-            <a:avLst/>
-          </a:prstGeom>
-          <a:noFill/>
-          <a:ln>
-            <a:noFill/>
-          </a:ln>
-        </p:spPr>
-        <p:txBody>
-          <a:bodyPr spcFirstLastPara="1" wrap="square" lIns="91425" tIns="45700" rIns="91425" bIns="45700" anchor="ctr" anchorCtr="0">
-            <a:noAutofit/>
-          </a:bodyPr>
-          <a:lstStyle/>
-          <a:p>
-            <a:pPr lvl="0">
-              <a:buSzPts val="3959"/>
-            </a:pPr>
-            <a:r>
-              <a:rPr lang="fr-FR" sz="3959" dirty="0">
-                <a:latin typeface="Quattrocento Sans"/>
-                <a:ea typeface="Quattrocento Sans"/>
-                <a:cs typeface="Quattrocento Sans"/>
-                <a:sym typeface="Quattrocento Sans"/>
-              </a:rPr>
-              <a:t>Présentation de l’application</a:t>
-            </a:r>
-            <a:r>
-              <a:rPr lang="fr-FR" sz="3959" dirty="0" smtClean="0">
-                <a:latin typeface="Quattrocento Sans"/>
-                <a:ea typeface="Quattrocento Sans"/>
-                <a:cs typeface="Quattrocento Sans"/>
-                <a:sym typeface="Quattrocento Sans"/>
-              </a:rPr>
-              <a:t/>
-            </a:r>
-            <a:br>
-              <a:rPr lang="fr-FR" sz="3959" dirty="0" smtClean="0">
-                <a:latin typeface="Quattrocento Sans"/>
-                <a:ea typeface="Quattrocento Sans"/>
-                <a:cs typeface="Quattrocento Sans"/>
-                <a:sym typeface="Quattrocento Sans"/>
-              </a:rPr>
-            </a:br>
-            <a:r>
-              <a:rPr lang="fr-FR" sz="2400" dirty="0" smtClean="0">
-                <a:solidFill>
-                  <a:schemeClr val="bg1">
-                    <a:lumMod val="65000"/>
-                  </a:schemeClr>
-                </a:solidFill>
-                <a:latin typeface="Quattrocento Sans"/>
-                <a:ea typeface="Quattrocento Sans"/>
-                <a:cs typeface="Quattrocento Sans"/>
-                <a:sym typeface="Quattrocento Sans"/>
-              </a:rPr>
-              <a:t>Page </a:t>
-            </a:r>
-            <a:r>
-              <a:rPr lang="fr-FR" sz="2400" dirty="0" smtClean="0">
-                <a:solidFill>
-                  <a:schemeClr val="bg1">
-                    <a:lumMod val="65000"/>
-                  </a:schemeClr>
-                </a:solidFill>
-                <a:latin typeface="Quattrocento Sans"/>
-                <a:ea typeface="Quattrocento Sans"/>
-                <a:cs typeface="Quattrocento Sans"/>
-                <a:sym typeface="Quattrocento Sans"/>
-              </a:rPr>
-              <a:t>d’inscription</a:t>
-            </a:r>
-            <a:endParaRPr sz="1979" dirty="0">
-              <a:solidFill>
-                <a:schemeClr val="bg1">
-                  <a:lumMod val="65000"/>
-                </a:schemeClr>
-              </a:solidFill>
-              <a:latin typeface="Quattrocento Sans"/>
-              <a:ea typeface="Quattrocento Sans"/>
-              <a:cs typeface="Quattrocento Sans"/>
-              <a:sym typeface="Quattrocento Sans"/>
-            </a:endParaRPr>
-          </a:p>
-        </p:txBody>
-      </p:sp>
-      <p:pic>
-        <p:nvPicPr>
-          <p:cNvPr id="108" name="Google Shape;108;p15"/>
-          <p:cNvPicPr preferRelativeResize="0"/>
-          <p:nvPr/>
-        </p:nvPicPr>
-        <p:blipFill rotWithShape="1">
-          <a:blip r:embed="rId3">
-            <a:alphaModFix/>
-          </a:blip>
-          <a:srcRect/>
-          <a:stretch/>
-        </p:blipFill>
-        <p:spPr>
-          <a:xfrm>
-            <a:off x="10575769" y="236741"/>
-            <a:ext cx="591628" cy="591628"/>
-          </a:xfrm>
-          <a:prstGeom prst="rect">
-            <a:avLst/>
-          </a:prstGeom>
-          <a:noFill/>
-          <a:ln>
-            <a:noFill/>
-          </a:ln>
-        </p:spPr>
-      </p:pic>
-      <p:sp>
-        <p:nvSpPr>
-          <p:cNvPr id="3" name="Espace réservé du texte 2">
-            <a:extLst>
-              <a:ext uri="{FF2B5EF4-FFF2-40B4-BE49-F238E27FC236}">
-                <a16:creationId xmlns:a16="http://schemas.microsoft.com/office/drawing/2014/main" id="{49CE6623-9ABA-47C3-964E-A9C08CABCC9C}"/>
-              </a:ext>
-            </a:extLst>
-          </p:cNvPr>
-          <p:cNvSpPr>
-            <a:spLocks noGrp="1"/>
-          </p:cNvSpPr>
-          <p:nvPr>
-            <p:ph type="body" idx="1"/>
-          </p:nvPr>
-        </p:nvSpPr>
-        <p:spPr>
-          <a:xfrm>
-            <a:off x="838200" y="2102813"/>
-            <a:ext cx="10515600" cy="4584772"/>
-          </a:xfrm>
-        </p:spPr>
-        <p:txBody>
-          <a:bodyPr/>
-          <a:lstStyle/>
-          <a:p>
-            <a:r>
-              <a:rPr lang="fr-FR" sz="2000" dirty="0" smtClean="0"/>
-              <a:t>Formulaire </a:t>
-            </a:r>
-            <a:r>
-              <a:rPr lang="fr-FR" sz="2000" dirty="0" smtClean="0"/>
-              <a:t>d’inscription :</a:t>
-            </a:r>
-            <a:endParaRPr lang="fr-FR" sz="2000" dirty="0" smtClean="0"/>
-          </a:p>
-          <a:p>
-            <a:pPr lvl="1"/>
-            <a:r>
-              <a:rPr lang="fr-FR" sz="1600" dirty="0" smtClean="0"/>
-              <a:t>Nom d’utilisateur</a:t>
-            </a:r>
-            <a:endParaRPr lang="fr-FR" sz="1600" dirty="0" smtClean="0"/>
-          </a:p>
-          <a:p>
-            <a:pPr lvl="1"/>
-            <a:r>
-              <a:rPr lang="fr-FR" sz="1600" dirty="0" smtClean="0"/>
-              <a:t>Adresse email</a:t>
-            </a:r>
-          </a:p>
-          <a:p>
-            <a:pPr lvl="1"/>
-            <a:r>
-              <a:rPr lang="fr-FR" sz="1600" dirty="0" smtClean="0"/>
-              <a:t>Mot de passe</a:t>
-            </a:r>
-            <a:endParaRPr lang="fr-FR" sz="1600" dirty="0" smtClean="0"/>
-          </a:p>
-          <a:p>
-            <a:r>
-              <a:rPr lang="fr-FR" sz="2000" dirty="0" smtClean="0"/>
-              <a:t>Envoie d’un message de confirmation / vérification à l’utilisateur</a:t>
-            </a:r>
-          </a:p>
-          <a:p>
-            <a:pPr lvl="1"/>
-            <a:r>
-              <a:rPr lang="fr-FR" sz="1600" dirty="0" smtClean="0"/>
-              <a:t>Le compte est par défaut inactif</a:t>
-            </a:r>
-            <a:endParaRPr lang="fr-FR" sz="1600" dirty="0" smtClean="0"/>
-          </a:p>
-          <a:p>
-            <a:pPr lvl="1"/>
-            <a:r>
-              <a:rPr lang="fr-FR" sz="1600" dirty="0" smtClean="0"/>
-              <a:t>Doit cliquer sur le lien dans le mail pour rendre son compte actif</a:t>
-            </a:r>
-          </a:p>
-          <a:p>
-            <a:pPr marL="571500" lvl="1" indent="0">
-              <a:buNone/>
-            </a:pPr>
-            <a:endParaRPr lang="fr-FR" sz="1600" dirty="0" smtClean="0"/>
-          </a:p>
-        </p:txBody>
-      </p:sp>
-      <p:sp>
-        <p:nvSpPr>
-          <p:cNvPr id="6" name="Google Shape;106;p15"/>
-          <p:cNvSpPr txBox="1"/>
-          <p:nvPr/>
-        </p:nvSpPr>
-        <p:spPr>
-          <a:xfrm>
-            <a:off x="839931" y="236741"/>
-            <a:ext cx="7380338" cy="523200"/>
-          </a:xfrm>
-          <a:prstGeom prst="rect">
-            <a:avLst/>
-          </a:prstGeom>
-          <a:noFill/>
-          <a:ln>
-            <a:noFill/>
-          </a:ln>
-        </p:spPr>
-        <p:txBody>
-          <a:bodyPr spcFirstLastPara="1" wrap="square" lIns="91425" tIns="45700" rIns="91425" bIns="45700" anchor="t" anchorCtr="0">
-            <a:noAutofit/>
-          </a:bodyPr>
-          <a:lstStyle/>
-          <a:p>
-            <a:pPr lvl="0"/>
-            <a:r>
-              <a:rPr lang="fr-FR" sz="1400" b="1" dirty="0" smtClean="0">
-                <a:solidFill>
-                  <a:schemeClr val="dk1"/>
-                </a:solidFill>
-                <a:latin typeface="Calibri"/>
-                <a:ea typeface="Calibri"/>
-                <a:cs typeface="Calibri"/>
-                <a:sym typeface="Calibri"/>
-              </a:rPr>
-              <a:t>P6 </a:t>
-            </a:r>
-            <a:r>
-              <a:rPr lang="fr-FR" sz="1400" b="1" dirty="0">
-                <a:solidFill>
-                  <a:schemeClr val="dk1"/>
-                </a:solidFill>
-                <a:latin typeface="Calibri"/>
-                <a:ea typeface="Calibri"/>
-                <a:cs typeface="Calibri"/>
-                <a:sym typeface="Calibri"/>
-              </a:rPr>
-              <a:t>: </a:t>
-            </a:r>
-            <a:r>
-              <a:rPr lang="fr-FR" b="1" dirty="0">
-                <a:solidFill>
-                  <a:schemeClr val="dk1"/>
-                </a:solidFill>
-                <a:latin typeface="Calibri"/>
-                <a:ea typeface="Calibri"/>
-                <a:cs typeface="Calibri"/>
-                <a:sym typeface="Calibri"/>
-              </a:rPr>
-              <a:t>Développez de A à Z le site communautaire </a:t>
-            </a:r>
-            <a:r>
-              <a:rPr lang="fr-FR" b="1" dirty="0" err="1">
-                <a:solidFill>
-                  <a:schemeClr val="dk1"/>
-                </a:solidFill>
-                <a:latin typeface="Calibri"/>
-                <a:ea typeface="Calibri"/>
-                <a:cs typeface="Calibri"/>
-                <a:sym typeface="Calibri"/>
-              </a:rPr>
-              <a:t>SnowTricks</a:t>
-            </a:r>
-            <a:r>
-              <a:rPr lang="fr-FR" sz="1400" b="1" dirty="0">
-                <a:solidFill>
-                  <a:schemeClr val="dk1"/>
-                </a:solidFill>
-                <a:latin typeface="Calibri"/>
-                <a:ea typeface="Calibri"/>
-                <a:cs typeface="Calibri"/>
-                <a:sym typeface="Calibri"/>
-              </a:rPr>
-              <a:t/>
-            </a:r>
-            <a:br>
-              <a:rPr lang="fr-FR" sz="1400" b="1" dirty="0">
-                <a:solidFill>
-                  <a:schemeClr val="dk1"/>
-                </a:solidFill>
-                <a:latin typeface="Calibri"/>
-                <a:ea typeface="Calibri"/>
-                <a:cs typeface="Calibri"/>
-                <a:sym typeface="Calibri"/>
-              </a:rPr>
-            </a:br>
-            <a:r>
-              <a:rPr lang="fr-FR" sz="1400" dirty="0">
-                <a:solidFill>
-                  <a:schemeClr val="dk1"/>
-                </a:solidFill>
-                <a:latin typeface="Calibri"/>
-                <a:ea typeface="Calibri"/>
-                <a:cs typeface="Calibri"/>
-                <a:sym typeface="Calibri"/>
-              </a:rPr>
-              <a:t>Thomas Claireau – </a:t>
-            </a:r>
-            <a:r>
-              <a:rPr lang="fr-FR" sz="1400" dirty="0" smtClean="0">
-                <a:solidFill>
-                  <a:schemeClr val="dk1"/>
-                </a:solidFill>
-                <a:latin typeface="Calibri"/>
-                <a:ea typeface="Calibri"/>
-                <a:cs typeface="Calibri"/>
-                <a:sym typeface="Calibri"/>
-              </a:rPr>
-              <a:t>DA-PHP/</a:t>
-            </a:r>
-            <a:r>
-              <a:rPr lang="fr-FR" sz="1400" dirty="0" err="1" smtClean="0">
-                <a:solidFill>
-                  <a:schemeClr val="dk1"/>
-                </a:solidFill>
-                <a:latin typeface="Calibri"/>
-                <a:ea typeface="Calibri"/>
-                <a:cs typeface="Calibri"/>
-                <a:sym typeface="Calibri"/>
-              </a:rPr>
-              <a:t>Symfony</a:t>
-            </a:r>
-            <a:endParaRPr sz="1400" dirty="0">
-              <a:solidFill>
-                <a:schemeClr val="dk1"/>
-              </a:solidFill>
-              <a:latin typeface="Calibri"/>
-              <a:ea typeface="Calibri"/>
-              <a:cs typeface="Calibri"/>
-              <a:sym typeface="Calibri"/>
-            </a:endParaRPr>
-          </a:p>
-        </p:txBody>
-      </p:sp>
-    </p:spTree>
-    <p:extLst>
-      <p:ext uri="{BB962C8B-B14F-4D97-AF65-F5344CB8AC3E}">
-        <p14:creationId xmlns:p14="http://schemas.microsoft.com/office/powerpoint/2010/main" val="1296838205"/>
-      </p:ext>
-    </p:extLst>
-  </p:cSld>
-  <p:clrMapOvr>
-    <a:masterClrMapping/>
-  </p:clrMapOvr>
-</p:sld>
-</file>
-
-<file path=ppt/slides/slide8.xml><?xml version="1.0" encoding="utf-8"?>
-<p:sld xmlns:a="http://schemas.openxmlformats.org/drawingml/2006/main" xmlns:r="http://schemas.openxmlformats.org/officeDocument/2006/relationships" xmlns:p="http://schemas.openxmlformats.org/presentationml/2006/main">
-  <p:cSld>
-    <p:spTree>
-      <p:nvGrpSpPr>
-        <p:cNvPr id="1" name="Shape 103"/>
-        <p:cNvGrpSpPr/>
-        <p:nvPr/>
-      </p:nvGrpSpPr>
-      <p:grpSpPr>
-        <a:xfrm>
-          <a:off x="0" y="0"/>
-          <a:ext cx="0" cy="0"/>
-          <a:chOff x="0" y="0"/>
-          <a:chExt cx="0" cy="0"/>
-        </a:xfrm>
-      </p:grpSpPr>
-      <p:sp>
-        <p:nvSpPr>
-          <p:cNvPr id="104" name="Google Shape;104;p15"/>
-          <p:cNvSpPr txBox="1">
-            <a:spLocks noGrp="1"/>
-          </p:cNvSpPr>
-          <p:nvPr>
-            <p:ph type="title"/>
-          </p:nvPr>
-        </p:nvSpPr>
-        <p:spPr>
-          <a:xfrm>
-            <a:off x="838200" y="964277"/>
-            <a:ext cx="10515600" cy="934200"/>
-          </a:xfrm>
-          <a:prstGeom prst="rect">
-            <a:avLst/>
-          </a:prstGeom>
-          <a:noFill/>
-          <a:ln>
-            <a:noFill/>
-          </a:ln>
-        </p:spPr>
-        <p:txBody>
-          <a:bodyPr spcFirstLastPara="1" wrap="square" lIns="91425" tIns="45700" rIns="91425" bIns="45700" anchor="ctr" anchorCtr="0">
-            <a:noAutofit/>
-          </a:bodyPr>
-          <a:lstStyle/>
-          <a:p>
-            <a:pPr lvl="0">
-              <a:buSzPts val="3959"/>
-            </a:pPr>
-            <a:r>
-              <a:rPr lang="fr-FR" sz="3959" dirty="0">
-                <a:latin typeface="Quattrocento Sans"/>
-                <a:ea typeface="Quattrocento Sans"/>
-                <a:cs typeface="Quattrocento Sans"/>
-                <a:sym typeface="Quattrocento Sans"/>
-              </a:rPr>
-              <a:t>Présentation de l’application</a:t>
-            </a:r>
-            <a:r>
-              <a:rPr lang="fr-FR" sz="3959" dirty="0" smtClean="0">
-                <a:latin typeface="Quattrocento Sans"/>
-                <a:ea typeface="Quattrocento Sans"/>
-                <a:cs typeface="Quattrocento Sans"/>
-                <a:sym typeface="Quattrocento Sans"/>
-              </a:rPr>
-              <a:t/>
-            </a:r>
-            <a:br>
-              <a:rPr lang="fr-FR" sz="3959" dirty="0" smtClean="0">
-                <a:latin typeface="Quattrocento Sans"/>
-                <a:ea typeface="Quattrocento Sans"/>
-                <a:cs typeface="Quattrocento Sans"/>
-                <a:sym typeface="Quattrocento Sans"/>
-              </a:rPr>
-            </a:br>
-            <a:r>
-              <a:rPr lang="fr-FR" sz="2400" dirty="0" smtClean="0">
-                <a:solidFill>
-                  <a:schemeClr val="bg1">
-                    <a:lumMod val="65000"/>
-                  </a:schemeClr>
-                </a:solidFill>
-                <a:latin typeface="Quattrocento Sans"/>
-                <a:ea typeface="Quattrocento Sans"/>
-                <a:cs typeface="Quattrocento Sans"/>
-                <a:sym typeface="Quattrocento Sans"/>
-              </a:rPr>
-              <a:t>Page </a:t>
-            </a:r>
-            <a:r>
-              <a:rPr lang="fr-FR" sz="2400" dirty="0" smtClean="0">
-                <a:solidFill>
-                  <a:schemeClr val="bg1">
-                    <a:lumMod val="65000"/>
-                  </a:schemeClr>
-                </a:solidFill>
-                <a:latin typeface="Quattrocento Sans"/>
-                <a:ea typeface="Quattrocento Sans"/>
-                <a:cs typeface="Quattrocento Sans"/>
-                <a:sym typeface="Quattrocento Sans"/>
-              </a:rPr>
-              <a:t>de connexion</a:t>
-            </a:r>
-            <a:endParaRPr sz="1979" dirty="0">
-              <a:solidFill>
-                <a:schemeClr val="bg1">
-                  <a:lumMod val="65000"/>
-                </a:schemeClr>
-              </a:solidFill>
-              <a:latin typeface="Quattrocento Sans"/>
-              <a:ea typeface="Quattrocento Sans"/>
-              <a:cs typeface="Quattrocento Sans"/>
-              <a:sym typeface="Quattrocento Sans"/>
-            </a:endParaRPr>
-          </a:p>
-        </p:txBody>
-      </p:sp>
-      <p:pic>
-        <p:nvPicPr>
-          <p:cNvPr id="108" name="Google Shape;108;p15"/>
-          <p:cNvPicPr preferRelativeResize="0"/>
-          <p:nvPr/>
-        </p:nvPicPr>
-        <p:blipFill rotWithShape="1">
-          <a:blip r:embed="rId3">
-            <a:alphaModFix/>
-          </a:blip>
-          <a:srcRect/>
-          <a:stretch/>
-        </p:blipFill>
-        <p:spPr>
-          <a:xfrm>
-            <a:off x="10575769" y="236741"/>
-            <a:ext cx="591628" cy="591628"/>
-          </a:xfrm>
-          <a:prstGeom prst="rect">
-            <a:avLst/>
-          </a:prstGeom>
-          <a:noFill/>
-          <a:ln>
-            <a:noFill/>
-          </a:ln>
-        </p:spPr>
-      </p:pic>
-      <p:sp>
-        <p:nvSpPr>
-          <p:cNvPr id="3" name="Espace réservé du texte 2">
-            <a:extLst>
-              <a:ext uri="{FF2B5EF4-FFF2-40B4-BE49-F238E27FC236}">
-                <a16:creationId xmlns:a16="http://schemas.microsoft.com/office/drawing/2014/main" id="{49CE6623-9ABA-47C3-964E-A9C08CABCC9C}"/>
-              </a:ext>
-            </a:extLst>
-          </p:cNvPr>
-          <p:cNvSpPr>
-            <a:spLocks noGrp="1"/>
-          </p:cNvSpPr>
-          <p:nvPr>
-            <p:ph type="body" idx="1"/>
-          </p:nvPr>
-        </p:nvSpPr>
-        <p:spPr>
-          <a:xfrm>
-            <a:off x="838200" y="2102813"/>
-            <a:ext cx="10515600" cy="4584772"/>
-          </a:xfrm>
-        </p:spPr>
-        <p:txBody>
-          <a:bodyPr/>
-          <a:lstStyle/>
-          <a:p>
-            <a:r>
-              <a:rPr lang="fr-FR" sz="2000" dirty="0" smtClean="0"/>
-              <a:t>Formulaire </a:t>
-            </a:r>
-            <a:r>
-              <a:rPr lang="fr-FR" sz="2000" dirty="0" smtClean="0"/>
-              <a:t>de connexion :</a:t>
-            </a:r>
-            <a:endParaRPr lang="fr-FR" sz="2000" dirty="0" smtClean="0"/>
-          </a:p>
-          <a:p>
-            <a:pPr lvl="1"/>
-            <a:r>
-              <a:rPr lang="fr-FR" sz="1600" dirty="0" smtClean="0"/>
-              <a:t>Nom d’utilisateur</a:t>
-            </a:r>
-            <a:endParaRPr lang="fr-FR" sz="1600" dirty="0" smtClean="0"/>
-          </a:p>
-          <a:p>
-            <a:pPr lvl="1"/>
-            <a:r>
-              <a:rPr lang="fr-FR" sz="1600" dirty="0" smtClean="0"/>
-              <a:t>Mot de passe</a:t>
-            </a:r>
-          </a:p>
-          <a:p>
-            <a:r>
-              <a:rPr lang="fr-FR" sz="2000" dirty="0" smtClean="0"/>
-              <a:t>Si erreur, remontée des erreurs sous forme de message flash</a:t>
-            </a:r>
-          </a:p>
-          <a:p>
-            <a:r>
-              <a:rPr lang="fr-FR" sz="2000" dirty="0" smtClean="0"/>
-              <a:t>Si pas d’erreur, redirection vers la page d’accueil en mode « connecté » (accès à l’administration des figures)</a:t>
-            </a:r>
-          </a:p>
-          <a:p>
-            <a:r>
-              <a:rPr lang="fr-FR" sz="2000" dirty="0"/>
-              <a:t>Bouton de déconnexion : </a:t>
-            </a:r>
-            <a:endParaRPr lang="fr-FR" sz="2000" dirty="0" smtClean="0"/>
-          </a:p>
-          <a:p>
-            <a:pPr lvl="1"/>
-            <a:r>
-              <a:rPr lang="fr-FR" sz="1600" dirty="0" smtClean="0"/>
-              <a:t>Apparait seulement lorsque l’utilisateur est connecté</a:t>
-            </a:r>
-            <a:endParaRPr lang="fr-FR" sz="1600" dirty="0"/>
-          </a:p>
-          <a:p>
-            <a:pPr lvl="1"/>
-            <a:r>
-              <a:rPr lang="fr-FR" sz="1600" dirty="0"/>
-              <a:t>D</a:t>
-            </a:r>
-            <a:r>
-              <a:rPr lang="fr-FR" sz="1600" dirty="0" smtClean="0"/>
-              <a:t>éconnecte </a:t>
-            </a:r>
-            <a:r>
-              <a:rPr lang="fr-FR" sz="1600" dirty="0"/>
-              <a:t>et ramène vers </a:t>
-            </a:r>
-            <a:r>
-              <a:rPr lang="fr-FR" sz="1600" dirty="0" smtClean="0"/>
-              <a:t>l’accueil</a:t>
-            </a:r>
-            <a:endParaRPr lang="fr-FR" sz="1600" dirty="0"/>
-          </a:p>
-        </p:txBody>
-      </p:sp>
-      <p:sp>
-        <p:nvSpPr>
-          <p:cNvPr id="6" name="Google Shape;106;p15"/>
-          <p:cNvSpPr txBox="1"/>
-          <p:nvPr/>
-        </p:nvSpPr>
-        <p:spPr>
-          <a:xfrm>
-            <a:off x="839931" y="236741"/>
-            <a:ext cx="7380338" cy="523200"/>
-          </a:xfrm>
-          <a:prstGeom prst="rect">
-            <a:avLst/>
-          </a:prstGeom>
-          <a:noFill/>
-          <a:ln>
-            <a:noFill/>
-          </a:ln>
-        </p:spPr>
-        <p:txBody>
-          <a:bodyPr spcFirstLastPara="1" wrap="square" lIns="91425" tIns="45700" rIns="91425" bIns="45700" anchor="t" anchorCtr="0">
-            <a:noAutofit/>
-          </a:bodyPr>
-          <a:lstStyle/>
-          <a:p>
-            <a:pPr lvl="0"/>
-            <a:r>
-              <a:rPr lang="fr-FR" sz="1400" b="1" dirty="0" smtClean="0">
-                <a:solidFill>
-                  <a:schemeClr val="dk1"/>
-                </a:solidFill>
-                <a:latin typeface="Calibri"/>
-                <a:ea typeface="Calibri"/>
-                <a:cs typeface="Calibri"/>
-                <a:sym typeface="Calibri"/>
-              </a:rPr>
-              <a:t>P6 </a:t>
-            </a:r>
-            <a:r>
-              <a:rPr lang="fr-FR" sz="1400" b="1" dirty="0">
-                <a:solidFill>
-                  <a:schemeClr val="dk1"/>
-                </a:solidFill>
-                <a:latin typeface="Calibri"/>
-                <a:ea typeface="Calibri"/>
-                <a:cs typeface="Calibri"/>
-                <a:sym typeface="Calibri"/>
-              </a:rPr>
-              <a:t>: </a:t>
-            </a:r>
-            <a:r>
-              <a:rPr lang="fr-FR" b="1" dirty="0">
-                <a:solidFill>
-                  <a:schemeClr val="dk1"/>
-                </a:solidFill>
-                <a:latin typeface="Calibri"/>
-                <a:ea typeface="Calibri"/>
-                <a:cs typeface="Calibri"/>
-                <a:sym typeface="Calibri"/>
-              </a:rPr>
-              <a:t>Développez de A à Z le site communautaire </a:t>
-            </a:r>
-            <a:r>
-              <a:rPr lang="fr-FR" b="1" dirty="0" err="1">
-                <a:solidFill>
-                  <a:schemeClr val="dk1"/>
-                </a:solidFill>
-                <a:latin typeface="Calibri"/>
-                <a:ea typeface="Calibri"/>
-                <a:cs typeface="Calibri"/>
-                <a:sym typeface="Calibri"/>
-              </a:rPr>
-              <a:t>SnowTricks</a:t>
-            </a:r>
-            <a:r>
-              <a:rPr lang="fr-FR" sz="1400" b="1" dirty="0">
-                <a:solidFill>
-                  <a:schemeClr val="dk1"/>
-                </a:solidFill>
-                <a:latin typeface="Calibri"/>
-                <a:ea typeface="Calibri"/>
-                <a:cs typeface="Calibri"/>
-                <a:sym typeface="Calibri"/>
-              </a:rPr>
-              <a:t/>
-            </a:r>
-            <a:br>
-              <a:rPr lang="fr-FR" sz="1400" b="1" dirty="0">
-                <a:solidFill>
-                  <a:schemeClr val="dk1"/>
-                </a:solidFill>
-                <a:latin typeface="Calibri"/>
-                <a:ea typeface="Calibri"/>
-                <a:cs typeface="Calibri"/>
-                <a:sym typeface="Calibri"/>
-              </a:rPr>
-            </a:br>
-            <a:r>
-              <a:rPr lang="fr-FR" sz="1400" dirty="0">
-                <a:solidFill>
-                  <a:schemeClr val="dk1"/>
-                </a:solidFill>
-                <a:latin typeface="Calibri"/>
-                <a:ea typeface="Calibri"/>
-                <a:cs typeface="Calibri"/>
-                <a:sym typeface="Calibri"/>
-              </a:rPr>
-              <a:t>Thomas Claireau – </a:t>
-            </a:r>
-            <a:r>
-              <a:rPr lang="fr-FR" sz="1400" dirty="0" smtClean="0">
-                <a:solidFill>
-                  <a:schemeClr val="dk1"/>
-                </a:solidFill>
-                <a:latin typeface="Calibri"/>
-                <a:ea typeface="Calibri"/>
-                <a:cs typeface="Calibri"/>
-                <a:sym typeface="Calibri"/>
-              </a:rPr>
-              <a:t>DA-PHP/</a:t>
-            </a:r>
-            <a:r>
-              <a:rPr lang="fr-FR" sz="1400" dirty="0" err="1" smtClean="0">
-                <a:solidFill>
-                  <a:schemeClr val="dk1"/>
-                </a:solidFill>
-                <a:latin typeface="Calibri"/>
-                <a:ea typeface="Calibri"/>
-                <a:cs typeface="Calibri"/>
-                <a:sym typeface="Calibri"/>
-              </a:rPr>
-              <a:t>Symfony</a:t>
-            </a:r>
-            <a:endParaRPr sz="1400" dirty="0">
-              <a:solidFill>
-                <a:schemeClr val="dk1"/>
-              </a:solidFill>
-              <a:latin typeface="Calibri"/>
-              <a:ea typeface="Calibri"/>
-              <a:cs typeface="Calibri"/>
-              <a:sym typeface="Calibri"/>
-            </a:endParaRPr>
-          </a:p>
-        </p:txBody>
-      </p:sp>
-    </p:spTree>
-    <p:extLst>
-      <p:ext uri="{BB962C8B-B14F-4D97-AF65-F5344CB8AC3E}">
-        <p14:creationId xmlns:p14="http://schemas.microsoft.com/office/powerpoint/2010/main" val="1180413332"/>
-      </p:ext>
-    </p:extLst>
-  </p:cSld>
-  <p:clrMapOvr>
-    <a:masterClrMapping/>
-  </p:clrMapOvr>
-</p:sld>
-</file>
-
-<file path=ppt/slides/slide9.xml><?xml version="1.0" encoding="utf-8"?>
-<p:sld xmlns:a="http://schemas.openxmlformats.org/drawingml/2006/main" xmlns:r="http://schemas.openxmlformats.org/officeDocument/2006/relationships" xmlns:p="http://schemas.openxmlformats.org/presentationml/2006/main">
-  <p:cSld>
-    <p:spTree>
-      <p:nvGrpSpPr>
-        <p:cNvPr id="1" name="Shape 103"/>
-        <p:cNvGrpSpPr/>
-        <p:nvPr/>
-      </p:nvGrpSpPr>
-      <p:grpSpPr>
-        <a:xfrm>
-          <a:off x="0" y="0"/>
-          <a:ext cx="0" cy="0"/>
-          <a:chOff x="0" y="0"/>
-          <a:chExt cx="0" cy="0"/>
-        </a:xfrm>
-      </p:grpSpPr>
-      <p:sp>
-        <p:nvSpPr>
-          <p:cNvPr id="104" name="Google Shape;104;p15"/>
-          <p:cNvSpPr txBox="1">
-            <a:spLocks noGrp="1"/>
-          </p:cNvSpPr>
-          <p:nvPr>
-            <p:ph type="title"/>
-          </p:nvPr>
-        </p:nvSpPr>
-        <p:spPr>
-          <a:xfrm>
-            <a:off x="838200" y="964277"/>
-            <a:ext cx="10515600" cy="934200"/>
-          </a:xfrm>
-          <a:prstGeom prst="rect">
-            <a:avLst/>
-          </a:prstGeom>
-          <a:noFill/>
-          <a:ln>
-            <a:noFill/>
-          </a:ln>
-        </p:spPr>
-        <p:txBody>
-          <a:bodyPr spcFirstLastPara="1" wrap="square" lIns="91425" tIns="45700" rIns="91425" bIns="45700" anchor="ctr" anchorCtr="0">
-            <a:noAutofit/>
-          </a:bodyPr>
-          <a:lstStyle/>
-          <a:p>
-            <a:pPr lvl="0">
-              <a:buSzPts val="3959"/>
-            </a:pPr>
-            <a:r>
-              <a:rPr lang="fr-FR" sz="3959" dirty="0">
-                <a:latin typeface="Quattrocento Sans"/>
-                <a:ea typeface="Quattrocento Sans"/>
-                <a:cs typeface="Quattrocento Sans"/>
-                <a:sym typeface="Quattrocento Sans"/>
-              </a:rPr>
-              <a:t>Présentation de l’application</a:t>
-            </a:r>
-            <a:r>
-              <a:rPr lang="fr-FR" sz="3959" dirty="0" smtClean="0">
-                <a:latin typeface="Quattrocento Sans"/>
-                <a:ea typeface="Quattrocento Sans"/>
-                <a:cs typeface="Quattrocento Sans"/>
-                <a:sym typeface="Quattrocento Sans"/>
-              </a:rPr>
-              <a:t/>
-            </a:r>
-            <a:br>
-              <a:rPr lang="fr-FR" sz="3959" dirty="0" smtClean="0">
-                <a:latin typeface="Quattrocento Sans"/>
-                <a:ea typeface="Quattrocento Sans"/>
-                <a:cs typeface="Quattrocento Sans"/>
-                <a:sym typeface="Quattrocento Sans"/>
-              </a:rPr>
-            </a:br>
-            <a:r>
-              <a:rPr lang="fr-FR" sz="2400" dirty="0" smtClean="0">
-                <a:solidFill>
-                  <a:schemeClr val="bg1">
-                    <a:lumMod val="65000"/>
-                  </a:schemeClr>
-                </a:solidFill>
-                <a:latin typeface="Quattrocento Sans"/>
-                <a:ea typeface="Quattrocento Sans"/>
-                <a:cs typeface="Quattrocento Sans"/>
-                <a:sym typeface="Quattrocento Sans"/>
-              </a:rPr>
-              <a:t>Page </a:t>
-            </a:r>
-            <a:r>
-              <a:rPr lang="fr-FR" sz="2400" dirty="0" smtClean="0">
-                <a:solidFill>
-                  <a:schemeClr val="bg1">
-                    <a:lumMod val="65000"/>
-                  </a:schemeClr>
-                </a:solidFill>
-                <a:latin typeface="Quattrocento Sans"/>
-                <a:ea typeface="Quattrocento Sans"/>
-                <a:cs typeface="Quattrocento Sans"/>
-                <a:sym typeface="Quattrocento Sans"/>
-              </a:rPr>
-              <a:t>de régénération de mot de passe</a:t>
-            </a:r>
-            <a:endParaRPr sz="1979" dirty="0">
-              <a:solidFill>
-                <a:schemeClr val="bg1">
-                  <a:lumMod val="65000"/>
-                </a:schemeClr>
-              </a:solidFill>
-              <a:latin typeface="Quattrocento Sans"/>
-              <a:ea typeface="Quattrocento Sans"/>
-              <a:cs typeface="Quattrocento Sans"/>
-              <a:sym typeface="Quattrocento Sans"/>
-            </a:endParaRPr>
-          </a:p>
-        </p:txBody>
-      </p:sp>
-      <p:pic>
-        <p:nvPicPr>
-          <p:cNvPr id="108" name="Google Shape;108;p15"/>
-          <p:cNvPicPr preferRelativeResize="0"/>
-          <p:nvPr/>
-        </p:nvPicPr>
-        <p:blipFill rotWithShape="1">
-          <a:blip r:embed="rId3">
-            <a:alphaModFix/>
-          </a:blip>
-          <a:srcRect/>
-          <a:stretch/>
-        </p:blipFill>
-        <p:spPr>
-          <a:xfrm>
-            <a:off x="10575769" y="236741"/>
-            <a:ext cx="591628" cy="591628"/>
-          </a:xfrm>
-          <a:prstGeom prst="rect">
-            <a:avLst/>
-          </a:prstGeom>
-          <a:noFill/>
-          <a:ln>
-            <a:noFill/>
-          </a:ln>
-        </p:spPr>
-      </p:pic>
-      <p:sp>
-        <p:nvSpPr>
-          <p:cNvPr id="6" name="Google Shape;106;p15"/>
-          <p:cNvSpPr txBox="1"/>
-          <p:nvPr/>
-        </p:nvSpPr>
-        <p:spPr>
-          <a:xfrm>
-            <a:off x="839931" y="236741"/>
-            <a:ext cx="7380338" cy="523200"/>
-          </a:xfrm>
-          <a:prstGeom prst="rect">
-            <a:avLst/>
-          </a:prstGeom>
-          <a:noFill/>
-          <a:ln>
-            <a:noFill/>
-          </a:ln>
-        </p:spPr>
-        <p:txBody>
-          <a:bodyPr spcFirstLastPara="1" wrap="square" lIns="91425" tIns="45700" rIns="91425" bIns="45700" anchor="t" anchorCtr="0">
-            <a:noAutofit/>
-          </a:bodyPr>
-          <a:lstStyle/>
-          <a:p>
-            <a:pPr lvl="0"/>
-            <a:r>
-              <a:rPr lang="fr-FR" sz="1400" b="1" dirty="0" smtClean="0">
-                <a:solidFill>
-                  <a:schemeClr val="dk1"/>
-                </a:solidFill>
-                <a:latin typeface="Calibri"/>
-                <a:ea typeface="Calibri"/>
-                <a:cs typeface="Calibri"/>
-                <a:sym typeface="Calibri"/>
-              </a:rPr>
-              <a:t>P6 </a:t>
-            </a:r>
-            <a:r>
-              <a:rPr lang="fr-FR" sz="1400" b="1" dirty="0">
-                <a:solidFill>
-                  <a:schemeClr val="dk1"/>
-                </a:solidFill>
-                <a:latin typeface="Calibri"/>
-                <a:ea typeface="Calibri"/>
-                <a:cs typeface="Calibri"/>
-                <a:sym typeface="Calibri"/>
-              </a:rPr>
-              <a:t>: </a:t>
-            </a:r>
-            <a:r>
-              <a:rPr lang="fr-FR" b="1" dirty="0">
-                <a:solidFill>
-                  <a:schemeClr val="dk1"/>
-                </a:solidFill>
-                <a:latin typeface="Calibri"/>
-                <a:ea typeface="Calibri"/>
-                <a:cs typeface="Calibri"/>
-                <a:sym typeface="Calibri"/>
-              </a:rPr>
-              <a:t>Développez de A à Z le site communautaire </a:t>
-            </a:r>
-            <a:r>
-              <a:rPr lang="fr-FR" b="1" dirty="0" err="1">
-                <a:solidFill>
-                  <a:schemeClr val="dk1"/>
-                </a:solidFill>
-                <a:latin typeface="Calibri"/>
-                <a:ea typeface="Calibri"/>
-                <a:cs typeface="Calibri"/>
-                <a:sym typeface="Calibri"/>
-              </a:rPr>
-              <a:t>SnowTricks</a:t>
-            </a:r>
-            <a:r>
-              <a:rPr lang="fr-FR" sz="1400" b="1" dirty="0">
-                <a:solidFill>
-                  <a:schemeClr val="dk1"/>
-                </a:solidFill>
-                <a:latin typeface="Calibri"/>
-                <a:ea typeface="Calibri"/>
-                <a:cs typeface="Calibri"/>
-                <a:sym typeface="Calibri"/>
-              </a:rPr>
-              <a:t/>
-            </a:r>
-            <a:br>
-              <a:rPr lang="fr-FR" sz="1400" b="1" dirty="0">
-                <a:solidFill>
-                  <a:schemeClr val="dk1"/>
-                </a:solidFill>
-                <a:latin typeface="Calibri"/>
-                <a:ea typeface="Calibri"/>
-                <a:cs typeface="Calibri"/>
-                <a:sym typeface="Calibri"/>
-              </a:rPr>
-            </a:br>
-            <a:r>
-              <a:rPr lang="fr-FR" sz="1400" dirty="0">
-                <a:solidFill>
-                  <a:schemeClr val="dk1"/>
-                </a:solidFill>
-                <a:latin typeface="Calibri"/>
-                <a:ea typeface="Calibri"/>
-                <a:cs typeface="Calibri"/>
-                <a:sym typeface="Calibri"/>
-              </a:rPr>
-              <a:t>Thomas Claireau – </a:t>
-            </a:r>
-            <a:r>
-              <a:rPr lang="fr-FR" sz="1400" dirty="0" smtClean="0">
-                <a:solidFill>
-                  <a:schemeClr val="dk1"/>
-                </a:solidFill>
-                <a:latin typeface="Calibri"/>
-                <a:ea typeface="Calibri"/>
-                <a:cs typeface="Calibri"/>
-                <a:sym typeface="Calibri"/>
-              </a:rPr>
-              <a:t>DA-PHP/</a:t>
-            </a:r>
-            <a:r>
-              <a:rPr lang="fr-FR" sz="1400" dirty="0" err="1" smtClean="0">
-                <a:solidFill>
-                  <a:schemeClr val="dk1"/>
-                </a:solidFill>
-                <a:latin typeface="Calibri"/>
-                <a:ea typeface="Calibri"/>
-                <a:cs typeface="Calibri"/>
-                <a:sym typeface="Calibri"/>
-              </a:rPr>
-              <a:t>Symfony</a:t>
-            </a:r>
-            <a:endParaRPr sz="1400" dirty="0">
-              <a:solidFill>
-                <a:schemeClr val="dk1"/>
-              </a:solidFill>
-              <a:latin typeface="Calibri"/>
-              <a:ea typeface="Calibri"/>
-              <a:cs typeface="Calibri"/>
-              <a:sym typeface="Calibri"/>
-            </a:endParaRPr>
-          </a:p>
-        </p:txBody>
-      </p:sp>
-      <p:sp>
-        <p:nvSpPr>
-          <p:cNvPr id="7" name="Espace réservé du texte 2">
-            <a:extLst>
-              <a:ext uri="{FF2B5EF4-FFF2-40B4-BE49-F238E27FC236}">
-                <a16:creationId xmlns:a16="http://schemas.microsoft.com/office/drawing/2014/main" id="{49CE6623-9ABA-47C3-964E-A9C08CABCC9C}"/>
-              </a:ext>
-            </a:extLst>
-          </p:cNvPr>
-          <p:cNvSpPr>
-            <a:spLocks noGrp="1"/>
-          </p:cNvSpPr>
-          <p:nvPr>
-            <p:ph type="body" idx="1"/>
-          </p:nvPr>
-        </p:nvSpPr>
-        <p:spPr>
-          <a:xfrm>
-            <a:off x="838200" y="2102813"/>
-            <a:ext cx="10515600" cy="4584772"/>
-          </a:xfrm>
-        </p:spPr>
-        <p:txBody>
-          <a:bodyPr/>
-          <a:lstStyle/>
-          <a:p>
-            <a:r>
-              <a:rPr lang="fr-FR" sz="2000" dirty="0" smtClean="0"/>
-              <a:t>Formulaire </a:t>
-            </a:r>
-            <a:r>
-              <a:rPr lang="fr-FR" sz="2000" dirty="0" smtClean="0"/>
-              <a:t>d’oublie de mot de passe :</a:t>
-            </a:r>
-            <a:endParaRPr lang="fr-FR" sz="2000" dirty="0" smtClean="0"/>
-          </a:p>
-          <a:p>
-            <a:pPr lvl="1"/>
-            <a:r>
-              <a:rPr lang="fr-FR" sz="1600" dirty="0" smtClean="0"/>
-              <a:t>Email</a:t>
-            </a:r>
-          </a:p>
-          <a:p>
-            <a:r>
-              <a:rPr lang="fr-FR" sz="2000" dirty="0" smtClean="0"/>
-              <a:t>Le formulaire est soumis même si l’adresse email n’est pas connue en base</a:t>
-            </a:r>
-          </a:p>
-          <a:p>
-            <a:r>
-              <a:rPr lang="fr-FR" sz="2000" dirty="0" smtClean="0"/>
-              <a:t>Un message flash indique à l’utilisateur que si l’adresse email renseignée est bonne, il recevra un message l’invitant à réinitialiser le mot de passe</a:t>
-            </a:r>
-          </a:p>
-          <a:p>
-            <a:r>
-              <a:rPr lang="fr-FR" sz="2000" dirty="0" smtClean="0"/>
-              <a:t>Techniquement, le lien dans l’email redirige vers une route spécifique avec vérification d’un </a:t>
-            </a:r>
-            <a:r>
-              <a:rPr lang="fr-FR" sz="2000" dirty="0" err="1" smtClean="0"/>
-              <a:t>token</a:t>
-            </a:r>
-            <a:r>
-              <a:rPr lang="fr-FR" sz="2000" dirty="0" smtClean="0"/>
-              <a:t> généré puis ajouté en base de données</a:t>
-            </a:r>
-          </a:p>
-          <a:p>
-            <a:r>
-              <a:rPr lang="fr-FR" sz="2000" dirty="0" smtClean="0"/>
-              <a:t>Si le </a:t>
-            </a:r>
-            <a:r>
-              <a:rPr lang="fr-FR" sz="2000" dirty="0" err="1" smtClean="0"/>
-              <a:t>token</a:t>
-            </a:r>
-            <a:r>
-              <a:rPr lang="fr-FR" sz="2000" dirty="0" smtClean="0"/>
-              <a:t> correspond à celui en base, redirection vers le formulaire de changement de mot de passe</a:t>
-            </a:r>
-          </a:p>
-          <a:p>
-            <a:r>
-              <a:rPr lang="fr-FR" sz="2000" dirty="0" smtClean="0"/>
-              <a:t>Si </a:t>
-            </a:r>
-            <a:r>
-              <a:rPr lang="fr-FR" sz="2000" dirty="0" err="1" smtClean="0"/>
-              <a:t>token</a:t>
-            </a:r>
-            <a:r>
-              <a:rPr lang="fr-FR" sz="2000" dirty="0" smtClean="0"/>
-              <a:t> invalide, erreur en message flash et redirection vers l’accueil</a:t>
-            </a:r>
-            <a:endParaRPr lang="fr-FR" sz="2000" dirty="0" smtClean="0"/>
-          </a:p>
-        </p:txBody>
-      </p:sp>
-    </p:spTree>
-    <p:extLst>
-      <p:ext uri="{BB962C8B-B14F-4D97-AF65-F5344CB8AC3E}">
-        <p14:creationId xmlns:p14="http://schemas.microsoft.com/office/powerpoint/2010/main" val="989190266"/>
       </p:ext>
     </p:extLst>
   </p:cSld>

--- a/P7_claireau_thomas/présentation-p7-php-openclassrooms.pptx
+++ b/P7_claireau_thomas/présentation-p7-php-openclassrooms.pptx
@@ -13207,13 +13207,8 @@
             <a:pPr lvl="1"/>
             <a:r>
               <a:rPr lang="fr-FR" sz="1800" dirty="0" smtClean="0"/>
-              <a:t>Développement front </a:t>
-            </a:r>
-            <a:r>
-              <a:rPr lang="fr-FR" sz="1800" dirty="0" smtClean="0"/>
-              <a:t>:</a:t>
-            </a:r>
-            <a:endParaRPr lang="fr-FR" sz="1800" dirty="0" smtClean="0"/>
+              <a:t>Développement front :</a:t>
+            </a:r>
           </a:p>
           <a:p>
             <a:pPr lvl="2"/>
@@ -13221,19 +13216,13 @@
               <a:rPr lang="fr-FR" sz="1600" dirty="0" smtClean="0"/>
               <a:t>Mise en place d’une documentation pour l’api</a:t>
             </a:r>
-            <a:endParaRPr lang="fr-FR" sz="1600" dirty="0" smtClean="0"/>
           </a:p>
           <a:p>
             <a:pPr lvl="1"/>
             <a:r>
               <a:rPr lang="fr-FR" sz="1800" dirty="0" smtClean="0"/>
-              <a:t>Développement back </a:t>
-            </a:r>
-            <a:r>
-              <a:rPr lang="fr-FR" sz="1800" dirty="0" smtClean="0"/>
-              <a:t>:</a:t>
-            </a:r>
-            <a:endParaRPr lang="fr-FR" sz="1800" dirty="0" smtClean="0"/>
+              <a:t>Développement back :</a:t>
+            </a:r>
           </a:p>
           <a:p>
             <a:pPr lvl="2"/>
@@ -13260,17 +13249,8 @@
             <a:pPr lvl="1"/>
             <a:r>
               <a:rPr lang="fr-FR" sz="1800" dirty="0" smtClean="0"/>
-              <a:t>Création </a:t>
-            </a:r>
-            <a:r>
-              <a:rPr lang="fr-FR" sz="1800" dirty="0" smtClean="0"/>
-              <a:t>d’un système sécurisé pour l’accès à </a:t>
-            </a:r>
-            <a:r>
-              <a:rPr lang="fr-FR" sz="1800" dirty="0" smtClean="0"/>
-              <a:t>l’API</a:t>
-            </a:r>
-            <a:endParaRPr lang="fr-FR" sz="1800" dirty="0" smtClean="0"/>
+              <a:t>Création d’un système sécurisé pour l’accès à l’API</a:t>
+            </a:r>
           </a:p>
         </p:txBody>
       </p:sp>
@@ -13441,7 +13421,7 @@
         <p:spPr>
           <a:xfrm>
             <a:off x="838200" y="2035836"/>
-            <a:ext cx="6802315" cy="4351200"/>
+            <a:ext cx="8200292" cy="4351200"/>
           </a:xfrm>
         </p:spPr>
         <p:txBody>
@@ -13450,13 +13430,8 @@
           <a:p>
             <a:r>
               <a:rPr lang="fr-FR" dirty="0" smtClean="0"/>
-              <a:t>Création des schémas UML pour </a:t>
-            </a:r>
-            <a:r>
-              <a:rPr lang="fr-FR" dirty="0" smtClean="0"/>
-              <a:t>la gestion de l’API :</a:t>
-            </a:r>
-            <a:endParaRPr lang="fr-FR" dirty="0" smtClean="0"/>
+              <a:t>Création des schémas UML pour la gestion de l’API :</a:t>
+            </a:r>
           </a:p>
           <a:p>
             <a:pPr lvl="1"/>
@@ -13464,42 +13439,26 @@
               <a:rPr lang="fr-FR" dirty="0" smtClean="0"/>
               <a:t>Les utilisateurs</a:t>
             </a:r>
-            <a:endParaRPr lang="fr-FR" dirty="0" smtClean="0"/>
           </a:p>
           <a:p>
             <a:pPr lvl="1"/>
             <a:r>
               <a:rPr lang="fr-FR" dirty="0" smtClean="0"/>
-              <a:t>Les </a:t>
-            </a:r>
+              <a:t>Les clients</a:t>
+            </a:r>
+          </a:p>
+          <a:p>
+            <a:pPr lvl="1"/>
             <a:r>
               <a:rPr lang="fr-FR" dirty="0" smtClean="0"/>
-              <a:t>clients</a:t>
-            </a:r>
-            <a:endParaRPr lang="fr-FR" dirty="0" smtClean="0"/>
-          </a:p>
-          <a:p>
-            <a:pPr lvl="1"/>
+              <a:t>Les produits (téléphones)</a:t>
+            </a:r>
+          </a:p>
+          <a:p>
             <a:r>
               <a:rPr lang="fr-FR" dirty="0" smtClean="0"/>
-              <a:t>Les </a:t>
-            </a:r>
-            <a:r>
-              <a:rPr lang="fr-FR" dirty="0" smtClean="0"/>
-              <a:t>produits (téléphones)</a:t>
-            </a:r>
-            <a:endParaRPr lang="fr-FR" dirty="0" smtClean="0"/>
-          </a:p>
-          <a:p>
-            <a:r>
-              <a:rPr lang="fr-FR" dirty="0" smtClean="0"/>
-              <a:t>Présentation des schémas UML pour </a:t>
-            </a:r>
-            <a:r>
-              <a:rPr lang="fr-FR" dirty="0" smtClean="0"/>
-              <a:t>ajouter un nouveau produit</a:t>
-            </a:r>
-            <a:endParaRPr lang="fr-FR" dirty="0" smtClean="0"/>
+              <a:t>Présentation des schémas UML pour ajouter un nouveau produit</a:t>
+            </a:r>
           </a:p>
         </p:txBody>
       </p:sp>
@@ -13918,15 +13877,7 @@
             <a:pPr lvl="1"/>
             <a:r>
               <a:rPr lang="fr-FR" sz="2000" dirty="0" smtClean="0"/>
-              <a:t>Une release est générée : </a:t>
-            </a:r>
-            <a:r>
-              <a:rPr lang="fr-FR" sz="2000" dirty="0" smtClean="0"/>
-              <a:t>v1.0.1 </a:t>
-            </a:r>
-            <a:r>
-              <a:rPr lang="fr-FR" sz="2000" dirty="0" smtClean="0"/>
-              <a:t>actuellement</a:t>
+              <a:t>Une release est générée : v1.0.1 actuellement</a:t>
             </a:r>
           </a:p>
           <a:p>
@@ -15215,15 +15166,6 @@
               </a:rPr>
               <a:t>technique</a:t>
             </a:r>
-            <a:r>
-              <a:rPr lang="fr-FR" sz="3959" dirty="0" smtClean="0">
-                <a:latin typeface="Quattrocento Sans"/>
-                <a:ea typeface="Quattrocento Sans"/>
-                <a:cs typeface="Quattrocento Sans"/>
-                <a:sym typeface="Quattrocento Sans"/>
-              </a:rPr>
-              <a:t/>
-            </a:r>
             <a:br>
               <a:rPr lang="fr-FR" sz="3959" dirty="0" smtClean="0">
                 <a:latin typeface="Quattrocento Sans"/>
@@ -15305,8 +15247,8 @@
         </p:nvSpPr>
         <p:spPr>
           <a:xfrm>
-            <a:off x="838200" y="2102813"/>
-            <a:ext cx="10515600" cy="4584772"/>
+            <a:off x="838200" y="2273228"/>
+            <a:ext cx="7224346" cy="4584772"/>
           </a:xfrm>
         </p:spPr>
         <p:txBody>
@@ -15325,7 +15267,105 @@
               <a:rPr lang="fr-FR" sz="2400" dirty="0" err="1" smtClean="0"/>
               <a:t>token</a:t>
             </a:r>
-            <a:endParaRPr lang="fr-FR" sz="2000" dirty="0" smtClean="0"/>
+            <a:endParaRPr lang="fr-FR" sz="2400" dirty="0" smtClean="0"/>
+          </a:p>
+          <a:p>
+            <a:r>
+              <a:rPr lang="fr-FR" sz="2400" dirty="0" smtClean="0"/>
+              <a:t>Signature numérique à l’aide d’un </a:t>
+            </a:r>
+            <a:r>
+              <a:rPr lang="fr-FR" sz="2400" dirty="0" err="1" smtClean="0"/>
+              <a:t>token</a:t>
+            </a:r>
+            <a:r>
+              <a:rPr lang="fr-FR" sz="2400" dirty="0" smtClean="0"/>
+              <a:t> généré en JSON</a:t>
+            </a:r>
+          </a:p>
+          <a:p>
+            <a:r>
+              <a:rPr lang="fr-FR" sz="2000" dirty="0" smtClean="0"/>
+              <a:t>L’authentification est gérée par la librairie </a:t>
+            </a:r>
+            <a:r>
+              <a:rPr lang="fr-FR" sz="2000" dirty="0" err="1" smtClean="0"/>
+              <a:t>Lexik</a:t>
+            </a:r>
+            <a:r>
+              <a:rPr lang="fr-FR" sz="2000" dirty="0" smtClean="0"/>
+              <a:t> </a:t>
+            </a:r>
+            <a:r>
+              <a:rPr lang="fr-FR" sz="2000" dirty="0" err="1" smtClean="0"/>
+              <a:t>Jwt</a:t>
+            </a:r>
+            <a:r>
+              <a:rPr lang="fr-FR" sz="2000" dirty="0"/>
+              <a:t> </a:t>
+            </a:r>
+            <a:r>
+              <a:rPr lang="fr-FR" sz="2000" dirty="0" smtClean="0"/>
+              <a:t>:</a:t>
+            </a:r>
+          </a:p>
+          <a:p>
+            <a:pPr lvl="1"/>
+            <a:r>
+              <a:rPr lang="fr-FR" sz="1800" dirty="0" smtClean="0"/>
+              <a:t>On passe en entrée un utilisateur (au format </a:t>
+            </a:r>
+            <a:r>
+              <a:rPr lang="fr-FR" sz="1800" dirty="0" err="1" smtClean="0"/>
+              <a:t>json</a:t>
+            </a:r>
+            <a:r>
+              <a:rPr lang="fr-FR" sz="1800" dirty="0" smtClean="0"/>
+              <a:t>)</a:t>
+            </a:r>
+            <a:endParaRPr lang="fr-FR" sz="1800" dirty="0"/>
+          </a:p>
+          <a:p>
+            <a:pPr lvl="1"/>
+            <a:r>
+              <a:rPr lang="fr-FR" sz="1800" dirty="0" smtClean="0"/>
+              <a:t>On définit une route POST pour vérifier l’utilisateur</a:t>
+            </a:r>
+          </a:p>
+          <a:p>
+            <a:pPr lvl="1"/>
+            <a:r>
+              <a:rPr lang="fr-FR" sz="1800" dirty="0" smtClean="0"/>
+              <a:t>Si l’utilisateur a les bons droits et est présent en base de données, la librairie </a:t>
+            </a:r>
+            <a:r>
+              <a:rPr lang="fr-FR" sz="1800" dirty="0" err="1" smtClean="0"/>
+              <a:t>renvoit</a:t>
+            </a:r>
+            <a:r>
+              <a:rPr lang="fr-FR" sz="1800" dirty="0" smtClean="0"/>
+              <a:t> un </a:t>
+            </a:r>
+            <a:r>
+              <a:rPr lang="fr-FR" sz="1800" dirty="0" err="1" smtClean="0"/>
+              <a:t>token</a:t>
+            </a:r>
+            <a:endParaRPr lang="fr-FR" sz="1800" dirty="0" smtClean="0"/>
+          </a:p>
+          <a:p>
+            <a:pPr lvl="1"/>
+            <a:r>
+              <a:rPr lang="fr-FR" sz="1800" dirty="0" smtClean="0"/>
+              <a:t>Ce </a:t>
+            </a:r>
+            <a:r>
+              <a:rPr lang="fr-FR" sz="1800" dirty="0" err="1" smtClean="0"/>
+              <a:t>token</a:t>
+            </a:r>
+            <a:r>
+              <a:rPr lang="fr-FR" sz="1800" dirty="0" smtClean="0"/>
+              <a:t> est utilisé ensuite dans toutes les requêtes avec l’API</a:t>
+            </a:r>
           </a:p>
         </p:txBody>
       </p:sp>
@@ -15664,113 +15704,187 @@
           <a:lstStyle/>
           <a:p>
             <a:r>
-              <a:rPr lang="fr-FR" sz="2000" u="sng" dirty="0" smtClean="0"/>
-              <a:t>Home Controller </a:t>
-            </a:r>
-            <a:r>
-              <a:rPr lang="fr-FR" sz="2000" dirty="0" smtClean="0"/>
-              <a:t>: gère les routes vers la home page</a:t>
-            </a:r>
-          </a:p>
-          <a:p>
-            <a:r>
-              <a:rPr lang="fr-FR" sz="2000" u="sng" dirty="0" err="1" smtClean="0"/>
-              <a:t>FigureController</a:t>
-            </a:r>
-            <a:r>
-              <a:rPr lang="fr-FR" sz="2000" dirty="0" smtClean="0"/>
-              <a:t> : gère les routes vers les figures quand l’utilisateur n’est pas en mode admin</a:t>
-            </a:r>
-          </a:p>
-          <a:p>
-            <a:r>
-              <a:rPr lang="fr-FR" sz="2000" u="sng" dirty="0" smtClean="0"/>
+              <a:rPr lang="fr-FR" sz="1800" u="sng" dirty="0" smtClean="0"/>
               <a:t>Dossier </a:t>
             </a:r>
             <a:r>
-              <a:rPr lang="fr-FR" sz="2000" u="sng" dirty="0" err="1" smtClean="0"/>
+              <a:rPr lang="fr-FR" sz="1800" u="sng" dirty="0"/>
+              <a:t>config/packages/*.</a:t>
+            </a:r>
+            <a:r>
+              <a:rPr lang="fr-FR" sz="1800" u="sng" dirty="0" err="1"/>
+              <a:t>yaml</a:t>
+            </a:r>
+            <a:r>
+              <a:rPr lang="fr-FR" sz="1800" dirty="0"/>
+              <a:t>  :</a:t>
+            </a:r>
+            <a:r>
+              <a:rPr lang="fr-FR" sz="1800" dirty="0" smtClean="0"/>
+              <a:t> gère </a:t>
+            </a:r>
+            <a:r>
+              <a:rPr lang="fr-FR" sz="1800" dirty="0"/>
+              <a:t>la configuration des librairies suivantes :</a:t>
+            </a:r>
+          </a:p>
+          <a:p>
+            <a:pPr lvl="1"/>
+            <a:r>
+              <a:rPr lang="fr-FR" sz="1400" dirty="0" err="1"/>
+              <a:t>Lexik</a:t>
+            </a:r>
+            <a:r>
+              <a:rPr lang="fr-FR" sz="1400" dirty="0"/>
+              <a:t> JWT Authentification</a:t>
+            </a:r>
+          </a:p>
+          <a:p>
+            <a:pPr lvl="1"/>
+            <a:r>
+              <a:rPr lang="fr-FR" sz="1400" dirty="0"/>
+              <a:t>Api Platform</a:t>
+            </a:r>
+          </a:p>
+          <a:p>
+            <a:pPr lvl="1"/>
+            <a:r>
+              <a:rPr lang="fr-FR" sz="1400" dirty="0"/>
+              <a:t>Fos </a:t>
+            </a:r>
+            <a:r>
+              <a:rPr lang="fr-FR" sz="1400" dirty="0" err="1"/>
+              <a:t>Rest</a:t>
+            </a:r>
+            <a:r>
+              <a:rPr lang="fr-FR" sz="1400" dirty="0"/>
+              <a:t> Bundle</a:t>
+            </a:r>
+          </a:p>
+          <a:p>
+            <a:pPr lvl="1"/>
+            <a:r>
+              <a:rPr lang="fr-FR" sz="1400" dirty="0"/>
+              <a:t>JMS </a:t>
+            </a:r>
+            <a:r>
+              <a:rPr lang="fr-FR" sz="1400" dirty="0" err="1" smtClean="0"/>
+              <a:t>serializer</a:t>
+            </a:r>
+            <a:endParaRPr lang="fr-FR" sz="1800" dirty="0" smtClean="0"/>
+          </a:p>
+          <a:p>
+            <a:r>
+              <a:rPr lang="fr-FR" sz="1800" u="sng" dirty="0" smtClean="0"/>
+              <a:t>Dossier </a:t>
+            </a:r>
+            <a:r>
+              <a:rPr lang="fr-FR" sz="1800" u="sng" dirty="0" err="1" smtClean="0"/>
               <a:t>src</a:t>
             </a:r>
             <a:r>
-              <a:rPr lang="fr-FR" sz="2000" u="sng" dirty="0" smtClean="0"/>
-              <a:t>/Admin </a:t>
-            </a:r>
-            <a:r>
-              <a:rPr lang="fr-FR" sz="2000" dirty="0" smtClean="0"/>
-              <a:t>: protégé par l’authentification</a:t>
-            </a:r>
-          </a:p>
-          <a:p>
-            <a:r>
-              <a:rPr lang="fr-FR" sz="2000" u="sng" dirty="0" smtClean="0"/>
+              <a:rPr lang="fr-FR" sz="1800" u="sng" dirty="0" smtClean="0"/>
+              <a:t>/Api </a:t>
+            </a:r>
+            <a:r>
+              <a:rPr lang="fr-FR" sz="1800" dirty="0" smtClean="0"/>
+              <a:t>: protégé par l’authentification avec JWT</a:t>
+            </a:r>
+          </a:p>
+          <a:p>
+            <a:r>
+              <a:rPr lang="fr-FR" sz="1800" u="sng" dirty="0" smtClean="0"/>
               <a:t>Dossier Admin/Security </a:t>
             </a:r>
             <a:r>
-              <a:rPr lang="fr-FR" sz="2000" dirty="0" smtClean="0"/>
+              <a:rPr lang="fr-FR" sz="1800" dirty="0" smtClean="0"/>
               <a:t>: gère la validation des utilisateurs et la vérification de </a:t>
             </a:r>
             <a:r>
-              <a:rPr lang="fr-FR" sz="2000" dirty="0" err="1" smtClean="0"/>
+              <a:rPr lang="fr-FR" sz="1800" dirty="0" err="1" smtClean="0"/>
               <a:t>token</a:t>
             </a:r>
             <a:r>
-              <a:rPr lang="fr-FR" sz="2000" dirty="0" smtClean="0"/>
+              <a:rPr lang="fr-FR" sz="1800" dirty="0" smtClean="0"/>
               <a:t> de régénération de mot de passe</a:t>
             </a:r>
           </a:p>
           <a:p>
             <a:r>
-              <a:rPr lang="fr-FR" sz="2000" u="sng" dirty="0" smtClean="0"/>
-              <a:t>Admin*Controller</a:t>
-            </a:r>
-            <a:r>
-              <a:rPr lang="fr-FR" sz="2000" dirty="0" smtClean="0"/>
-              <a:t> : CRUD des différentes entités : figures, photos, vidéos, commentaires</a:t>
-            </a:r>
-          </a:p>
-          <a:p>
-            <a:r>
-              <a:rPr lang="fr-FR" sz="2000" u="sng" dirty="0" smtClean="0"/>
+              <a:rPr lang="fr-FR" sz="1800" u="sng" dirty="0" smtClean="0"/>
+              <a:t>Api*Controller</a:t>
+            </a:r>
+            <a:r>
+              <a:rPr lang="fr-FR" sz="1800" dirty="0" smtClean="0"/>
+              <a:t> : gère les différentes entrées de l’API :</a:t>
+            </a:r>
+          </a:p>
+          <a:p>
+            <a:pPr lvl="1"/>
+            <a:r>
+              <a:rPr lang="fr-FR" sz="1400" dirty="0" err="1" smtClean="0"/>
+              <a:t>ApiClientController</a:t>
+            </a:r>
+            <a:r>
+              <a:rPr lang="fr-FR" sz="1400" dirty="0" smtClean="0"/>
+              <a:t> : gère les entrées pour l’entité Client</a:t>
+            </a:r>
+          </a:p>
+          <a:p>
+            <a:pPr lvl="1"/>
+            <a:r>
+              <a:rPr lang="fr-FR" sz="1400" dirty="0" err="1" smtClean="0"/>
+              <a:t>ApiUserController</a:t>
+            </a:r>
+            <a:r>
+              <a:rPr lang="fr-FR" sz="1400" dirty="0" smtClean="0"/>
+              <a:t> : gère les entrées pour l’entité User</a:t>
+            </a:r>
+          </a:p>
+          <a:p>
+            <a:pPr lvl="1"/>
+            <a:r>
+              <a:rPr lang="fr-FR" sz="1400" dirty="0" err="1" smtClean="0"/>
+              <a:t>ApiProductController</a:t>
+            </a:r>
+            <a:r>
+              <a:rPr lang="fr-FR" sz="1400" dirty="0" smtClean="0"/>
+              <a:t> : gère les entrées pour l’entité Product</a:t>
+            </a:r>
+          </a:p>
+          <a:p>
+            <a:r>
+              <a:rPr lang="fr-FR" sz="1800" u="sng" dirty="0" smtClean="0"/>
               <a:t>Dossier </a:t>
             </a:r>
             <a:r>
-              <a:rPr lang="fr-FR" sz="2000" u="sng" dirty="0" err="1" smtClean="0"/>
+              <a:rPr lang="fr-FR" sz="1800" u="sng" dirty="0" err="1" smtClean="0"/>
               <a:t>Entity</a:t>
             </a:r>
             <a:r>
-              <a:rPr lang="fr-FR" sz="2000" u="sng" dirty="0" smtClean="0"/>
+              <a:rPr lang="fr-FR" sz="1800" u="sng" dirty="0" smtClean="0"/>
               <a:t> </a:t>
             </a:r>
             <a:r>
-              <a:rPr lang="fr-FR" sz="2000" dirty="0" smtClean="0"/>
+              <a:rPr lang="fr-FR" sz="1800" dirty="0" smtClean="0"/>
               <a:t>: les entités </a:t>
             </a:r>
             <a:r>
-              <a:rPr lang="fr-FR" sz="2000" dirty="0" err="1" smtClean="0"/>
+              <a:rPr lang="fr-FR" sz="1800" dirty="0" err="1" smtClean="0"/>
               <a:t>Symfony</a:t>
             </a:r>
             <a:r>
-              <a:rPr lang="fr-FR" sz="2000" dirty="0" smtClean="0"/>
-              <a:t> des différents composants de l’application, citées juste au dessus.</a:t>
-            </a:r>
-          </a:p>
-          <a:p>
-            <a:r>
-              <a:rPr lang="fr-FR" sz="2000" u="sng" dirty="0" smtClean="0"/>
-              <a:t>Dossier Form </a:t>
-            </a:r>
-            <a:r>
-              <a:rPr lang="fr-FR" sz="2000" dirty="0" smtClean="0"/>
-              <a:t>: accès aux formulaires reliés aux entités </a:t>
-            </a:r>
-            <a:r>
-              <a:rPr lang="fr-FR" sz="2000" dirty="0" err="1" smtClean="0"/>
-              <a:t>Symfony</a:t>
-            </a:r>
-            <a:endParaRPr lang="fr-FR" sz="2000" dirty="0" smtClean="0"/>
-          </a:p>
-          <a:p>
-            <a:endParaRPr lang="fr-FR" sz="2000" dirty="0" smtClean="0"/>
+              <a:rPr lang="fr-FR" sz="1800" dirty="0" smtClean="0"/>
+              <a:t> des différents composants de l’application, citées juste au dessus</a:t>
+            </a:r>
+            <a:r>
+              <a:rPr lang="fr-FR" sz="1800" dirty="0"/>
+              <a:t>.</a:t>
+            </a:r>
+            <a:endParaRPr lang="fr-FR" sz="1800" dirty="0" smtClean="0"/>
+          </a:p>
+          <a:p>
+            <a:endParaRPr lang="fr-FR" sz="1800" dirty="0" smtClean="0"/>
           </a:p>
         </p:txBody>
       </p:sp>
@@ -16026,7 +16140,7 @@
                 <a:cs typeface="Quattrocento Sans"/>
                 <a:sym typeface="Quattrocento Sans"/>
               </a:rPr>
-              <a:t> sur GitHub : </a:t>
+              <a:t> sur GitHub : Controller </a:t>
             </a:r>
             <a:r>
               <a:rPr lang="fr-FR" sz="2400" dirty="0" err="1" smtClean="0">
@@ -16040,35 +16154,7 @@
                 <a:cs typeface="Quattrocento Sans"/>
                 <a:sym typeface="Quattrocento Sans"/>
               </a:rPr>
-              <a:t>Create</a:t>
-            </a:r>
-            <a:r>
-              <a:rPr lang="fr-FR" sz="2400" dirty="0" smtClean="0">
-                <a:solidFill>
-                  <a:schemeClr val="bg1">
-                    <a:lumMod val="65000"/>
-                  </a:schemeClr>
-                </a:solidFill>
-                <a:latin typeface="Quattrocento Sans"/>
-                <a:ea typeface="Quattrocento Sans"/>
-                <a:cs typeface="Quattrocento Sans"/>
-                <a:sym typeface="Quattrocento Sans"/>
-              </a:rPr>
-              <a:t> </a:t>
-            </a:r>
-            <a:r>
-              <a:rPr lang="fr-FR" sz="2400" dirty="0" err="1" smtClean="0">
-                <a:solidFill>
-                  <a:schemeClr val="bg1">
-                    <a:lumMod val="65000"/>
-                  </a:schemeClr>
-                </a:solidFill>
-                <a:latin typeface="Quattrocento Sans"/>
-                <a:ea typeface="Quattrocento Sans"/>
-                <a:cs typeface="Quattrocento Sans"/>
-                <a:sym typeface="Quattrocento Sans"/>
-              </a:rPr>
-              <a:t>View</a:t>
+              <a:t>entities</a:t>
             </a:r>
             <a:endParaRPr sz="1979" dirty="0">
               <a:solidFill>
@@ -16171,31 +16257,19 @@
             <a:pPr lvl="1"/>
             <a:r>
               <a:rPr lang="fr-FR" sz="1800" dirty="0" smtClean="0"/>
-              <a:t>Créer les vues de l’application sur </a:t>
+              <a:t>Créer les </a:t>
             </a:r>
             <a:r>
               <a:rPr lang="fr-FR" sz="1800" dirty="0" err="1" smtClean="0"/>
-              <a:t>Twig</a:t>
-            </a:r>
-            <a:endParaRPr lang="fr-FR" sz="1800" dirty="0" smtClean="0"/>
-          </a:p>
-          <a:p>
-            <a:pPr lvl="1"/>
+              <a:t>controllers</a:t>
+            </a:r>
             <a:r>
               <a:rPr lang="fr-FR" sz="1800" dirty="0" smtClean="0"/>
-              <a:t>Ajout du </a:t>
+              <a:t> pour chaque entité de l’application (client, user, </a:t>
             </a:r>
             <a:r>
               <a:rPr lang="fr-FR" sz="1800" dirty="0" err="1" smtClean="0"/>
-              <a:t>layout</a:t>
-            </a:r>
-            <a:r>
-              <a:rPr lang="fr-FR" sz="1800" dirty="0" smtClean="0"/>
-              <a:t> global (</a:t>
-            </a:r>
-            <a:r>
-              <a:rPr lang="fr-FR" sz="1800" dirty="0" err="1" smtClean="0"/>
-              <a:t>base.html.twig</a:t>
+              <a:t>product</a:t>
             </a:r>
             <a:r>
               <a:rPr lang="fr-FR" sz="1800" dirty="0" smtClean="0"/>
@@ -16206,62 +16280,79 @@
             <a:pPr lvl="1"/>
             <a:r>
               <a:rPr lang="fr-FR" sz="1800" dirty="0" smtClean="0"/>
-              <a:t>Ajout d’une </a:t>
+              <a:t>Ajout du JMS </a:t>
             </a:r>
             <a:r>
               <a:rPr lang="fr-FR" sz="1800" dirty="0" err="1" smtClean="0"/>
-              <a:t>navbar</a:t>
-            </a:r>
-            <a:endParaRPr lang="fr-FR" sz="1800" dirty="0" smtClean="0"/>
+              <a:t>Serializer</a:t>
+            </a:r>
+            <a:r>
+              <a:rPr lang="fr-FR" sz="1800" dirty="0" smtClean="0"/>
+              <a:t> pour traiter les données entrantes et sortantes</a:t>
+            </a:r>
           </a:p>
           <a:p>
             <a:pPr lvl="1"/>
             <a:r>
               <a:rPr lang="fr-FR" sz="1800" dirty="0" smtClean="0"/>
-              <a:t>Ajout d’un header er d’un </a:t>
+              <a:t>Faire la liaison entre le </a:t>
             </a:r>
             <a:r>
               <a:rPr lang="fr-FR" sz="1800" dirty="0" err="1" smtClean="0"/>
-              <a:t>footer</a:t>
-            </a:r>
-            <a:endParaRPr lang="fr-FR" sz="1800" dirty="0" smtClean="0"/>
+              <a:t>controller</a:t>
+            </a:r>
+            <a:r>
+              <a:rPr lang="fr-FR" sz="1800" dirty="0" smtClean="0"/>
+              <a:t> et le </a:t>
+            </a:r>
+            <a:r>
+              <a:rPr lang="fr-FR" sz="1800" dirty="0" err="1" smtClean="0"/>
+              <a:t>repository</a:t>
+            </a:r>
+            <a:r>
+              <a:rPr lang="fr-FR" sz="1800" dirty="0"/>
+              <a:t> </a:t>
+            </a:r>
+            <a:r>
+              <a:rPr lang="fr-FR" sz="1800" dirty="0" smtClean="0"/>
+              <a:t>(base de données)</a:t>
+            </a:r>
           </a:p>
           <a:p>
             <a:pPr lvl="1"/>
             <a:r>
               <a:rPr lang="fr-FR" sz="1800" dirty="0" smtClean="0"/>
-              <a:t>Création des vues </a:t>
+              <a:t>Faire des custom </a:t>
             </a:r>
             <a:r>
               <a:rPr lang="fr-FR" sz="1800" dirty="0" err="1" smtClean="0"/>
-              <a:t>Twig</a:t>
+              <a:t>queries</a:t>
             </a:r>
             <a:r>
               <a:rPr lang="fr-FR" sz="1800" dirty="0" smtClean="0"/>
-              <a:t> pour les différentes pages : accueil, détail d’une figure, formulaire, commentaire</a:t>
+              <a:t> au niveau du </a:t>
+            </a:r>
+            <a:r>
+              <a:rPr lang="fr-FR" sz="1800" dirty="0" err="1" smtClean="0"/>
+              <a:t>repository</a:t>
+            </a:r>
+            <a:r>
+              <a:rPr lang="fr-FR" sz="1800" dirty="0" smtClean="0"/>
+              <a:t> « user » pour récupérer les utilisateurs lié à un client</a:t>
             </a:r>
           </a:p>
           <a:p>
             <a:pPr lvl="1"/>
             <a:r>
               <a:rPr lang="fr-FR" sz="1800" dirty="0" smtClean="0"/>
-              <a:t>Mise en place du style des différentes pages (</a:t>
-            </a:r>
-            <a:r>
-              <a:rPr lang="fr-FR" sz="1800" dirty="0" err="1" smtClean="0"/>
-              <a:t>scss</a:t>
-            </a:r>
+              <a:t>Implémenter la suppression des utilisateurs</a:t>
+            </a:r>
+          </a:p>
+          <a:p>
+            <a:pPr lvl="1"/>
             <a:r>
               <a:rPr lang="fr-FR" sz="1800" dirty="0" smtClean="0"/>
-              <a:t>, </a:t>
-            </a:r>
-            <a:r>
-              <a:rPr lang="fr-FR" sz="1800" dirty="0" err="1" smtClean="0"/>
-              <a:t>webpack</a:t>
-            </a:r>
-            <a:r>
-              <a:rPr lang="fr-FR" sz="1800" dirty="0" smtClean="0"/>
-              <a:t> encore)</a:t>
+              <a:t>Compléter les données fictives envoyées à l’installation de l’application</a:t>
             </a:r>
           </a:p>
         </p:txBody>

--- a/P7_claireau_thomas/présentation-p7-php-openclassrooms.pptx
+++ b/P7_claireau_thomas/présentation-p7-php-openclassrooms.pptx
@@ -23,14 +23,14 @@
   <p:notesSz cx="6858000" cy="9144000"/>
   <p:embeddedFontLst>
     <p:embeddedFont>
-      <p:font typeface="Calibri" panose="020F0502020204030204" pitchFamily="34" charset="0"/>
+      <p:font typeface="Quattrocento Sans" panose="020B0604020202020204" charset="0"/>
       <p:regular r:id="rId13"/>
       <p:bold r:id="rId14"/>
       <p:italic r:id="rId15"/>
       <p:boldItalic r:id="rId16"/>
     </p:embeddedFont>
     <p:embeddedFont>
-      <p:font typeface="Quattrocento Sans" panose="020B0604020202020204" charset="0"/>
+      <p:font typeface="Calibri" panose="020F0502020204030204" pitchFamily="34" charset="0"/>
       <p:regular r:id="rId17"/>
       <p:bold r:id="rId18"/>
       <p:italic r:id="rId19"/>
@@ -14709,8 +14709,8 @@
         </p:nvSpPr>
         <p:spPr>
           <a:xfrm>
-            <a:off x="838200" y="2176704"/>
-            <a:ext cx="10515600" cy="4584772"/>
+            <a:off x="776653" y="2019581"/>
+            <a:ext cx="6468208" cy="4584772"/>
           </a:xfrm>
         </p:spPr>
         <p:txBody>
@@ -14750,83 +14750,121 @@
           <a:p>
             <a:r>
               <a:rPr lang="fr-FR" sz="2400" dirty="0" smtClean="0"/>
-              <a:t>Librairies :</a:t>
+              <a:t>Librairies </a:t>
+            </a:r>
+            <a:r>
+              <a:rPr lang="fr-FR" sz="2400" dirty="0" smtClean="0"/>
+              <a:t>:</a:t>
             </a:r>
           </a:p>
           <a:p>
             <a:pPr lvl="1"/>
             <a:r>
               <a:rPr lang="fr-FR" sz="2000" dirty="0" smtClean="0"/>
+              <a:t>Fos </a:t>
+            </a:r>
+            <a:r>
+              <a:rPr lang="fr-FR" sz="2000" dirty="0" err="1" smtClean="0"/>
+              <a:t>rest</a:t>
+            </a:r>
+            <a:r>
+              <a:rPr lang="fr-FR" sz="2000" dirty="0" smtClean="0"/>
+              <a:t> bundle</a:t>
+            </a:r>
+          </a:p>
+          <a:p>
+            <a:pPr lvl="2"/>
+            <a:r>
+              <a:rPr lang="fr-FR" sz="1600" dirty="0" smtClean="0"/>
+              <a:t>Aide pour le développement d’API REST (annotation, implémentation du JMS </a:t>
+            </a:r>
+            <a:r>
+              <a:rPr lang="fr-FR" sz="1600" dirty="0" err="1" smtClean="0"/>
+              <a:t>Serializer</a:t>
+            </a:r>
+            <a:r>
+              <a:rPr lang="fr-FR" sz="1600" dirty="0" smtClean="0"/>
+              <a:t>…)</a:t>
+            </a:r>
+            <a:endParaRPr lang="fr-FR" sz="1600" dirty="0" smtClean="0"/>
+          </a:p>
+          <a:p>
+            <a:pPr lvl="1"/>
+            <a:r>
+              <a:rPr lang="fr-FR" sz="1800" dirty="0" smtClean="0"/>
               <a:t>Api </a:t>
             </a:r>
             <a:r>
-              <a:rPr lang="fr-FR" sz="2000" dirty="0" err="1" smtClean="0"/>
+              <a:rPr lang="fr-FR" sz="1800" dirty="0" err="1" smtClean="0"/>
               <a:t>platform</a:t>
             </a:r>
             <a:r>
-              <a:rPr lang="fr-FR" sz="2000" dirty="0"/>
+              <a:rPr lang="fr-FR" sz="1800" dirty="0"/>
               <a:t> </a:t>
             </a:r>
             <a:r>
-              <a:rPr lang="fr-FR" sz="2000" dirty="0" smtClean="0"/>
+              <a:rPr lang="fr-FR" sz="1800" dirty="0" smtClean="0"/>
               <a:t>:</a:t>
             </a:r>
           </a:p>
           <a:p>
             <a:pPr lvl="2"/>
             <a:r>
-              <a:rPr lang="fr-FR" sz="1600" dirty="0" smtClean="0"/>
+              <a:rPr lang="fr-FR" sz="1400" dirty="0" smtClean="0"/>
               <a:t>Documentation de l’API</a:t>
             </a:r>
           </a:p>
           <a:p>
             <a:pPr lvl="2"/>
             <a:r>
-              <a:rPr lang="fr-FR" sz="1600" dirty="0" smtClean="0"/>
+              <a:rPr lang="fr-FR" sz="1400" dirty="0" smtClean="0"/>
               <a:t>Présentation et test des points d’entrées</a:t>
             </a:r>
           </a:p>
           <a:p>
             <a:pPr lvl="1"/>
             <a:r>
-              <a:rPr lang="fr-FR" sz="2000" dirty="0" err="1" smtClean="0"/>
+              <a:rPr lang="fr-FR" sz="1800" dirty="0" err="1" smtClean="0"/>
               <a:t>Json</a:t>
             </a:r>
             <a:r>
-              <a:rPr lang="fr-FR" sz="2000" dirty="0" smtClean="0"/>
+              <a:rPr lang="fr-FR" sz="1800" dirty="0" smtClean="0"/>
               <a:t> Web </a:t>
             </a:r>
             <a:r>
-              <a:rPr lang="fr-FR" sz="2000" dirty="0" err="1" smtClean="0"/>
+              <a:rPr lang="fr-FR" sz="1800" dirty="0" err="1" smtClean="0"/>
               <a:t>Token</a:t>
             </a:r>
             <a:r>
-              <a:rPr lang="fr-FR" sz="2000" dirty="0" smtClean="0"/>
+              <a:rPr lang="fr-FR" sz="1800" dirty="0" smtClean="0"/>
               <a:t>:</a:t>
             </a:r>
           </a:p>
           <a:p>
             <a:pPr lvl="2"/>
             <a:r>
-              <a:rPr lang="fr-FR" dirty="0" smtClean="0"/>
+              <a:rPr lang="fr-FR" sz="1400" dirty="0" smtClean="0"/>
               <a:t>Authentification à chaque requête</a:t>
             </a:r>
           </a:p>
           <a:p>
             <a:pPr lvl="2"/>
             <a:r>
-              <a:rPr lang="fr-FR" dirty="0" smtClean="0"/>
+              <a:rPr lang="fr-FR" sz="1400" dirty="0" smtClean="0"/>
               <a:t>Récupération d’un </a:t>
             </a:r>
             <a:r>
-              <a:rPr lang="fr-FR" dirty="0" err="1" smtClean="0"/>
+              <a:rPr lang="fr-FR" sz="1400" dirty="0" err="1" smtClean="0"/>
               <a:t>token</a:t>
             </a:r>
             <a:r>
-              <a:rPr lang="fr-FR" dirty="0" smtClean="0"/>
-              <a:t> de vérification</a:t>
-            </a:r>
-            <a:endParaRPr lang="fr-FR" dirty="0"/>
+              <a:rPr lang="fr-FR" sz="1400" dirty="0" smtClean="0"/>
+              <a:t> de </a:t>
+            </a:r>
+            <a:r>
+              <a:rPr lang="fr-FR" sz="1400" dirty="0" smtClean="0"/>
+              <a:t>vérification</a:t>
+            </a:r>
           </a:p>
         </p:txBody>
       </p:sp>
@@ -15339,12 +15377,12 @@
               <a:t>Si l’utilisateur a les bons droits et est présent en base de données, la librairie </a:t>
             </a:r>
             <a:r>
-              <a:rPr lang="fr-FR" sz="1800" dirty="0" err="1" smtClean="0"/>
-              <a:t>renvoit</a:t>
-            </a:r>
-            <a:r>
               <a:rPr lang="fr-FR" sz="1800" dirty="0" smtClean="0"/>
-              <a:t> un </a:t>
+              <a:t>renvoie </a:t>
+            </a:r>
+            <a:r>
+              <a:rPr lang="fr-FR" sz="1800" dirty="0" smtClean="0"/>
+              <a:t>un </a:t>
             </a:r>
             <a:r>
               <a:rPr lang="fr-FR" sz="1800" dirty="0" err="1" smtClean="0"/>
@@ -15758,20 +15796,21 @@
             </a:r>
             <a:r>
               <a:rPr lang="fr-FR" sz="1400" dirty="0"/>
-              <a:t> Bundle</a:t>
-            </a:r>
-          </a:p>
-          <a:p>
-            <a:pPr lvl="1"/>
-            <a:r>
-              <a:rPr lang="fr-FR" sz="1400" dirty="0"/>
-              <a:t>JMS </a:t>
+              <a:t> </a:t>
+            </a:r>
+            <a:r>
+              <a:rPr lang="fr-FR" sz="1400" dirty="0" smtClean="0"/>
+              <a:t>Bundle (+ JMS </a:t>
             </a:r>
             <a:r>
               <a:rPr lang="fr-FR" sz="1400" dirty="0" err="1" smtClean="0"/>
-              <a:t>serializer</a:t>
-            </a:r>
-            <a:endParaRPr lang="fr-FR" sz="1800" dirty="0" smtClean="0"/>
+              <a:t>Serializer</a:t>
+            </a:r>
+            <a:r>
+              <a:rPr lang="fr-FR" sz="1400" dirty="0" smtClean="0"/>
+              <a:t> implémenté)</a:t>
+            </a:r>
+            <a:endParaRPr lang="fr-FR" sz="1400" dirty="0"/>
           </a:p>
           <a:p>
             <a:r>
